--- a/Project/IMLP449_ML_ProjectReport.pptx
+++ b/Project/IMLP449_ML_ProjectReport.pptx
@@ -14,8 +14,7 @@
     <p:sldId id="262" r:id="rId8"/>
     <p:sldId id="263" r:id="rId9"/>
     <p:sldId id="264" r:id="rId10"/>
-    <p:sldId id="266" r:id="rId11"/>
-    <p:sldId id="257" r:id="rId12"/>
+    <p:sldId id="257" r:id="rId11"/>
   </p:sldIdLst>
   <p:sldSz cx="12192000" cy="6858000"/>
   <p:notesSz cx="6858000" cy="9144000"/>
@@ -132,7 +131,6 @@
             <p14:sldId id="262"/>
             <p14:sldId id="263"/>
             <p14:sldId id="264"/>
-            <p14:sldId id="266"/>
           </p14:sldIdLst>
         </p14:section>
         <p14:section name="結尾" id="{0B27A4FA-2A37-4FA7-AB71-80E4C2904CE8}">
@@ -141,6 +139,9 @@
           </p14:sldIdLst>
         </p14:section>
       </p14:sectionLst>
+    </p:ext>
+    <p:ext uri="{EFAFB233-063F-42B5-8137-9DF3F51BA10A}">
+      <p15:sldGuideLst xmlns:p15="http://schemas.microsoft.com/office/powerpoint/2012/main"/>
     </p:ext>
   </p:extLst>
 </p:presentation>
@@ -231,7 +232,7 @@
           </a:lstStyle>
           <a:p>
             <a:r>
-              <a:rPr lang="zh-TW" altLang="en-US" smtClean="0"/>
+              <a:rPr lang="zh-TW" altLang="en-US"/>
               <a:t>按一下以編輯母片標題樣式</a:t>
             </a:r>
             <a:endParaRPr lang="en-US" dirty="0"/>
@@ -298,7 +299,7 @@
           </a:lstStyle>
           <a:p>
             <a:r>
-              <a:rPr lang="zh-TW" altLang="en-US" smtClean="0"/>
+              <a:rPr lang="zh-TW" altLang="en-US"/>
               <a:t>按一下以編輯母片副標題樣式</a:t>
             </a:r>
             <a:endParaRPr lang="en-US" dirty="0"/>
@@ -416,7 +417,7 @@
           <a:lstStyle/>
           <a:p>
             <a:r>
-              <a:rPr lang="zh-TW" altLang="en-US" smtClean="0"/>
+              <a:rPr lang="zh-TW" altLang="en-US"/>
               <a:t>按一下以編輯母片標題樣式</a:t>
             </a:r>
             <a:endParaRPr lang="en-US" dirty="0"/>
@@ -440,35 +441,35 @@
           <a:p>
             <a:pPr lvl="0"/>
             <a:r>
-              <a:rPr lang="zh-TW" altLang="en-US" smtClean="0"/>
+              <a:rPr lang="zh-TW" altLang="en-US"/>
               <a:t>編輯母片文字樣式</a:t>
             </a:r>
           </a:p>
           <a:p>
             <a:pPr lvl="1"/>
             <a:r>
-              <a:rPr lang="zh-TW" altLang="en-US" smtClean="0"/>
+              <a:rPr lang="zh-TW" altLang="en-US"/>
               <a:t>第二層</a:t>
             </a:r>
           </a:p>
           <a:p>
             <a:pPr lvl="2"/>
             <a:r>
-              <a:rPr lang="zh-TW" altLang="en-US" smtClean="0"/>
+              <a:rPr lang="zh-TW" altLang="en-US"/>
               <a:t>第三層</a:t>
             </a:r>
           </a:p>
           <a:p>
             <a:pPr lvl="3"/>
             <a:r>
-              <a:rPr lang="zh-TW" altLang="en-US" smtClean="0"/>
+              <a:rPr lang="zh-TW" altLang="en-US"/>
               <a:t>第四層</a:t>
             </a:r>
           </a:p>
           <a:p>
             <a:pPr lvl="4"/>
             <a:r>
-              <a:rPr lang="zh-TW" altLang="en-US" smtClean="0"/>
+              <a:rPr lang="zh-TW" altLang="en-US"/>
               <a:t>第五層</a:t>
             </a:r>
             <a:endParaRPr lang="en-US" dirty="0"/>
@@ -629,7 +630,7 @@
           <a:lstStyle/>
           <a:p>
             <a:r>
-              <a:rPr lang="zh-TW" altLang="en-US" smtClean="0"/>
+              <a:rPr lang="zh-TW" altLang="en-US"/>
               <a:t>按一下以編輯母片標題樣式</a:t>
             </a:r>
             <a:endParaRPr lang="en-US" dirty="0"/>
@@ -658,35 +659,35 @@
           <a:p>
             <a:pPr lvl="0"/>
             <a:r>
-              <a:rPr lang="zh-TW" altLang="en-US" smtClean="0"/>
+              <a:rPr lang="zh-TW" altLang="en-US"/>
               <a:t>編輯母片文字樣式</a:t>
             </a:r>
           </a:p>
           <a:p>
             <a:pPr lvl="1"/>
             <a:r>
-              <a:rPr lang="zh-TW" altLang="en-US" smtClean="0"/>
+              <a:rPr lang="zh-TW" altLang="en-US"/>
               <a:t>第二層</a:t>
             </a:r>
           </a:p>
           <a:p>
             <a:pPr lvl="2"/>
             <a:r>
-              <a:rPr lang="zh-TW" altLang="en-US" smtClean="0"/>
+              <a:rPr lang="zh-TW" altLang="en-US"/>
               <a:t>第三層</a:t>
             </a:r>
           </a:p>
           <a:p>
             <a:pPr lvl="3"/>
             <a:r>
-              <a:rPr lang="zh-TW" altLang="en-US" smtClean="0"/>
+              <a:rPr lang="zh-TW" altLang="en-US"/>
               <a:t>第四層</a:t>
             </a:r>
           </a:p>
           <a:p>
             <a:pPr lvl="4"/>
             <a:r>
-              <a:rPr lang="zh-TW" altLang="en-US" smtClean="0"/>
+              <a:rPr lang="zh-TW" altLang="en-US"/>
               <a:t>第五層</a:t>
             </a:r>
             <a:endParaRPr lang="en-US" dirty="0"/>
@@ -819,7 +820,7 @@
           <a:lstStyle/>
           <a:p>
             <a:r>
-              <a:rPr lang="zh-TW" altLang="en-US" smtClean="0"/>
+              <a:rPr lang="zh-TW" altLang="en-US"/>
               <a:t>按一下以編輯母片標題樣式</a:t>
             </a:r>
             <a:endParaRPr lang="en-US" dirty="0"/>
@@ -843,35 +844,35 @@
           <a:p>
             <a:pPr lvl="0"/>
             <a:r>
-              <a:rPr lang="zh-TW" altLang="en-US" smtClean="0"/>
+              <a:rPr lang="zh-TW" altLang="en-US"/>
               <a:t>編輯母片文字樣式</a:t>
             </a:r>
           </a:p>
           <a:p>
             <a:pPr lvl="1"/>
             <a:r>
-              <a:rPr lang="zh-TW" altLang="en-US" smtClean="0"/>
+              <a:rPr lang="zh-TW" altLang="en-US"/>
               <a:t>第二層</a:t>
             </a:r>
           </a:p>
           <a:p>
             <a:pPr lvl="2"/>
             <a:r>
-              <a:rPr lang="zh-TW" altLang="en-US" smtClean="0"/>
+              <a:rPr lang="zh-TW" altLang="en-US"/>
               <a:t>第三層</a:t>
             </a:r>
           </a:p>
           <a:p>
             <a:pPr lvl="3"/>
             <a:r>
-              <a:rPr lang="zh-TW" altLang="en-US" smtClean="0"/>
+              <a:rPr lang="zh-TW" altLang="en-US"/>
               <a:t>第四層</a:t>
             </a:r>
           </a:p>
           <a:p>
             <a:pPr lvl="4"/>
             <a:r>
-              <a:rPr lang="zh-TW" altLang="en-US" smtClean="0"/>
+              <a:rPr lang="zh-TW" altLang="en-US"/>
               <a:t>第五層</a:t>
             </a:r>
             <a:endParaRPr lang="en-US" dirty="0"/>
@@ -1050,7 +1051,7 @@
           </a:lstStyle>
           <a:p>
             <a:r>
-              <a:rPr lang="zh-TW" altLang="en-US" smtClean="0"/>
+              <a:rPr lang="zh-TW" altLang="en-US"/>
               <a:t>按一下以編輯母片標題樣式</a:t>
             </a:r>
             <a:endParaRPr lang="en-US" dirty="0"/>
@@ -1170,7 +1171,7 @@
           <a:p>
             <a:pPr lvl="0"/>
             <a:r>
-              <a:rPr lang="zh-TW" altLang="en-US" smtClean="0"/>
+              <a:rPr lang="zh-TW" altLang="en-US"/>
               <a:t>編輯母片文字樣式</a:t>
             </a:r>
           </a:p>
@@ -1311,7 +1312,7 @@
           <a:lstStyle/>
           <a:p>
             <a:r>
-              <a:rPr lang="zh-TW" altLang="en-US" smtClean="0"/>
+              <a:rPr lang="zh-TW" altLang="en-US"/>
               <a:t>按一下以編輯母片標題樣式</a:t>
             </a:r>
             <a:endParaRPr lang="en-US" dirty="0"/>
@@ -1368,35 +1369,35 @@
           <a:p>
             <a:pPr lvl="0"/>
             <a:r>
-              <a:rPr lang="zh-TW" altLang="en-US" smtClean="0"/>
+              <a:rPr lang="zh-TW" altLang="en-US"/>
               <a:t>編輯母片文字樣式</a:t>
             </a:r>
           </a:p>
           <a:p>
             <a:pPr lvl="1"/>
             <a:r>
-              <a:rPr lang="zh-TW" altLang="en-US" smtClean="0"/>
+              <a:rPr lang="zh-TW" altLang="en-US"/>
               <a:t>第二層</a:t>
             </a:r>
           </a:p>
           <a:p>
             <a:pPr lvl="2"/>
             <a:r>
-              <a:rPr lang="zh-TW" altLang="en-US" smtClean="0"/>
+              <a:rPr lang="zh-TW" altLang="en-US"/>
               <a:t>第三層</a:t>
             </a:r>
           </a:p>
           <a:p>
             <a:pPr lvl="3"/>
             <a:r>
-              <a:rPr lang="zh-TW" altLang="en-US" smtClean="0"/>
+              <a:rPr lang="zh-TW" altLang="en-US"/>
               <a:t>第四層</a:t>
             </a:r>
           </a:p>
           <a:p>
             <a:pPr lvl="4"/>
             <a:r>
-              <a:rPr lang="zh-TW" altLang="en-US" smtClean="0"/>
+              <a:rPr lang="zh-TW" altLang="en-US"/>
               <a:t>第五層</a:t>
             </a:r>
             <a:endParaRPr lang="en-US" dirty="0"/>
@@ -1453,35 +1454,35 @@
           <a:p>
             <a:pPr lvl="0"/>
             <a:r>
-              <a:rPr lang="zh-TW" altLang="en-US" smtClean="0"/>
+              <a:rPr lang="zh-TW" altLang="en-US"/>
               <a:t>編輯母片文字樣式</a:t>
             </a:r>
           </a:p>
           <a:p>
             <a:pPr lvl="1"/>
             <a:r>
-              <a:rPr lang="zh-TW" altLang="en-US" smtClean="0"/>
+              <a:rPr lang="zh-TW" altLang="en-US"/>
               <a:t>第二層</a:t>
             </a:r>
           </a:p>
           <a:p>
             <a:pPr lvl="2"/>
             <a:r>
-              <a:rPr lang="zh-TW" altLang="en-US" smtClean="0"/>
+              <a:rPr lang="zh-TW" altLang="en-US"/>
               <a:t>第三層</a:t>
             </a:r>
           </a:p>
           <a:p>
             <a:pPr lvl="3"/>
             <a:r>
-              <a:rPr lang="zh-TW" altLang="en-US" smtClean="0"/>
+              <a:rPr lang="zh-TW" altLang="en-US"/>
               <a:t>第四層</a:t>
             </a:r>
           </a:p>
           <a:p>
             <a:pPr lvl="4"/>
             <a:r>
-              <a:rPr lang="zh-TW" altLang="en-US" smtClean="0"/>
+              <a:rPr lang="zh-TW" altLang="en-US"/>
               <a:t>第五層</a:t>
             </a:r>
             <a:endParaRPr lang="en-US" dirty="0"/>
@@ -1599,7 +1600,7 @@
           <a:lstStyle/>
           <a:p>
             <a:r>
-              <a:rPr lang="zh-TW" altLang="en-US" smtClean="0"/>
+              <a:rPr lang="zh-TW" altLang="en-US"/>
               <a:t>按一下以編輯母片標題樣式</a:t>
             </a:r>
             <a:endParaRPr lang="en-US" dirty="0"/>
@@ -1667,7 +1668,7 @@
           <a:p>
             <a:pPr lvl="0"/>
             <a:r>
-              <a:rPr lang="zh-TW" altLang="en-US" smtClean="0"/>
+              <a:rPr lang="zh-TW" altLang="en-US"/>
               <a:t>編輯母片文字樣式</a:t>
             </a:r>
           </a:p>
@@ -1723,35 +1724,35 @@
           <a:p>
             <a:pPr lvl="0"/>
             <a:r>
-              <a:rPr lang="zh-TW" altLang="en-US" smtClean="0"/>
+              <a:rPr lang="zh-TW" altLang="en-US"/>
               <a:t>編輯母片文字樣式</a:t>
             </a:r>
           </a:p>
           <a:p>
             <a:pPr lvl="1"/>
             <a:r>
-              <a:rPr lang="zh-TW" altLang="en-US" smtClean="0"/>
+              <a:rPr lang="zh-TW" altLang="en-US"/>
               <a:t>第二層</a:t>
             </a:r>
           </a:p>
           <a:p>
             <a:pPr lvl="2"/>
             <a:r>
-              <a:rPr lang="zh-TW" altLang="en-US" smtClean="0"/>
+              <a:rPr lang="zh-TW" altLang="en-US"/>
               <a:t>第三層</a:t>
             </a:r>
           </a:p>
           <a:p>
             <a:pPr lvl="3"/>
             <a:r>
-              <a:rPr lang="zh-TW" altLang="en-US" smtClean="0"/>
+              <a:rPr lang="zh-TW" altLang="en-US"/>
               <a:t>第四層</a:t>
             </a:r>
           </a:p>
           <a:p>
             <a:pPr lvl="4"/>
             <a:r>
-              <a:rPr lang="zh-TW" altLang="en-US" smtClean="0"/>
+              <a:rPr lang="zh-TW" altLang="en-US"/>
               <a:t>第五層</a:t>
             </a:r>
             <a:endParaRPr lang="en-US" dirty="0"/>
@@ -1819,7 +1820,7 @@
           <a:p>
             <a:pPr lvl="0"/>
             <a:r>
-              <a:rPr lang="zh-TW" altLang="en-US" smtClean="0"/>
+              <a:rPr lang="zh-TW" altLang="en-US"/>
               <a:t>編輯母片文字樣式</a:t>
             </a:r>
           </a:p>
@@ -1875,35 +1876,35 @@
           <a:p>
             <a:pPr lvl="0"/>
             <a:r>
-              <a:rPr lang="zh-TW" altLang="en-US" smtClean="0"/>
+              <a:rPr lang="zh-TW" altLang="en-US"/>
               <a:t>編輯母片文字樣式</a:t>
             </a:r>
           </a:p>
           <a:p>
             <a:pPr lvl="1"/>
             <a:r>
-              <a:rPr lang="zh-TW" altLang="en-US" smtClean="0"/>
+              <a:rPr lang="zh-TW" altLang="en-US"/>
               <a:t>第二層</a:t>
             </a:r>
           </a:p>
           <a:p>
             <a:pPr lvl="2"/>
             <a:r>
-              <a:rPr lang="zh-TW" altLang="en-US" smtClean="0"/>
+              <a:rPr lang="zh-TW" altLang="en-US"/>
               <a:t>第三層</a:t>
             </a:r>
           </a:p>
           <a:p>
             <a:pPr lvl="3"/>
             <a:r>
-              <a:rPr lang="zh-TW" altLang="en-US" smtClean="0"/>
+              <a:rPr lang="zh-TW" altLang="en-US"/>
               <a:t>第四層</a:t>
             </a:r>
           </a:p>
           <a:p>
             <a:pPr lvl="4"/>
             <a:r>
-              <a:rPr lang="zh-TW" altLang="en-US" smtClean="0"/>
+              <a:rPr lang="zh-TW" altLang="en-US"/>
               <a:t>第五層</a:t>
             </a:r>
             <a:endParaRPr lang="en-US" dirty="0"/>
@@ -2021,7 +2022,7 @@
           <a:lstStyle/>
           <a:p>
             <a:r>
-              <a:rPr lang="zh-TW" altLang="en-US" smtClean="0"/>
+              <a:rPr lang="zh-TW" altLang="en-US"/>
               <a:t>按一下以編輯母片標題樣式</a:t>
             </a:r>
             <a:endParaRPr lang="en-US" dirty="0"/>
@@ -2234,7 +2235,7 @@
           <a:lstStyle/>
           <a:p>
             <a:r>
-              <a:rPr lang="zh-TW" altLang="en-US" smtClean="0"/>
+              <a:rPr lang="zh-TW" altLang="en-US"/>
               <a:t>按一下以編輯母片標題樣式</a:t>
             </a:r>
             <a:endParaRPr lang="en-US" dirty="0"/>
@@ -2291,35 +2292,35 @@
           <a:p>
             <a:pPr lvl="0"/>
             <a:r>
-              <a:rPr lang="zh-TW" altLang="en-US" smtClean="0"/>
+              <a:rPr lang="zh-TW" altLang="en-US"/>
               <a:t>編輯母片文字樣式</a:t>
             </a:r>
           </a:p>
           <a:p>
             <a:pPr lvl="1"/>
             <a:r>
-              <a:rPr lang="zh-TW" altLang="en-US" smtClean="0"/>
+              <a:rPr lang="zh-TW" altLang="en-US"/>
               <a:t>第二層</a:t>
             </a:r>
           </a:p>
           <a:p>
             <a:pPr lvl="2"/>
             <a:r>
-              <a:rPr lang="zh-TW" altLang="en-US" smtClean="0"/>
+              <a:rPr lang="zh-TW" altLang="en-US"/>
               <a:t>第三層</a:t>
             </a:r>
           </a:p>
           <a:p>
             <a:pPr lvl="3"/>
             <a:r>
-              <a:rPr lang="zh-TW" altLang="en-US" smtClean="0"/>
+              <a:rPr lang="zh-TW" altLang="en-US"/>
               <a:t>第四層</a:t>
             </a:r>
           </a:p>
           <a:p>
             <a:pPr lvl="4"/>
             <a:r>
-              <a:rPr lang="zh-TW" altLang="en-US" smtClean="0"/>
+              <a:rPr lang="zh-TW" altLang="en-US"/>
               <a:t>第五層</a:t>
             </a:r>
             <a:endParaRPr lang="en-US" dirty="0"/>
@@ -2390,7 +2391,7 @@
           <a:p>
             <a:pPr lvl="0"/>
             <a:r>
-              <a:rPr lang="zh-TW" altLang="en-US" smtClean="0"/>
+              <a:rPr lang="zh-TW" altLang="en-US"/>
               <a:t>編輯母片文字樣式</a:t>
             </a:r>
           </a:p>
@@ -2507,7 +2508,7 @@
           <a:lstStyle/>
           <a:p>
             <a:r>
-              <a:rPr lang="zh-TW" altLang="en-US" smtClean="0"/>
+              <a:rPr lang="zh-TW" altLang="en-US"/>
               <a:t>按一下以編輯母片標題樣式</a:t>
             </a:r>
             <a:endParaRPr lang="en-US" dirty="0"/>
@@ -2584,7 +2585,7 @@
           </a:lstStyle>
           <a:p>
             <a:r>
-              <a:rPr lang="zh-TW" altLang="en-US" smtClean="0"/>
+              <a:rPr lang="zh-TW" altLang="en-US"/>
               <a:t>按一下圖示以新增圖片</a:t>
             </a:r>
             <a:endParaRPr lang="en-US" dirty="0"/>
@@ -2655,7 +2656,7 @@
           <a:p>
             <a:pPr lvl="0"/>
             <a:r>
-              <a:rPr lang="zh-TW" altLang="en-US" smtClean="0"/>
+              <a:rPr lang="zh-TW" altLang="en-US"/>
               <a:t>編輯母片文字樣式</a:t>
             </a:r>
           </a:p>
@@ -2825,7 +2826,7 @@
           <a:lstStyle/>
           <a:p>
             <a:r>
-              <a:rPr lang="zh-TW" altLang="en-US" smtClean="0"/>
+              <a:rPr lang="zh-TW" altLang="en-US"/>
               <a:t>按一下以編輯母片標題樣式</a:t>
             </a:r>
             <a:endParaRPr lang="en-US" dirty="0"/>
@@ -2859,35 +2860,35 @@
           <a:p>
             <a:pPr lvl="0"/>
             <a:r>
-              <a:rPr lang="zh-TW" altLang="en-US" smtClean="0"/>
+              <a:rPr lang="zh-TW" altLang="en-US"/>
               <a:t>編輯母片文字樣式</a:t>
             </a:r>
           </a:p>
           <a:p>
             <a:pPr lvl="1"/>
             <a:r>
-              <a:rPr lang="zh-TW" altLang="en-US" smtClean="0"/>
+              <a:rPr lang="zh-TW" altLang="en-US"/>
               <a:t>第二層</a:t>
             </a:r>
           </a:p>
           <a:p>
             <a:pPr lvl="2"/>
             <a:r>
-              <a:rPr lang="zh-TW" altLang="en-US" smtClean="0"/>
+              <a:rPr lang="zh-TW" altLang="en-US"/>
               <a:t>第三層</a:t>
             </a:r>
           </a:p>
           <a:p>
             <a:pPr lvl="3"/>
             <a:r>
-              <a:rPr lang="zh-TW" altLang="en-US" smtClean="0"/>
+              <a:rPr lang="zh-TW" altLang="en-US"/>
               <a:t>第四層</a:t>
             </a:r>
           </a:p>
           <a:p>
             <a:pPr lvl="4"/>
             <a:r>
-              <a:rPr lang="zh-TW" altLang="en-US" smtClean="0"/>
+              <a:rPr lang="zh-TW" altLang="en-US"/>
               <a:t>第五層</a:t>
             </a:r>
             <a:endParaRPr lang="en-US" dirty="0"/>
@@ -3403,7 +3404,7 @@
           <a:lstStyle/>
           <a:p>
             <a:r>
-              <a:rPr lang="zh-CN" altLang="en-US" b="1" dirty="0" smtClean="0">
+              <a:rPr lang="zh-CN" altLang="en-US" b="1" dirty="0">
                 <a:latin typeface="Calibri" panose="020F0502020204030204" pitchFamily="34" charset="0"/>
                 <a:ea typeface="微軟正黑體" panose="020B0604030504040204" pitchFamily="34" charset="-120"/>
               </a:rPr>
@@ -3434,7 +3435,7 @@
           <a:lstStyle/>
           <a:p>
             <a:r>
-              <a:rPr lang="en-US" altLang="zh-CN" sz="2800" b="1" dirty="0" smtClean="0">
+              <a:rPr lang="en-US" altLang="zh-CN" sz="2800" b="1" dirty="0">
                 <a:latin typeface="Calibri" panose="020F0502020204030204" pitchFamily="34" charset="0"/>
                 <a:ea typeface="微軟正黑體" panose="020B0604030504040204" pitchFamily="34" charset="-120"/>
               </a:rPr>
@@ -3443,13 +3444,13 @@
           </a:p>
           <a:p>
             <a:r>
-              <a:rPr lang="zh-CN" altLang="en-US" sz="2800" b="1" dirty="0" smtClean="0">
+              <a:rPr lang="zh-CN" altLang="en-US" sz="2800" b="1" dirty="0">
                 <a:latin typeface="Calibri" panose="020F0502020204030204" pitchFamily="34" charset="0"/>
                 <a:ea typeface="微軟正黑體" panose="020B0604030504040204" pitchFamily="34" charset="-120"/>
               </a:rPr>
               <a:t>蔣孟哲</a:t>
             </a:r>
-            <a:endParaRPr lang="en-US" altLang="zh-CN" sz="2800" b="1" dirty="0" smtClean="0">
+            <a:endParaRPr lang="en-US" altLang="zh-CN" sz="2800" b="1" dirty="0">
               <a:latin typeface="Calibri" panose="020F0502020204030204" pitchFamily="34" charset="0"/>
               <a:ea typeface="微軟正黑體" panose="020B0604030504040204" pitchFamily="34" charset="-120"/>
             </a:endParaRPr>
@@ -3466,13 +3467,6 @@
   <p:clrMapOvr>
     <a:masterClrMapping/>
   </p:clrMapOvr>
-  <p:timing>
-    <p:tnLst>
-      <p:par>
-        <p:cTn id="1" dur="indefinite" restart="never" nodeType="tmRoot"/>
-      </p:par>
-    </p:tnLst>
-  </p:timing>
 </p:sld>
 </file>
 
@@ -3495,164 +3489,6 @@
       </p:grpSpPr>
       <p:sp>
         <p:nvSpPr>
-          <p:cNvPr id="2" name="Title 1"/>
-          <p:cNvSpPr>
-            <a:spLocks noGrp="1"/>
-          </p:cNvSpPr>
-          <p:nvPr>
-            <p:ph type="title"/>
-          </p:nvPr>
-        </p:nvSpPr>
-        <p:spPr/>
-        <p:txBody>
-          <a:bodyPr/>
-          <a:lstStyle/>
-          <a:p>
-            <a:r>
-              <a:rPr lang="zh-CN" altLang="en-US" b="1" cap="none" dirty="0">
-                <a:latin typeface="Calibri" panose="020F0502020204030204" pitchFamily="34" charset="0"/>
-                <a:ea typeface="微軟正黑體" panose="020B0604030504040204" pitchFamily="34" charset="-120"/>
-              </a:rPr>
-              <a:t>延伸</a:t>
-            </a:r>
-            <a:r>
-              <a:rPr lang="zh-CN" altLang="en-US" b="1" cap="none" dirty="0" smtClean="0">
-                <a:latin typeface="Calibri" panose="020F0502020204030204" pitchFamily="34" charset="0"/>
-                <a:ea typeface="微軟正黑體" panose="020B0604030504040204" pitchFamily="34" charset="-120"/>
-              </a:rPr>
-              <a:t>方式</a:t>
-            </a:r>
-            <a:r>
-              <a:rPr lang="en-US" altLang="zh-CN" b="1" cap="none" dirty="0" smtClean="0">
-                <a:latin typeface="Calibri" panose="020F0502020204030204" pitchFamily="34" charset="0"/>
-                <a:ea typeface="微軟正黑體" panose="020B0604030504040204" pitchFamily="34" charset="-120"/>
-              </a:rPr>
-              <a:t> </a:t>
-            </a:r>
-            <a:r>
-              <a:rPr lang="en-US" altLang="zh-CN" b="1" cap="none" dirty="0">
-                <a:latin typeface="Calibri" panose="020F0502020204030204" pitchFamily="34" charset="0"/>
-                <a:ea typeface="微軟正黑體" panose="020B0604030504040204" pitchFamily="34" charset="-120"/>
-              </a:rPr>
-              <a:t>- </a:t>
-            </a:r>
-            <a:r>
-              <a:rPr lang="en-US" altLang="zh-CN" b="1" cap="none" dirty="0" err="1" smtClean="0">
-                <a:latin typeface="Calibri" panose="020F0502020204030204" pitchFamily="34" charset="0"/>
-                <a:ea typeface="微軟正黑體" panose="020B0604030504040204" pitchFamily="34" charset="-120"/>
-              </a:rPr>
-              <a:t>Pycaret</a:t>
-            </a:r>
-            <a:r>
-              <a:rPr b="1" cap="none" dirty="0" err="1" smtClean="0">
-                <a:latin typeface="Calibri" panose="020F0502020204030204" pitchFamily="34" charset="0"/>
-                <a:ea typeface="微軟正黑體" panose="020B0604030504040204" pitchFamily="34" charset="-120"/>
-              </a:rPr>
-              <a:t>應用</a:t>
-            </a:r>
-            <a:endParaRPr b="1" cap="none" dirty="0">
-              <a:latin typeface="Calibri" panose="020F0502020204030204" pitchFamily="34" charset="0"/>
-              <a:ea typeface="微軟正黑體" panose="020B0604030504040204" pitchFamily="34" charset="-120"/>
-            </a:endParaRPr>
-          </a:p>
-        </p:txBody>
-      </p:sp>
-      <p:sp>
-        <p:nvSpPr>
-          <p:cNvPr id="3" name="Content Placeholder 2"/>
-          <p:cNvSpPr>
-            <a:spLocks noGrp="1"/>
-          </p:cNvSpPr>
-          <p:nvPr>
-            <p:ph idx="1"/>
-          </p:nvPr>
-        </p:nvSpPr>
-        <p:spPr/>
-        <p:txBody>
-          <a:bodyPr vert="horz" lIns="91440" tIns="45720" rIns="91440" bIns="45720" rtlCol="0">
-            <a:normAutofit/>
-          </a:bodyPr>
-          <a:lstStyle/>
-          <a:p>
-            <a:pPr marL="504000" indent="-504000">
-              <a:lnSpc>
-                <a:spcPct val="100000"/>
-              </a:lnSpc>
-              <a:spcBef>
-                <a:spcPts val="1800"/>
-              </a:spcBef>
-              <a:spcAft>
-                <a:spcPts val="0"/>
-              </a:spcAft>
-              <a:buChar char="Ø"/>
-            </a:pPr>
-            <a:r>
-              <a:rPr lang="zh-CN" altLang="en-US" sz="3200" b="1" dirty="0" smtClean="0">
-                <a:latin typeface="Calibri" panose="020F0502020204030204" pitchFamily="34" charset="0"/>
-                <a:ea typeface="微軟正黑體" panose="020B0604030504040204" pitchFamily="34" charset="-120"/>
-              </a:rPr>
-              <a:t>使用</a:t>
-            </a:r>
-            <a:r>
-              <a:rPr lang="en-US" altLang="zh-CN" sz="3200" b="1" dirty="0" err="1" smtClean="0">
-                <a:latin typeface="Calibri" panose="020F0502020204030204" pitchFamily="34" charset="0"/>
-                <a:ea typeface="微軟正黑體" panose="020B0604030504040204" pitchFamily="34" charset="-120"/>
-              </a:rPr>
-              <a:t>Pycaret</a:t>
-            </a:r>
-            <a:r>
-              <a:rPr lang="zh-CN" altLang="en-US" sz="3200" b="1" dirty="0" smtClean="0">
-                <a:latin typeface="Calibri" panose="020F0502020204030204" pitchFamily="34" charset="0"/>
-                <a:ea typeface="微軟正黑體" panose="020B0604030504040204" pitchFamily="34" charset="-120"/>
-              </a:rPr>
-              <a:t>生成預測模型及評價</a:t>
-            </a:r>
-            <a:endParaRPr sz="3200" b="1" dirty="0">
-              <a:latin typeface="Calibri" panose="020F0502020204030204" pitchFamily="34" charset="0"/>
-              <a:ea typeface="微軟正黑體" panose="020B0604030504040204" pitchFamily="34" charset="-120"/>
-            </a:endParaRPr>
-          </a:p>
-        </p:txBody>
-      </p:sp>
-    </p:spTree>
-    <p:extLst>
-      <p:ext uri="{BB962C8B-B14F-4D97-AF65-F5344CB8AC3E}">
-        <p14:creationId xmlns:p14="http://schemas.microsoft.com/office/powerpoint/2010/main" val="437051347"/>
-      </p:ext>
-    </p:extLst>
-  </p:cSld>
-  <p:clrMapOvr>
-    <a:masterClrMapping/>
-  </p:clrMapOvr>
-  <p:timing>
-    <p:tnLst>
-      <p:par>
-        <p:cTn id="1" dur="indefinite" restart="never" nodeType="tmRoot"/>
-      </p:par>
-    </p:tnLst>
-  </p:timing>
-</p:sld>
-</file>
-
-<file path=ppt/slides/slide11.xml><?xml version="1.0" encoding="utf-8"?>
-<p:sld xmlns:a="http://schemas.openxmlformats.org/drawingml/2006/main" xmlns:r="http://schemas.openxmlformats.org/officeDocument/2006/relationships" xmlns:p="http://schemas.openxmlformats.org/presentationml/2006/main">
-  <p:cSld>
-    <p:spTree>
-      <p:nvGrpSpPr>
-        <p:cNvPr id="1" name=""/>
-        <p:cNvGrpSpPr/>
-        <p:nvPr/>
-      </p:nvGrpSpPr>
-      <p:grpSpPr>
-        <a:xfrm>
-          <a:off x="0" y="0"/>
-          <a:ext cx="0" cy="0"/>
-          <a:chOff x="0" y="0"/>
-          <a:chExt cx="0" cy="0"/>
-        </a:xfrm>
-      </p:grpSpPr>
-      <p:sp>
-        <p:nvSpPr>
           <p:cNvPr id="5" name="文字方塊 4"/>
           <p:cNvSpPr txBox="1"/>
           <p:nvPr/>
@@ -3675,7 +3511,7 @@
           <a:p>
             <a:pPr algn="ctr"/>
             <a:r>
-              <a:rPr lang="en-US" altLang="zh-CN" sz="5400" b="1" i="1" dirty="0" smtClean="0">
+              <a:rPr lang="en-US" altLang="zh-CN" sz="5400" b="1" i="1" dirty="0">
                 <a:solidFill>
                   <a:srgbClr val="FFFF00"/>
                 </a:solidFill>
@@ -3685,7 +3521,7 @@
               <a:t>Thank You</a:t>
             </a:r>
             <a:r>
-              <a:rPr lang="zh-CN" altLang="en-US" sz="5400" b="1" i="1" dirty="0" smtClean="0">
+              <a:rPr lang="zh-CN" altLang="en-US" sz="5400" b="1" i="1" dirty="0">
                 <a:solidFill>
                   <a:srgbClr val="FFFF00"/>
                 </a:solidFill>
@@ -3714,13 +3550,6 @@
   <p:clrMapOvr>
     <a:masterClrMapping/>
   </p:clrMapOvr>
-  <p:timing>
-    <p:tnLst>
-      <p:par>
-        <p:cTn id="1" dur="indefinite" restart="never" nodeType="tmRoot"/>
-      </p:par>
-    </p:tnLst>
-  </p:timing>
 </p:sld>
 </file>
 
@@ -3757,14 +3586,14 @@
           <a:lstStyle/>
           <a:p>
             <a:r>
-              <a:rPr b="1" cap="none" dirty="0" smtClean="0">
+              <a:rPr b="1" cap="none" dirty="0">
                 <a:latin typeface="Calibri" panose="020F0502020204030204" pitchFamily="34" charset="0"/>
                 <a:ea typeface="微軟正黑體" panose="020B0604030504040204" pitchFamily="34" charset="-120"/>
               </a:rPr>
               <a:t>專題</a:t>
             </a:r>
             <a:r>
-              <a:rPr lang="zh-CN" altLang="en-US" b="1" cap="none" dirty="0" smtClean="0">
+              <a:rPr lang="zh-CN" altLang="en-US" b="1" cap="none" dirty="0">
                 <a:latin typeface="Calibri" panose="020F0502020204030204" pitchFamily="34" charset="0"/>
                 <a:ea typeface="微軟正黑體" panose="020B0604030504040204" pitchFamily="34" charset="-120"/>
               </a:rPr>
@@ -3808,13 +3637,13 @@
               <a:buChar char="Ø"/>
             </a:pPr>
             <a:r>
-              <a:rPr lang="zh-CN" altLang="en-US" sz="3200" b="1" dirty="0" smtClean="0">
+              <a:rPr lang="zh-CN" altLang="en-US" sz="3200" b="1" dirty="0">
                 <a:latin typeface="Calibri" panose="020F0502020204030204" pitchFamily="34" charset="0"/>
                 <a:ea typeface="微軟正黑體" panose="020B0604030504040204" pitchFamily="34" charset="-120"/>
               </a:rPr>
               <a:t>目標説明</a:t>
             </a:r>
-            <a:endParaRPr lang="en-US" altLang="zh-CN" sz="3200" b="1" dirty="0" smtClean="0">
+            <a:endParaRPr lang="en-US" altLang="zh-CN" sz="3200" b="1" dirty="0">
               <a:latin typeface="Calibri" panose="020F0502020204030204" pitchFamily="34" charset="0"/>
               <a:ea typeface="微軟正黑體" panose="020B0604030504040204" pitchFamily="34" charset="-120"/>
             </a:endParaRPr>
@@ -3838,16 +3667,9 @@
                 <a:latin typeface="Calibri" panose="020F0502020204030204" pitchFamily="34" charset="0"/>
                 <a:ea typeface="微軟正黑體" panose="020B0604030504040204" pitchFamily="34" charset="-120"/>
               </a:rPr>
-              <a:t>課程</a:t>
-            </a:r>
-            <a:r>
-              <a:rPr lang="zh-CN" altLang="en-US" sz="3200" b="1" dirty="0" smtClean="0">
-                <a:latin typeface="Calibri" panose="020F0502020204030204" pitchFamily="34" charset="0"/>
-                <a:ea typeface="微軟正黑體" panose="020B0604030504040204" pitchFamily="34" charset="-120"/>
-              </a:rPr>
-              <a:t>學習應用説明</a:t>
-            </a:r>
-            <a:endParaRPr lang="en-US" altLang="zh-CN" sz="3200" b="1" dirty="0" smtClean="0">
+              <a:t>課程學習應用説明</a:t>
+            </a:r>
+            <a:endParaRPr lang="en-US" altLang="zh-CN" sz="3200" b="1" dirty="0">
               <a:latin typeface="Calibri" panose="020F0502020204030204" pitchFamily="34" charset="0"/>
               <a:ea typeface="微軟正黑體" panose="020B0604030504040204" pitchFamily="34" charset="-120"/>
             </a:endParaRPr>
@@ -3871,16 +3693,9 @@
                 <a:latin typeface="Calibri" panose="020F0502020204030204" pitchFamily="34" charset="0"/>
                 <a:ea typeface="微軟正黑體" panose="020B0604030504040204" pitchFamily="34" charset="-120"/>
               </a:rPr>
-              <a:t>實</a:t>
-            </a:r>
-            <a:r>
-              <a:rPr lang="zh-CN" altLang="en-US" sz="3200" b="1" dirty="0" smtClean="0">
-                <a:latin typeface="Calibri" panose="020F0502020204030204" pitchFamily="34" charset="0"/>
-                <a:ea typeface="微軟正黑體" panose="020B0604030504040204" pitchFamily="34" charset="-120"/>
-              </a:rPr>
-              <a:t>作流程</a:t>
-            </a:r>
-            <a:endParaRPr lang="en-US" altLang="zh-CN" sz="3200" b="1" dirty="0" smtClean="0">
+              <a:t>實作流程</a:t>
+            </a:r>
+            <a:endParaRPr lang="en-US" altLang="zh-CN" sz="3200" b="1" dirty="0">
               <a:latin typeface="Calibri" panose="020F0502020204030204" pitchFamily="34" charset="0"/>
               <a:ea typeface="微軟正黑體" panose="020B0604030504040204" pitchFamily="34" charset="-120"/>
             </a:endParaRPr>
@@ -3900,46 +3715,20 @@
               <a:buChar char="Ø"/>
             </a:pPr>
             <a:r>
-              <a:rPr lang="zh-CN" altLang="en-US" sz="3200" b="1" dirty="0" smtClean="0">
-                <a:latin typeface="Calibri" panose="020F0502020204030204" pitchFamily="34" charset="0"/>
-                <a:ea typeface="微軟正黑體" panose="020B0604030504040204" pitchFamily="34" charset="-120"/>
-              </a:rPr>
-              <a:t>成果説明</a:t>
-            </a:r>
-            <a:endParaRPr lang="en-US" altLang="zh-CN" sz="3200" b="1" dirty="0" smtClean="0">
-              <a:latin typeface="Calibri" panose="020F0502020204030204" pitchFamily="34" charset="0"/>
-              <a:ea typeface="微軟正黑體" panose="020B0604030504040204" pitchFamily="34" charset="-120"/>
-            </a:endParaRPr>
-          </a:p>
-          <a:p>
-            <a:pPr marL="504000" indent="-504000">
-              <a:lnSpc>
-                <a:spcPct val="100000"/>
-              </a:lnSpc>
-              <a:spcBef>
-                <a:spcPts val="1800"/>
-              </a:spcBef>
-              <a:spcAft>
-                <a:spcPts val="0"/>
-              </a:spcAft>
-              <a:buFont typeface="Wingdings" panose="05000000000000000000" pitchFamily="2" charset="2"/>
-              <a:buChar char="Ø"/>
-            </a:pPr>
-            <a:r>
-              <a:rPr lang="zh-TW" altLang="en-US" sz="3200" b="1" dirty="0" smtClean="0">
-                <a:latin typeface="Calibri" panose="020F0502020204030204" pitchFamily="34" charset="0"/>
-                <a:ea typeface="微軟正黑體" panose="020B0604030504040204" pitchFamily="34" charset="-120"/>
-              </a:rPr>
-              <a:t>延伸</a:t>
-            </a:r>
-            <a:r>
               <a:rPr lang="zh-CN" altLang="en-US" sz="3200" b="1" dirty="0">
                 <a:latin typeface="Calibri" panose="020F0502020204030204" pitchFamily="34" charset="0"/>
                 <a:ea typeface="微軟正黑體" panose="020B0604030504040204" pitchFamily="34" charset="-120"/>
               </a:rPr>
-              <a:t>方式</a:t>
-            </a:r>
-            <a:endParaRPr lang="en-US" sz="3200" b="1" dirty="0" smtClean="0">
+              <a:t>成果</a:t>
+            </a:r>
+            <a:r>
+              <a:rPr lang="zh-CN" altLang="en-US" sz="3200" b="1">
+                <a:latin typeface="Calibri" panose="020F0502020204030204" pitchFamily="34" charset="0"/>
+                <a:ea typeface="微軟正黑體" panose="020B0604030504040204" pitchFamily="34" charset="-120"/>
+              </a:rPr>
+              <a:t>説明</a:t>
+            </a:r>
+            <a:endParaRPr lang="en-US" altLang="zh-CN" sz="3200" b="1" dirty="0">
               <a:latin typeface="Calibri" panose="020F0502020204030204" pitchFamily="34" charset="0"/>
               <a:ea typeface="微軟正黑體" panose="020B0604030504040204" pitchFamily="34" charset="-120"/>
             </a:endParaRPr>
@@ -3956,13 +3745,6 @@
   <p:clrMapOvr>
     <a:masterClrMapping/>
   </p:clrMapOvr>
-  <p:timing>
-    <p:tnLst>
-      <p:par>
-        <p:cTn id="1" dur="indefinite" restart="never" nodeType="tmRoot"/>
-      </p:par>
-    </p:tnLst>
-  </p:timing>
 </p:sld>
 </file>
 
@@ -4043,16 +3825,9 @@
                 <a:latin typeface="Calibri" panose="020F0502020204030204" pitchFamily="34" charset="0"/>
                 <a:ea typeface="微軟正黑體" panose="020B0604030504040204" pitchFamily="34" charset="-120"/>
               </a:rPr>
-              <a:t>我的車值多少？二手車價格預測模型</a:t>
-            </a:r>
-            <a:r>
-              <a:rPr lang="zh-TW" altLang="en-US" sz="3200" b="1" dirty="0" smtClean="0">
-                <a:latin typeface="Calibri" panose="020F0502020204030204" pitchFamily="34" charset="0"/>
-                <a:ea typeface="微軟正黑體" panose="020B0604030504040204" pitchFamily="34" charset="-120"/>
-              </a:rPr>
-              <a:t>分析</a:t>
-            </a:r>
-            <a:endParaRPr lang="en-US" altLang="zh-TW" sz="3200" b="1" dirty="0" smtClean="0">
+              <a:t>我的車值多少？二手車價格預測模型分析</a:t>
+            </a:r>
+            <a:endParaRPr lang="en-US" altLang="zh-TW" sz="3200" b="1" dirty="0">
               <a:latin typeface="Calibri" panose="020F0502020204030204" pitchFamily="34" charset="0"/>
               <a:ea typeface="微軟正黑體" panose="020B0604030504040204" pitchFamily="34" charset="-120"/>
             </a:endParaRPr>
@@ -4068,35 +3843,35 @@
               <a:buNone/>
             </a:pPr>
             <a:r>
-              <a:rPr lang="zh-CN" altLang="en-US" sz="3200" b="1" dirty="0" smtClean="0">
+              <a:rPr lang="zh-CN" altLang="en-US" sz="3200" b="1" dirty="0">
                 <a:latin typeface="Calibri" panose="020F0502020204030204" pitchFamily="34" charset="0"/>
                 <a:ea typeface="微軟正黑體" panose="020B0604030504040204" pitchFamily="34" charset="-120"/>
               </a:rPr>
               <a:t>使用</a:t>
             </a:r>
             <a:r>
-              <a:rPr lang="en-US" altLang="zh-CN" sz="3200" b="1" dirty="0" err="1" smtClean="0">
+              <a:rPr lang="en-US" altLang="zh-CN" sz="3200" b="1" dirty="0" err="1">
                 <a:latin typeface="Calibri" panose="020F0502020204030204" pitchFamily="34" charset="0"/>
                 <a:ea typeface="微軟正黑體" panose="020B0604030504040204" pitchFamily="34" charset="-120"/>
               </a:rPr>
               <a:t>Kaggle</a:t>
             </a:r>
             <a:r>
-              <a:rPr lang="en-US" altLang="zh-CN" sz="3200" b="1" dirty="0" smtClean="0">
+              <a:rPr lang="en-US" altLang="zh-CN" sz="3200" b="1" dirty="0">
                 <a:latin typeface="Calibri" panose="020F0502020204030204" pitchFamily="34" charset="0"/>
                 <a:ea typeface="微軟正黑體" panose="020B0604030504040204" pitchFamily="34" charset="-120"/>
               </a:rPr>
               <a:t> Used Car</a:t>
             </a:r>
             <a:r>
-              <a:rPr lang="zh-CN" altLang="en-US" sz="3200" b="1" dirty="0" smtClean="0">
+              <a:rPr lang="zh-CN" altLang="en-US" sz="3200" b="1" dirty="0">
                 <a:latin typeface="Calibri" panose="020F0502020204030204" pitchFamily="34" charset="0"/>
                 <a:ea typeface="微軟正黑體" panose="020B0604030504040204" pitchFamily="34" charset="-120"/>
               </a:rPr>
               <a:t>的</a:t>
             </a:r>
             <a:r>
-              <a:rPr lang="en-US" altLang="zh-CN" sz="3200" b="1" dirty="0" smtClean="0">
+              <a:rPr lang="en-US" altLang="zh-CN" sz="3200" b="1" dirty="0">
                 <a:latin typeface="Calibri" panose="020F0502020204030204" pitchFamily="34" charset="0"/>
                 <a:ea typeface="微軟正黑體" panose="020B0604030504040204" pitchFamily="34" charset="-120"/>
               </a:rPr>
@@ -4107,16 +3882,9 @@
                 <a:latin typeface="Calibri" panose="020F0502020204030204" pitchFamily="34" charset="0"/>
                 <a:ea typeface="微軟正黑體" panose="020B0604030504040204" pitchFamily="34" charset="-120"/>
               </a:rPr>
-              <a:t>擬合</a:t>
-            </a:r>
-            <a:r>
-              <a:rPr lang="zh-CN" altLang="en-US" sz="3200" b="1" dirty="0" smtClean="0">
-                <a:latin typeface="Calibri" panose="020F0502020204030204" pitchFamily="34" charset="0"/>
-                <a:ea typeface="微軟正黑體" panose="020B0604030504040204" pitchFamily="34" charset="-120"/>
-              </a:rPr>
-              <a:t>出預測方程式，</a:t>
-            </a:r>
-            <a:endParaRPr lang="en-US" altLang="zh-CN" sz="3200" b="1" dirty="0" smtClean="0">
+              <a:t>擬合出預測方程式，</a:t>
+            </a:r>
+            <a:endParaRPr lang="en-US" altLang="zh-CN" sz="3200" b="1" dirty="0">
               <a:latin typeface="Calibri" panose="020F0502020204030204" pitchFamily="34" charset="0"/>
               <a:ea typeface="微軟正黑體" panose="020B0604030504040204" pitchFamily="34" charset="-120"/>
             </a:endParaRPr>
@@ -4132,13 +3900,13 @@
               <a:buNone/>
             </a:pPr>
             <a:r>
-              <a:rPr lang="zh-CN" altLang="en-US" sz="3200" b="1" dirty="0" smtClean="0">
+              <a:rPr lang="zh-CN" altLang="en-US" sz="3200" b="1" dirty="0">
                 <a:latin typeface="Calibri" panose="020F0502020204030204" pitchFamily="34" charset="0"/>
                 <a:ea typeface="微軟正黑體" panose="020B0604030504040204" pitchFamily="34" charset="-120"/>
               </a:rPr>
               <a:t>可快速的進行二手車估價，</a:t>
             </a:r>
-            <a:endParaRPr lang="en-US" altLang="zh-CN" sz="3200" b="1" dirty="0" smtClean="0">
+            <a:endParaRPr lang="en-US" altLang="zh-CN" sz="3200" b="1" dirty="0">
               <a:latin typeface="Calibri" panose="020F0502020204030204" pitchFamily="34" charset="0"/>
               <a:ea typeface="微軟正黑體" panose="020B0604030504040204" pitchFamily="34" charset="-120"/>
             </a:endParaRPr>
@@ -4154,13 +3922,13 @@
               <a:buNone/>
             </a:pPr>
             <a:r>
-              <a:rPr lang="zh-CN" altLang="en-US" sz="3200" b="1" dirty="0" smtClean="0">
+              <a:rPr lang="zh-CN" altLang="en-US" sz="3200" b="1" dirty="0">
                 <a:latin typeface="Calibri" panose="020F0502020204030204" pitchFamily="34" charset="0"/>
                 <a:ea typeface="微軟正黑體" panose="020B0604030504040204" pitchFamily="34" charset="-120"/>
               </a:rPr>
               <a:t>並使用不同的模型比對估價的準確度，</a:t>
             </a:r>
-            <a:endParaRPr lang="en-US" altLang="zh-CN" sz="3200" b="1" dirty="0" smtClean="0">
+            <a:endParaRPr lang="en-US" altLang="zh-CN" sz="3200" b="1" dirty="0">
               <a:latin typeface="Calibri" panose="020F0502020204030204" pitchFamily="34" charset="0"/>
               <a:ea typeface="微軟正黑體" panose="020B0604030504040204" pitchFamily="34" charset="-120"/>
             </a:endParaRPr>
@@ -4176,7 +3944,7 @@
               <a:buNone/>
             </a:pPr>
             <a:r>
-              <a:rPr lang="zh-CN" altLang="en-US" sz="3200" b="1" dirty="0" smtClean="0">
+              <a:rPr lang="zh-CN" altLang="en-US" sz="3200" b="1" dirty="0">
                 <a:latin typeface="Calibri" panose="020F0502020204030204" pitchFamily="34" charset="0"/>
                 <a:ea typeface="微軟正黑體" panose="020B0604030504040204" pitchFamily="34" charset="-120"/>
               </a:rPr>
@@ -4199,13 +3967,6 @@
   <p:clrMapOvr>
     <a:masterClrMapping/>
   </p:clrMapOvr>
-  <p:timing>
-    <p:tnLst>
-      <p:par>
-        <p:cTn id="1" dur="indefinite" restart="never" nodeType="tmRoot"/>
-      </p:par>
-    </p:tnLst>
-  </p:timing>
 </p:sld>
 </file>
 
@@ -4248,33 +4009,22 @@
                 <a:latin typeface="Calibri" panose="020F0502020204030204" pitchFamily="34" charset="0"/>
                 <a:ea typeface="微軟正黑體" panose="020B0604030504040204" pitchFamily="34" charset="-120"/>
               </a:rPr>
-              <a:t>課程學習應用説</a:t>
-            </a:r>
-            <a:r>
-              <a:rPr lang="zh-CN" altLang="en-US" b="1" cap="none" dirty="0" smtClean="0">
-                <a:latin typeface="Calibri" panose="020F0502020204030204" pitchFamily="34" charset="0"/>
-                <a:ea typeface="微軟正黑體" panose="020B0604030504040204" pitchFamily="34" charset="-120"/>
-              </a:rPr>
-              <a:t>明</a:t>
-            </a:r>
-            <a:r>
-              <a:rPr lang="en-US" altLang="zh-CN" b="1" cap="none" dirty="0" smtClean="0">
+              <a:t>課程學習應用説明</a:t>
+            </a:r>
+            <a:r>
+              <a:rPr lang="en-US" altLang="zh-CN" b="1" cap="none" dirty="0">
                 <a:latin typeface="Calibri" panose="020F0502020204030204" pitchFamily="34" charset="0"/>
                 <a:ea typeface="微軟正黑體" panose="020B0604030504040204" pitchFamily="34" charset="-120"/>
               </a:rPr>
               <a:t> - </a:t>
             </a:r>
             <a:r>
-              <a:rPr b="1" cap="none" dirty="0" smtClean="0">
+              <a:rPr b="1" cap="none" dirty="0">
                 <a:latin typeface="Calibri" panose="020F0502020204030204" pitchFamily="34" charset="0"/>
                 <a:ea typeface="微軟正黑體" panose="020B0604030504040204" pitchFamily="34" charset="-120"/>
               </a:rPr>
               <a:t>資料集說明</a:t>
             </a:r>
-            <a:endParaRPr b="1" cap="none" dirty="0">
-              <a:latin typeface="Calibri" panose="020F0502020204030204" pitchFamily="34" charset="0"/>
-              <a:ea typeface="微軟正黑體" panose="020B0604030504040204" pitchFamily="34" charset="-120"/>
-            </a:endParaRPr>
           </a:p>
         </p:txBody>
       </p:sp>
@@ -4374,17 +4124,10 @@
                 <a:latin typeface="Calibri" panose="020F0502020204030204" pitchFamily="34" charset="0"/>
                 <a:ea typeface="微軟正黑體" panose="020B0604030504040204" pitchFamily="34" charset="-120"/>
               </a:rPr>
-              <a:t>車況、馬力、扭力與油耗等</a:t>
-            </a:r>
-            <a:r>
-              <a:rPr lang="zh-TW" altLang="en-US" sz="3200" b="1" dirty="0" smtClean="0">
-                <a:latin typeface="Calibri" panose="020F0502020204030204" pitchFamily="34" charset="0"/>
-                <a:ea typeface="微軟正黑體" panose="020B0604030504040204" pitchFamily="34" charset="-120"/>
-              </a:rPr>
-              <a:t>欄位</a:t>
-            </a:r>
-            <a:r>
-              <a:rPr lang="en-US" altLang="zh-TW" sz="3200" b="1" dirty="0" smtClean="0">
+              <a:t>車況、馬力、扭力與油耗等欄位</a:t>
+            </a:r>
+            <a:r>
+              <a:rPr lang="en-US" altLang="zh-TW" sz="3200" b="1" dirty="0">
                 <a:latin typeface="Calibri" panose="020F0502020204030204" pitchFamily="34" charset="0"/>
                 <a:ea typeface="微軟正黑體" panose="020B0604030504040204" pitchFamily="34" charset="-120"/>
               </a:rPr>
@@ -4406,37 +4149,19 @@
               <a:buChar char="Ø"/>
             </a:pPr>
             <a:r>
-              <a:rPr lang="zh-TW" altLang="en-US" sz="3200" b="1" dirty="0" smtClean="0">
-                <a:latin typeface="Calibri" panose="020F0502020204030204" pitchFamily="34" charset="0"/>
-                <a:ea typeface="微軟正黑體" panose="020B0604030504040204" pitchFamily="34" charset="-120"/>
-              </a:rPr>
-              <a:t>目標</a:t>
-            </a:r>
-            <a:r>
               <a:rPr lang="zh-TW" altLang="en-US" sz="3200" b="1" dirty="0">
                 <a:latin typeface="Calibri" panose="020F0502020204030204" pitchFamily="34" charset="0"/>
                 <a:ea typeface="微軟正黑體" panose="020B0604030504040204" pitchFamily="34" charset="-120"/>
               </a:rPr>
-              <a:t>欄位為 </a:t>
+              <a:t>目標欄位為 </a:t>
             </a:r>
             <a:r>
               <a:rPr lang="en-US" sz="3200" b="1" dirty="0">
                 <a:latin typeface="Calibri" panose="020F0502020204030204" pitchFamily="34" charset="0"/>
                 <a:ea typeface="微軟正黑體" panose="020B0604030504040204" pitchFamily="34" charset="-120"/>
               </a:rPr>
-              <a:t>current </a:t>
-            </a:r>
-            <a:r>
-              <a:rPr lang="en-US" sz="3200" b="1" dirty="0" smtClean="0">
-                <a:latin typeface="Calibri" panose="020F0502020204030204" pitchFamily="34" charset="0"/>
-                <a:ea typeface="微軟正黑體" panose="020B0604030504040204" pitchFamily="34" charset="-120"/>
-              </a:rPr>
-              <a:t>price</a:t>
-            </a:r>
-            <a:endParaRPr lang="en-US" sz="3200" b="1" dirty="0">
-              <a:latin typeface="Calibri" panose="020F0502020204030204" pitchFamily="34" charset="0"/>
-              <a:ea typeface="微軟正黑體" panose="020B0604030504040204" pitchFamily="34" charset="-120"/>
-            </a:endParaRPr>
+              <a:t>current price</a:t>
+            </a:r>
           </a:p>
         </p:txBody>
       </p:sp>
@@ -4450,13 +4175,6 @@
   <p:clrMapOvr>
     <a:masterClrMapping/>
   </p:clrMapOvr>
-  <p:timing>
-    <p:tnLst>
-      <p:par>
-        <p:cTn id="1" dur="indefinite" restart="never" nodeType="tmRoot"/>
-      </p:par>
-    </p:tnLst>
-  </p:timing>
 </p:sld>
 </file>
 
@@ -4497,14 +4215,7 @@
                 <a:latin typeface="Calibri" panose="020F0502020204030204" pitchFamily="34" charset="0"/>
                 <a:ea typeface="微軟正黑體" panose="020B0604030504040204" pitchFamily="34" charset="-120"/>
               </a:rPr>
-              <a:t>課程學習應用説</a:t>
-            </a:r>
-            <a:r>
-              <a:rPr lang="zh-CN" altLang="en-US" b="1" cap="none" dirty="0">
-                <a:latin typeface="Calibri" panose="020F0502020204030204" pitchFamily="34" charset="0"/>
-                <a:ea typeface="微軟正黑體" panose="020B0604030504040204" pitchFamily="34" charset="-120"/>
-              </a:rPr>
-              <a:t>明</a:t>
+              <a:t>課程學習應用説明</a:t>
             </a:r>
             <a:r>
               <a:rPr lang="en-US" altLang="zh-CN" b="1" cap="none" dirty="0">
@@ -4597,14 +4308,7 @@
                 <a:latin typeface="Calibri" panose="020F0502020204030204" pitchFamily="34" charset="0"/>
                 <a:ea typeface="微軟正黑體" panose="020B0604030504040204" pitchFamily="34" charset="-120"/>
               </a:rPr>
-              <a:t>這些特徵</a:t>
-            </a:r>
-            <a:r>
-              <a:rPr lang="zh-TW" altLang="en-US" sz="3200" b="1" dirty="0" smtClean="0">
-                <a:latin typeface="Calibri" panose="020F0502020204030204" pitchFamily="34" charset="0"/>
-                <a:ea typeface="微軟正黑體" panose="020B0604030504040204" pitchFamily="34" charset="-120"/>
-              </a:rPr>
-              <a:t>皆</a:t>
+              <a:t>這些特徵皆</a:t>
             </a:r>
             <a:r>
               <a:rPr lang="zh-CN" altLang="en-US" sz="3200" b="1" dirty="0">
@@ -4614,25 +4318,11 @@
               <a:t>有</a:t>
             </a:r>
             <a:r>
-              <a:rPr lang="zh-TW" altLang="en-US" sz="3200" b="1" dirty="0" smtClean="0">
-                <a:latin typeface="Calibri" panose="020F0502020204030204" pitchFamily="34" charset="0"/>
-                <a:ea typeface="微軟正黑體" panose="020B0604030504040204" pitchFamily="34" charset="-120"/>
-              </a:rPr>
-              <a:t>數值，</a:t>
-            </a:r>
-            <a:r>
               <a:rPr lang="zh-TW" altLang="en-US" sz="3200" b="1" dirty="0">
                 <a:latin typeface="Calibri" panose="020F0502020204030204" pitchFamily="34" charset="0"/>
                 <a:ea typeface="微軟正黑體" panose="020B0604030504040204" pitchFamily="34" charset="-120"/>
               </a:rPr>
-              <a:t>無需進行編碼轉換</a:t>
-            </a:r>
-            <a:r>
-              <a:rPr lang="zh-TW" altLang="en-US" sz="3200" b="1" dirty="0" smtClean="0">
-                <a:latin typeface="Calibri" panose="020F0502020204030204" pitchFamily="34" charset="0"/>
-                <a:ea typeface="微軟正黑體" panose="020B0604030504040204" pitchFamily="34" charset="-120"/>
-              </a:rPr>
-              <a:t>，</a:t>
+              <a:t>數值，無需進行編碼轉換，</a:t>
             </a:r>
             <a:r>
               <a:rPr lang="zh-CN" altLang="en-US" sz="3200" b="1" dirty="0">
@@ -4642,25 +4332,11 @@
               <a:t>可</a:t>
             </a:r>
             <a:r>
-              <a:rPr lang="zh-TW" altLang="en-US" sz="3200" b="1" dirty="0" smtClean="0">
-                <a:latin typeface="Calibri" panose="020F0502020204030204" pitchFamily="34" charset="0"/>
-                <a:ea typeface="微軟正黑體" panose="020B0604030504040204" pitchFamily="34" charset="-120"/>
-              </a:rPr>
-              <a:t>直接</a:t>
-            </a:r>
-            <a:r>
               <a:rPr lang="zh-TW" altLang="en-US" sz="3200" b="1" dirty="0">
                 <a:latin typeface="Calibri" panose="020F0502020204030204" pitchFamily="34" charset="0"/>
                 <a:ea typeface="微軟正黑體" panose="020B0604030504040204" pitchFamily="34" charset="-120"/>
               </a:rPr>
-              <a:t>用於回歸</a:t>
-            </a:r>
-            <a:r>
-              <a:rPr lang="zh-TW" altLang="en-US" sz="3200" b="1" dirty="0" smtClean="0">
-                <a:latin typeface="Calibri" panose="020F0502020204030204" pitchFamily="34" charset="0"/>
-                <a:ea typeface="微軟正黑體" panose="020B0604030504040204" pitchFamily="34" charset="-120"/>
-              </a:rPr>
-              <a:t>模型</a:t>
+              <a:t>直接用於回歸模型</a:t>
             </a:r>
             <a:r>
               <a:rPr lang="en-US" altLang="zh-TW" sz="3200" b="1" dirty="0">
@@ -4669,7 +4345,7 @@
               </a:rPr>
               <a:t>.</a:t>
             </a:r>
-            <a:endParaRPr lang="en-US" altLang="zh-CN" sz="3200" b="1" dirty="0" smtClean="0">
+            <a:endParaRPr lang="en-US" altLang="zh-CN" sz="3200" b="1" dirty="0">
               <a:latin typeface="Calibri" panose="020F0502020204030204" pitchFamily="34" charset="0"/>
               <a:ea typeface="微軟正黑體" panose="020B0604030504040204" pitchFamily="34" charset="-120"/>
             </a:endParaRPr>
@@ -4689,18 +4365,11 @@
               <a:buChar char="Ø"/>
             </a:pPr>
             <a:r>
-              <a:rPr lang="en-US" altLang="zh-CN" sz="3200" b="1" dirty="0" smtClean="0">
-                <a:latin typeface="Calibri" panose="020F0502020204030204" pitchFamily="34" charset="0"/>
-                <a:ea typeface="微軟正黑體" panose="020B0604030504040204" pitchFamily="34" charset="-120"/>
-              </a:rPr>
-              <a:t>Train </a:t>
-            </a:r>
-            <a:r>
               <a:rPr lang="en-US" altLang="zh-CN" sz="3200" b="1" dirty="0">
                 <a:latin typeface="Calibri" panose="020F0502020204030204" pitchFamily="34" charset="0"/>
                 <a:ea typeface="微軟正黑體" panose="020B0604030504040204" pitchFamily="34" charset="-120"/>
               </a:rPr>
-              <a:t>Data</a:t>
+              <a:t>Train Data</a:t>
             </a:r>
             <a:r>
               <a:rPr lang="zh-CN" altLang="en-US" sz="3200" b="1" dirty="0">
@@ -4740,13 +4409,6 @@
   <p:clrMapOvr>
     <a:masterClrMapping/>
   </p:clrMapOvr>
-  <p:timing>
-    <p:tnLst>
-      <p:par>
-        <p:cTn id="1" dur="indefinite" restart="never" nodeType="tmRoot"/>
-      </p:par>
-    </p:tnLst>
-  </p:timing>
 </p:sld>
 </file>
 
@@ -4787,14 +4449,7 @@
                 <a:latin typeface="Calibri" panose="020F0502020204030204" pitchFamily="34" charset="0"/>
                 <a:ea typeface="微軟正黑體" panose="020B0604030504040204" pitchFamily="34" charset="-120"/>
               </a:rPr>
-              <a:t>課程學習應用説</a:t>
-            </a:r>
-            <a:r>
-              <a:rPr lang="zh-CN" altLang="en-US" b="1" cap="none" dirty="0">
-                <a:latin typeface="Calibri" panose="020F0502020204030204" pitchFamily="34" charset="0"/>
-                <a:ea typeface="微軟正黑體" panose="020B0604030504040204" pitchFamily="34" charset="-120"/>
-              </a:rPr>
-              <a:t>明 </a:t>
+              <a:t>課程學習應用説明 </a:t>
             </a:r>
             <a:r>
               <a:rPr lang="en-US" altLang="zh-CN" b="1" cap="none" dirty="0">
@@ -4847,49 +4502,42 @@
               <a:buChar char="Ø"/>
             </a:pPr>
             <a:r>
-              <a:rPr sz="3200" b="1" dirty="0" err="1" smtClean="0">
+              <a:rPr sz="3200" b="1" dirty="0" err="1">
                 <a:latin typeface="Calibri" panose="020F0502020204030204" pitchFamily="34" charset="0"/>
                 <a:ea typeface="微軟正黑體" panose="020B0604030504040204" pitchFamily="34" charset="-120"/>
               </a:rPr>
               <a:t>選擇</a:t>
             </a:r>
             <a:r>
-              <a:rPr sz="3200" b="1" dirty="0" smtClean="0">
-                <a:latin typeface="Calibri" panose="020F0502020204030204" pitchFamily="34" charset="0"/>
-                <a:ea typeface="微軟正黑體" panose="020B0604030504040204" pitchFamily="34" charset="-120"/>
-              </a:rPr>
-              <a:t> </a:t>
-            </a:r>
-            <a:r>
               <a:rPr sz="3200" b="1" dirty="0">
                 <a:latin typeface="Calibri" panose="020F0502020204030204" pitchFamily="34" charset="0"/>
                 <a:ea typeface="微軟正黑體" panose="020B0604030504040204" pitchFamily="34" charset="-120"/>
               </a:rPr>
-              <a:t>year, </a:t>
-            </a:r>
-            <a:r>
-              <a:rPr lang="en-US" sz="3200" b="1" dirty="0" smtClean="0">
+              <a:t> year, </a:t>
+            </a:r>
+            <a:r>
+              <a:rPr lang="en-US" sz="3200" b="1" dirty="0">
                 <a:latin typeface="Calibri" panose="020F0502020204030204" pitchFamily="34" charset="0"/>
                 <a:ea typeface="微軟正黑體" panose="020B0604030504040204" pitchFamily="34" charset="-120"/>
               </a:rPr>
               <a:t>km</a:t>
             </a:r>
             <a:r>
-              <a:rPr sz="3200" b="1" dirty="0" smtClean="0">
+              <a:rPr sz="3200" b="1" dirty="0">
                 <a:latin typeface="Calibri" panose="020F0502020204030204" pitchFamily="34" charset="0"/>
                 <a:ea typeface="微軟正黑體" panose="020B0604030504040204" pitchFamily="34" charset="-120"/>
               </a:rPr>
               <a:t>, </a:t>
             </a:r>
             <a:r>
-              <a:rPr lang="en-US" sz="3200" b="1" dirty="0" smtClean="0">
+              <a:rPr lang="en-US" sz="3200" b="1" dirty="0">
                 <a:latin typeface="Calibri" panose="020F0502020204030204" pitchFamily="34" charset="0"/>
                 <a:ea typeface="微軟正黑體" panose="020B0604030504040204" pitchFamily="34" charset="-120"/>
               </a:rPr>
               <a:t>condition, economy</a:t>
             </a:r>
             <a:r>
-              <a:rPr sz="3200" b="1" dirty="0" smtClean="0">
+              <a:rPr sz="3200" b="1" dirty="0">
                 <a:latin typeface="Calibri" panose="020F0502020204030204" pitchFamily="34" charset="0"/>
                 <a:ea typeface="微軟正黑體" panose="020B0604030504040204" pitchFamily="34" charset="-120"/>
               </a:rPr>
@@ -4921,13 +4569,13 @@
               <a:buChar char="Ø"/>
             </a:pPr>
             <a:r>
-              <a:rPr sz="3200" b="1" dirty="0" err="1" smtClean="0">
+              <a:rPr sz="3200" b="1" dirty="0" err="1">
                 <a:latin typeface="Calibri" panose="020F0502020204030204" pitchFamily="34" charset="0"/>
                 <a:ea typeface="微軟正黑體" panose="020B0604030504040204" pitchFamily="34" charset="-120"/>
               </a:rPr>
               <a:t>分析各欄位與價格的關聯性</a:t>
             </a:r>
-            <a:endParaRPr lang="en-US" sz="3200" b="1" dirty="0" smtClean="0">
+            <a:endParaRPr lang="en-US" sz="3200" b="1" dirty="0">
               <a:latin typeface="Calibri" panose="020F0502020204030204" pitchFamily="34" charset="0"/>
               <a:ea typeface="微軟正黑體" panose="020B0604030504040204" pitchFamily="34" charset="-120"/>
             </a:endParaRPr>
@@ -4951,19 +4599,8 @@
                 <a:latin typeface="Calibri" panose="020F0502020204030204" pitchFamily="34" charset="0"/>
                 <a:ea typeface="微軟正黑體" panose="020B0604030504040204" pitchFamily="34" charset="-120"/>
               </a:rPr>
-              <a:t>何為關鍵</a:t>
-            </a:r>
-            <a:r>
-              <a:rPr lang="zh-TW" altLang="en-US" sz="3200" b="1" dirty="0" smtClean="0">
-                <a:latin typeface="Calibri" panose="020F0502020204030204" pitchFamily="34" charset="0"/>
-                <a:ea typeface="微軟正黑體" panose="020B0604030504040204" pitchFamily="34" charset="-120"/>
-              </a:rPr>
-              <a:t>因素</a:t>
-            </a:r>
-            <a:endParaRPr lang="zh-TW" altLang="en-US" sz="3200" b="1" dirty="0">
-              <a:latin typeface="Calibri" panose="020F0502020204030204" pitchFamily="34" charset="0"/>
-              <a:ea typeface="微軟正黑體" panose="020B0604030504040204" pitchFamily="34" charset="-120"/>
-            </a:endParaRPr>
+              <a:t>何為關鍵因素</a:t>
+            </a:r>
           </a:p>
         </p:txBody>
       </p:sp>
@@ -4977,13 +4614,6 @@
   <p:clrMapOvr>
     <a:masterClrMapping/>
   </p:clrMapOvr>
-  <p:timing>
-    <p:tnLst>
-      <p:par>
-        <p:cTn id="1" dur="indefinite" restart="never" nodeType="tmRoot"/>
-      </p:par>
-    </p:tnLst>
-  </p:timing>
 </p:sld>
 </file>
 
@@ -5024,21 +4654,7 @@
                 <a:latin typeface="Calibri" panose="020F0502020204030204" pitchFamily="34" charset="0"/>
                 <a:ea typeface="微軟正黑體" panose="020B0604030504040204" pitchFamily="34" charset="-120"/>
               </a:rPr>
-              <a:t>課程學習應用</a:t>
-            </a:r>
-            <a:r>
-              <a:rPr lang="zh-CN" altLang="en-US" b="1" cap="none" dirty="0">
-                <a:latin typeface="Calibri" panose="020F0502020204030204" pitchFamily="34" charset="0"/>
-                <a:ea typeface="微軟正黑體" panose="020B0604030504040204" pitchFamily="34" charset="-120"/>
-              </a:rPr>
-              <a:t>説</a:t>
-            </a:r>
-            <a:r>
-              <a:rPr lang="zh-CN" altLang="en-US" b="1" cap="none" dirty="0">
-                <a:latin typeface="Calibri" panose="020F0502020204030204" pitchFamily="34" charset="0"/>
-                <a:ea typeface="微軟正黑體" panose="020B0604030504040204" pitchFamily="34" charset="-120"/>
-              </a:rPr>
-              <a:t>明 </a:t>
+              <a:t>課程學習應用説明 </a:t>
             </a:r>
             <a:r>
               <a:rPr lang="en-US" altLang="zh-CN" b="1" cap="none" dirty="0">
@@ -5091,14 +4707,14 @@
               <a:buChar char="Ø"/>
             </a:pPr>
             <a:r>
-              <a:rPr sz="3200" b="1" dirty="0" err="1" smtClean="0">
+              <a:rPr sz="3200" b="1" dirty="0" err="1">
                 <a:latin typeface="Calibri" panose="020F0502020204030204" pitchFamily="34" charset="0"/>
                 <a:ea typeface="微軟正黑體" panose="020B0604030504040204" pitchFamily="34" charset="-120"/>
               </a:rPr>
               <a:t>使用</a:t>
             </a:r>
             <a:r>
-              <a:rPr sz="3200" b="1" dirty="0" smtClean="0">
+              <a:rPr sz="3200" b="1" dirty="0">
                 <a:latin typeface="Calibri" panose="020F0502020204030204" pitchFamily="34" charset="0"/>
                 <a:ea typeface="微軟正黑體" panose="020B0604030504040204" pitchFamily="34" charset="-120"/>
               </a:rPr>
@@ -5119,14 +4735,14 @@
               <a:t>-learn </a:t>
             </a:r>
             <a:r>
-              <a:rPr sz="3200" b="1" dirty="0" err="1" smtClean="0">
+              <a:rPr sz="3200" b="1" dirty="0" err="1">
                 <a:latin typeface="Calibri" panose="020F0502020204030204" pitchFamily="34" charset="0"/>
                 <a:ea typeface="微軟正黑體" panose="020B0604030504040204" pitchFamily="34" charset="-120"/>
               </a:rPr>
               <a:t>建立</a:t>
             </a:r>
             <a:r>
-              <a:rPr lang="zh-CN" altLang="en-US" sz="3200" b="1" dirty="0" smtClean="0">
+              <a:rPr lang="zh-CN" altLang="en-US" sz="3200" b="1" dirty="0">
                 <a:latin typeface="Calibri" panose="020F0502020204030204" pitchFamily="34" charset="0"/>
                 <a:ea typeface="微軟正黑體" panose="020B0604030504040204" pitchFamily="34" charset="-120"/>
               </a:rPr>
@@ -5152,18 +4768,11 @@
               <a:buChar char="u"/>
             </a:pPr>
             <a:r>
-              <a:rPr sz="3000" b="1" dirty="0" smtClean="0">
-                <a:latin typeface="Calibri" panose="020F0502020204030204" pitchFamily="34" charset="0"/>
-                <a:ea typeface="微軟正黑體" panose="020B0604030504040204" pitchFamily="34" charset="-120"/>
-              </a:rPr>
-              <a:t>Linear </a:t>
-            </a:r>
-            <a:r>
               <a:rPr sz="3000" b="1" dirty="0">
                 <a:latin typeface="Calibri" panose="020F0502020204030204" pitchFamily="34" charset="0"/>
                 <a:ea typeface="微軟正黑體" panose="020B0604030504040204" pitchFamily="34" charset="-120"/>
               </a:rPr>
-              <a:t>Regression</a:t>
+              <a:t>Linear Regression</a:t>
             </a:r>
           </a:p>
           <a:p>
@@ -5181,7 +4790,7 @@
               <a:buChar char="u"/>
             </a:pPr>
             <a:r>
-              <a:rPr lang="en-US" sz="3000" b="1" dirty="0" smtClean="0">
+              <a:rPr lang="en-US" sz="3000" b="1" dirty="0">
                 <a:latin typeface="Calibri" panose="020F0502020204030204" pitchFamily="34" charset="0"/>
                 <a:ea typeface="微軟正黑體" panose="020B0604030504040204" pitchFamily="34" charset="-120"/>
               </a:rPr>
@@ -5207,16 +4816,12 @@
               <a:buChar char="u"/>
             </a:pPr>
             <a:r>
-              <a:rPr sz="3000" b="1" dirty="0" smtClean="0">
+              <a:rPr sz="3000" b="1" dirty="0">
                 <a:latin typeface="Calibri" panose="020F0502020204030204" pitchFamily="34" charset="0"/>
                 <a:ea typeface="微軟正黑體" panose="020B0604030504040204" pitchFamily="34" charset="-120"/>
               </a:rPr>
               <a:t>Lasso</a:t>
             </a:r>
-            <a:endParaRPr sz="3000" b="1" dirty="0">
-              <a:latin typeface="Calibri" panose="020F0502020204030204" pitchFamily="34" charset="0"/>
-              <a:ea typeface="微軟正黑體" panose="020B0604030504040204" pitchFamily="34" charset="-120"/>
-            </a:endParaRPr>
           </a:p>
           <a:p>
             <a:pPr marL="1008000" lvl="1" indent="-504000">
@@ -5233,18 +4838,11 @@
               <a:buChar char="u"/>
             </a:pPr>
             <a:r>
-              <a:rPr sz="3000" b="1" dirty="0" smtClean="0">
-                <a:latin typeface="Calibri" panose="020F0502020204030204" pitchFamily="34" charset="0"/>
-                <a:ea typeface="微軟正黑體" panose="020B0604030504040204" pitchFamily="34" charset="-120"/>
-              </a:rPr>
-              <a:t>Random </a:t>
-            </a:r>
-            <a:r>
               <a:rPr sz="3000" b="1" dirty="0">
                 <a:latin typeface="Calibri" panose="020F0502020204030204" pitchFamily="34" charset="0"/>
                 <a:ea typeface="微軟正黑體" panose="020B0604030504040204" pitchFamily="34" charset="-120"/>
               </a:rPr>
-              <a:t>Forest</a:t>
+              <a:t>Random Forest</a:t>
             </a:r>
           </a:p>
           <a:p>
@@ -5261,18 +4859,11 @@
               <a:buChar char="Ø"/>
             </a:pPr>
             <a:r>
-              <a:rPr sz="3200" b="1" dirty="0" smtClean="0">
-                <a:latin typeface="Calibri" panose="020F0502020204030204" pitchFamily="34" charset="0"/>
-                <a:ea typeface="微軟正黑體" panose="020B0604030504040204" pitchFamily="34" charset="-120"/>
-              </a:rPr>
-              <a:t>評估</a:t>
-            </a:r>
-            <a:r>
               <a:rPr sz="3200" b="1" dirty="0">
                 <a:latin typeface="Calibri" panose="020F0502020204030204" pitchFamily="34" charset="0"/>
                 <a:ea typeface="微軟正黑體" panose="020B0604030504040204" pitchFamily="34" charset="-120"/>
               </a:rPr>
-              <a:t>：MAE、RMSE、R²</a:t>
+              <a:t>評估：MAE、RMSE、R²</a:t>
             </a:r>
           </a:p>
         </p:txBody>
@@ -5287,13 +4878,6 @@
   <p:clrMapOvr>
     <a:masterClrMapping/>
   </p:clrMapOvr>
-  <p:timing>
-    <p:tnLst>
-      <p:par>
-        <p:cTn id="1" dur="indefinite" restart="never" nodeType="tmRoot"/>
-      </p:par>
-    </p:tnLst>
-  </p:timing>
 </p:sld>
 </file>
 
@@ -5334,14 +4918,7 @@
                 <a:latin typeface="Calibri" panose="020F0502020204030204" pitchFamily="34" charset="0"/>
                 <a:ea typeface="微軟正黑體" panose="020B0604030504040204" pitchFamily="34" charset="-120"/>
               </a:rPr>
-              <a:t>課程學習應用</a:t>
-            </a:r>
-            <a:r>
-              <a:rPr lang="zh-CN" altLang="en-US" b="1" cap="none" dirty="0">
-                <a:latin typeface="Calibri" panose="020F0502020204030204" pitchFamily="34" charset="0"/>
-                <a:ea typeface="微軟正黑體" panose="020B0604030504040204" pitchFamily="34" charset="-120"/>
-              </a:rPr>
-              <a:t>説明 </a:t>
+              <a:t>課程學習應用説明 </a:t>
             </a:r>
             <a:r>
               <a:rPr lang="en-US" altLang="zh-CN" b="1" cap="none" dirty="0">
@@ -5394,35 +4971,35 @@
               <a:buChar char="Ø"/>
             </a:pPr>
             <a:r>
-              <a:rPr lang="en-US" altLang="zh-CN" sz="3200" b="1" dirty="0" smtClean="0">
+              <a:rPr lang="en-US" altLang="zh-CN" sz="3200" b="1" dirty="0">
                 <a:latin typeface="Calibri" panose="020F0502020204030204" pitchFamily="34" charset="0"/>
                 <a:ea typeface="微軟正黑體" panose="020B0604030504040204" pitchFamily="34" charset="-120"/>
               </a:rPr>
               <a:t>Polynomial </a:t>
             </a:r>
             <a:r>
-              <a:rPr lang="en-US" altLang="zh-CN" sz="3200" b="1" dirty="0" err="1" smtClean="0">
+              <a:rPr lang="en-US" altLang="zh-CN" sz="3200" b="1" dirty="0" err="1">
                 <a:latin typeface="Calibri" panose="020F0502020204030204" pitchFamily="34" charset="0"/>
                 <a:ea typeface="微軟正黑體" panose="020B0604030504040204" pitchFamily="34" charset="-120"/>
               </a:rPr>
               <a:t>Regression</a:t>
             </a:r>
             <a:r>
-              <a:rPr sz="3200" b="1" dirty="0" err="1" smtClean="0">
+              <a:rPr sz="3200" b="1" dirty="0" err="1">
                 <a:latin typeface="Calibri" panose="020F0502020204030204" pitchFamily="34" charset="0"/>
                 <a:ea typeface="微軟正黑體" panose="020B0604030504040204" pitchFamily="34" charset="-120"/>
               </a:rPr>
               <a:t>效果最佳</a:t>
             </a:r>
             <a:r>
-              <a:rPr lang="zh-CN" altLang="en-US" sz="3200" b="1" dirty="0" smtClean="0">
+              <a:rPr lang="zh-CN" altLang="en-US" sz="3200" b="1" dirty="0">
                 <a:latin typeface="Calibri" panose="020F0502020204030204" pitchFamily="34" charset="0"/>
                 <a:ea typeface="微軟正黑體" panose="020B0604030504040204" pitchFamily="34" charset="-120"/>
               </a:rPr>
               <a:t>，但接近</a:t>
             </a:r>
             <a:r>
-              <a:rPr lang="en-US" altLang="zh-CN" sz="3200" b="1" dirty="0" smtClean="0">
+              <a:rPr lang="en-US" altLang="zh-CN" sz="3200" b="1" dirty="0">
                 <a:latin typeface="Calibri" panose="020F0502020204030204" pitchFamily="34" charset="0"/>
                 <a:ea typeface="微軟正黑體" panose="020B0604030504040204" pitchFamily="34" charset="-120"/>
               </a:rPr>
@@ -5445,13 +5022,6 @@
   <p:clrMapOvr>
     <a:masterClrMapping/>
   </p:clrMapOvr>
-  <p:timing>
-    <p:tnLst>
-      <p:par>
-        <p:cTn id="1" dur="indefinite" restart="never" nodeType="tmRoot"/>
-      </p:par>
-    </p:tnLst>
-  </p:timing>
 </p:sld>
 </file>
 
@@ -5492,14 +5062,7 @@
                 <a:latin typeface="Calibri" panose="020F0502020204030204" pitchFamily="34" charset="0"/>
                 <a:ea typeface="微軟正黑體" panose="020B0604030504040204" pitchFamily="34" charset="-120"/>
               </a:rPr>
-              <a:t>成果説</a:t>
-            </a:r>
-            <a:r>
-              <a:rPr lang="zh-CN" altLang="en-US" b="1" cap="none" dirty="0">
-                <a:latin typeface="Calibri" panose="020F0502020204030204" pitchFamily="34" charset="0"/>
-                <a:ea typeface="微軟正黑體" panose="020B0604030504040204" pitchFamily="34" charset="-120"/>
-              </a:rPr>
-              <a:t>明</a:t>
+              <a:t>成果説明</a:t>
             </a:r>
             <a:r>
               <a:rPr lang="en-US" altLang="zh-CN" b="1" cap="none" dirty="0">
@@ -5552,7 +5115,7 @@
               <a:buChar char="Ø"/>
             </a:pPr>
             <a:r>
-              <a:rPr sz="3200" b="1" dirty="0" err="1" smtClean="0">
+              <a:rPr sz="3200" b="1" dirty="0" err="1">
                 <a:latin typeface="Calibri" panose="020F0502020204030204" pitchFamily="34" charset="0"/>
                 <a:ea typeface="微軟正黑體" panose="020B0604030504040204" pitchFamily="34" charset="-120"/>
               </a:rPr>
@@ -5577,42 +5140,42 @@
               <a:buChar char="Ø"/>
             </a:pPr>
             <a:r>
-              <a:rPr sz="3200" b="1" dirty="0" err="1" smtClean="0">
+              <a:rPr sz="3200" b="1" dirty="0" err="1">
                 <a:latin typeface="Calibri" panose="020F0502020204030204" pitchFamily="34" charset="0"/>
                 <a:ea typeface="微軟正黑體" panose="020B0604030504040204" pitchFamily="34" charset="-120"/>
               </a:rPr>
               <a:t>可延伸</a:t>
             </a:r>
             <a:r>
-              <a:rPr lang="zh-CN" altLang="en-US" sz="3200" b="1" dirty="0" smtClean="0">
+              <a:rPr lang="zh-CN" altLang="en-US" sz="3200" b="1" dirty="0">
                 <a:latin typeface="Calibri" panose="020F0502020204030204" pitchFamily="34" charset="0"/>
                 <a:ea typeface="微軟正黑體" panose="020B0604030504040204" pitchFamily="34" charset="-120"/>
               </a:rPr>
               <a:t>加入</a:t>
             </a:r>
             <a:r>
-              <a:rPr sz="3200" b="1" dirty="0" err="1" smtClean="0">
+              <a:rPr sz="3200" b="1" dirty="0" err="1">
                 <a:latin typeface="Calibri" panose="020F0502020204030204" pitchFamily="34" charset="0"/>
                 <a:ea typeface="微軟正黑體" panose="020B0604030504040204" pitchFamily="34" charset="-120"/>
               </a:rPr>
               <a:t>地區</a:t>
             </a:r>
             <a:r>
-              <a:rPr sz="3200" b="1" dirty="0" smtClean="0">
+              <a:rPr sz="3200" b="1" dirty="0">
                 <a:latin typeface="Calibri" panose="020F0502020204030204" pitchFamily="34" charset="0"/>
                 <a:ea typeface="微軟正黑體" panose="020B0604030504040204" pitchFamily="34" charset="-120"/>
               </a:rPr>
               <a:t>、</a:t>
             </a:r>
             <a:r>
-              <a:rPr lang="zh-CN" altLang="en-US" sz="3200" b="1" dirty="0" smtClean="0">
+              <a:rPr lang="zh-CN" altLang="en-US" sz="3200" b="1" dirty="0">
                 <a:latin typeface="Calibri" panose="020F0502020204030204" pitchFamily="34" charset="0"/>
                 <a:ea typeface="微軟正黑體" panose="020B0604030504040204" pitchFamily="34" charset="-120"/>
               </a:rPr>
               <a:t>品牌</a:t>
             </a:r>
             <a:r>
-              <a:rPr sz="3200" b="1" dirty="0" err="1" smtClean="0">
+              <a:rPr sz="3200" b="1" dirty="0" err="1">
                 <a:latin typeface="Calibri" panose="020F0502020204030204" pitchFamily="34" charset="0"/>
                 <a:ea typeface="微軟正黑體" panose="020B0604030504040204" pitchFamily="34" charset="-120"/>
               </a:rPr>
@@ -5635,13 +5198,6 @@
   <p:clrMapOvr>
     <a:masterClrMapping/>
   </p:clrMapOvr>
-  <p:timing>
-    <p:tnLst>
-      <p:par>
-        <p:cTn id="1" dur="indefinite" restart="never" nodeType="tmRoot"/>
-      </p:par>
-    </p:tnLst>
-  </p:timing>
 </p:sld>
 </file>
 

--- a/Project/IMLP449_ML_ProjectReport.pptx
+++ b/Project/IMLP449_ML_ProjectReport.pptx
@@ -4,6 +4,9 @@
   <p:sldMasterIdLst>
     <p:sldMasterId id="2147483675" r:id="rId1"/>
   </p:sldMasterIdLst>
+  <p:notesMasterIdLst>
+    <p:notesMasterId r:id="rId12"/>
+  </p:notesMasterIdLst>
   <p:sldIdLst>
     <p:sldId id="256" r:id="rId2"/>
     <p:sldId id="258" r:id="rId3"/>
@@ -147,6 +150,1001 @@
 </p:presentation>
 </file>
 
+<file path=ppt/notesMasters/notesMaster1.xml><?xml version="1.0" encoding="utf-8"?>
+<p:notesMaster xmlns:a="http://schemas.openxmlformats.org/drawingml/2006/main" xmlns:r="http://schemas.openxmlformats.org/officeDocument/2006/relationships" xmlns:p="http://schemas.openxmlformats.org/presentationml/2006/main">
+  <p:cSld>
+    <p:bg>
+      <p:bgRef idx="1001">
+        <a:schemeClr val="bg1"/>
+      </p:bgRef>
+    </p:bg>
+    <p:spTree>
+      <p:nvGrpSpPr>
+        <p:cNvPr id="1" name=""/>
+        <p:cNvGrpSpPr/>
+        <p:nvPr/>
+      </p:nvGrpSpPr>
+      <p:grpSpPr>
+        <a:xfrm>
+          <a:off x="0" y="0"/>
+          <a:ext cx="0" cy="0"/>
+          <a:chOff x="0" y="0"/>
+          <a:chExt cx="0" cy="0"/>
+        </a:xfrm>
+      </p:grpSpPr>
+      <p:sp>
+        <p:nvSpPr>
+          <p:cNvPr id="2" name="頁首版面配置區 1"/>
+          <p:cNvSpPr>
+            <a:spLocks noGrp="1"/>
+          </p:cNvSpPr>
+          <p:nvPr>
+            <p:ph type="hdr" sz="quarter"/>
+          </p:nvPr>
+        </p:nvSpPr>
+        <p:spPr>
+          <a:xfrm>
+            <a:off x="0" y="0"/>
+            <a:ext cx="2971800" cy="458788"/>
+          </a:xfrm>
+          <a:prstGeom prst="rect">
+            <a:avLst/>
+          </a:prstGeom>
+        </p:spPr>
+        <p:txBody>
+          <a:bodyPr vert="horz" lIns="91440" tIns="45720" rIns="91440" bIns="45720" rtlCol="0"/>
+          <a:lstStyle>
+            <a:lvl1pPr algn="l">
+              <a:defRPr sz="1200"/>
+            </a:lvl1pPr>
+          </a:lstStyle>
+          <a:p>
+            <a:endParaRPr lang="zh-TW" altLang="en-US"/>
+          </a:p>
+        </p:txBody>
+      </p:sp>
+      <p:sp>
+        <p:nvSpPr>
+          <p:cNvPr id="3" name="日期版面配置區 2"/>
+          <p:cNvSpPr>
+            <a:spLocks noGrp="1"/>
+          </p:cNvSpPr>
+          <p:nvPr>
+            <p:ph type="dt" idx="1"/>
+          </p:nvPr>
+        </p:nvSpPr>
+        <p:spPr>
+          <a:xfrm>
+            <a:off x="3884613" y="0"/>
+            <a:ext cx="2971800" cy="458788"/>
+          </a:xfrm>
+          <a:prstGeom prst="rect">
+            <a:avLst/>
+          </a:prstGeom>
+        </p:spPr>
+        <p:txBody>
+          <a:bodyPr vert="horz" lIns="91440" tIns="45720" rIns="91440" bIns="45720" rtlCol="0"/>
+          <a:lstStyle>
+            <a:lvl1pPr algn="r">
+              <a:defRPr sz="1200"/>
+            </a:lvl1pPr>
+          </a:lstStyle>
+          <a:p>
+            <a:fld id="{549263FB-4819-4E68-AE9B-1B32C16B6041}" type="datetimeFigureOut">
+              <a:rPr lang="zh-TW" altLang="en-US" smtClean="0"/>
+              <a:t>2025/6/15</a:t>
+            </a:fld>
+            <a:endParaRPr lang="zh-TW" altLang="en-US"/>
+          </a:p>
+        </p:txBody>
+      </p:sp>
+      <p:sp>
+        <p:nvSpPr>
+          <p:cNvPr id="4" name="投影片影像版面配置區 3"/>
+          <p:cNvSpPr>
+            <a:spLocks noGrp="1" noRot="1" noChangeAspect="1"/>
+          </p:cNvSpPr>
+          <p:nvPr>
+            <p:ph type="sldImg" idx="2"/>
+          </p:nvPr>
+        </p:nvSpPr>
+        <p:spPr>
+          <a:xfrm>
+            <a:off x="685800" y="1143000"/>
+            <a:ext cx="5486400" cy="3086100"/>
+          </a:xfrm>
+          <a:prstGeom prst="rect">
+            <a:avLst/>
+          </a:prstGeom>
+          <a:noFill/>
+          <a:ln w="12700">
+            <a:solidFill>
+              <a:prstClr val="black"/>
+            </a:solidFill>
+          </a:ln>
+        </p:spPr>
+        <p:txBody>
+          <a:bodyPr vert="horz" lIns="91440" tIns="45720" rIns="91440" bIns="45720" rtlCol="0" anchor="ctr"/>
+          <a:lstStyle/>
+          <a:p>
+            <a:endParaRPr lang="zh-TW" altLang="en-US"/>
+          </a:p>
+        </p:txBody>
+      </p:sp>
+      <p:sp>
+        <p:nvSpPr>
+          <p:cNvPr id="5" name="備忘稿版面配置區 4"/>
+          <p:cNvSpPr>
+            <a:spLocks noGrp="1"/>
+          </p:cNvSpPr>
+          <p:nvPr>
+            <p:ph type="body" sz="quarter" idx="3"/>
+          </p:nvPr>
+        </p:nvSpPr>
+        <p:spPr>
+          <a:xfrm>
+            <a:off x="685800" y="4400550"/>
+            <a:ext cx="5486400" cy="3600450"/>
+          </a:xfrm>
+          <a:prstGeom prst="rect">
+            <a:avLst/>
+          </a:prstGeom>
+        </p:spPr>
+        <p:txBody>
+          <a:bodyPr vert="horz" lIns="91440" tIns="45720" rIns="91440" bIns="45720" rtlCol="0"/>
+          <a:lstStyle/>
+          <a:p>
+            <a:pPr lvl="0"/>
+            <a:r>
+              <a:rPr lang="zh-TW" altLang="en-US"/>
+              <a:t>按一下以編輯母片文字樣式</a:t>
+            </a:r>
+          </a:p>
+          <a:p>
+            <a:pPr lvl="1"/>
+            <a:r>
+              <a:rPr lang="zh-TW" altLang="en-US"/>
+              <a:t>第二層</a:t>
+            </a:r>
+          </a:p>
+          <a:p>
+            <a:pPr lvl="2"/>
+            <a:r>
+              <a:rPr lang="zh-TW" altLang="en-US"/>
+              <a:t>第三層</a:t>
+            </a:r>
+          </a:p>
+          <a:p>
+            <a:pPr lvl="3"/>
+            <a:r>
+              <a:rPr lang="zh-TW" altLang="en-US"/>
+              <a:t>第四層</a:t>
+            </a:r>
+          </a:p>
+          <a:p>
+            <a:pPr lvl="4"/>
+            <a:r>
+              <a:rPr lang="zh-TW" altLang="en-US"/>
+              <a:t>第五層</a:t>
+            </a:r>
+          </a:p>
+        </p:txBody>
+      </p:sp>
+      <p:sp>
+        <p:nvSpPr>
+          <p:cNvPr id="6" name="頁尾版面配置區 5"/>
+          <p:cNvSpPr>
+            <a:spLocks noGrp="1"/>
+          </p:cNvSpPr>
+          <p:nvPr>
+            <p:ph type="ftr" sz="quarter" idx="4"/>
+          </p:nvPr>
+        </p:nvSpPr>
+        <p:spPr>
+          <a:xfrm>
+            <a:off x="0" y="8685213"/>
+            <a:ext cx="2971800" cy="458787"/>
+          </a:xfrm>
+          <a:prstGeom prst="rect">
+            <a:avLst/>
+          </a:prstGeom>
+        </p:spPr>
+        <p:txBody>
+          <a:bodyPr vert="horz" lIns="91440" tIns="45720" rIns="91440" bIns="45720" rtlCol="0" anchor="b"/>
+          <a:lstStyle>
+            <a:lvl1pPr algn="l">
+              <a:defRPr sz="1200"/>
+            </a:lvl1pPr>
+          </a:lstStyle>
+          <a:p>
+            <a:endParaRPr lang="zh-TW" altLang="en-US"/>
+          </a:p>
+        </p:txBody>
+      </p:sp>
+      <p:sp>
+        <p:nvSpPr>
+          <p:cNvPr id="7" name="投影片編號版面配置區 6"/>
+          <p:cNvSpPr>
+            <a:spLocks noGrp="1"/>
+          </p:cNvSpPr>
+          <p:nvPr>
+            <p:ph type="sldNum" sz="quarter" idx="5"/>
+          </p:nvPr>
+        </p:nvSpPr>
+        <p:spPr>
+          <a:xfrm>
+            <a:off x="3884613" y="8685213"/>
+            <a:ext cx="2971800" cy="458787"/>
+          </a:xfrm>
+          <a:prstGeom prst="rect">
+            <a:avLst/>
+          </a:prstGeom>
+        </p:spPr>
+        <p:txBody>
+          <a:bodyPr vert="horz" lIns="91440" tIns="45720" rIns="91440" bIns="45720" rtlCol="0" anchor="b"/>
+          <a:lstStyle>
+            <a:lvl1pPr algn="r">
+              <a:defRPr sz="1200"/>
+            </a:lvl1pPr>
+          </a:lstStyle>
+          <a:p>
+            <a:fld id="{B581F3BC-9040-432C-8E90-847FEA897C7A}" type="slidenum">
+              <a:rPr lang="zh-TW" altLang="en-US" smtClean="0"/>
+              <a:t>‹#›</a:t>
+            </a:fld>
+            <a:endParaRPr lang="zh-TW" altLang="en-US"/>
+          </a:p>
+        </p:txBody>
+      </p:sp>
+    </p:spTree>
+    <p:extLst>
+      <p:ext uri="{BB962C8B-B14F-4D97-AF65-F5344CB8AC3E}">
+        <p14:creationId xmlns:p14="http://schemas.microsoft.com/office/powerpoint/2010/main" val="3107853798"/>
+      </p:ext>
+    </p:extLst>
+  </p:cSld>
+  <p:clrMap bg1="lt1" tx1="dk1" bg2="lt2" tx2="dk2" accent1="accent1" accent2="accent2" accent3="accent3" accent4="accent4" accent5="accent5" accent6="accent6" hlink="hlink" folHlink="folHlink"/>
+  <p:notesStyle>
+    <a:lvl1pPr marL="0" algn="l" defTabSz="914400" rtl="0" eaLnBrk="1" latinLnBrk="0" hangingPunct="1">
+      <a:defRPr sz="1200" kern="1200">
+        <a:solidFill>
+          <a:schemeClr val="tx1"/>
+        </a:solidFill>
+        <a:latin typeface="+mn-lt"/>
+        <a:ea typeface="+mn-ea"/>
+        <a:cs typeface="+mn-cs"/>
+      </a:defRPr>
+    </a:lvl1pPr>
+    <a:lvl2pPr marL="457200" algn="l" defTabSz="914400" rtl="0" eaLnBrk="1" latinLnBrk="0" hangingPunct="1">
+      <a:defRPr sz="1200" kern="1200">
+        <a:solidFill>
+          <a:schemeClr val="tx1"/>
+        </a:solidFill>
+        <a:latin typeface="+mn-lt"/>
+        <a:ea typeface="+mn-ea"/>
+        <a:cs typeface="+mn-cs"/>
+      </a:defRPr>
+    </a:lvl2pPr>
+    <a:lvl3pPr marL="914400" algn="l" defTabSz="914400" rtl="0" eaLnBrk="1" latinLnBrk="0" hangingPunct="1">
+      <a:defRPr sz="1200" kern="1200">
+        <a:solidFill>
+          <a:schemeClr val="tx1"/>
+        </a:solidFill>
+        <a:latin typeface="+mn-lt"/>
+        <a:ea typeface="+mn-ea"/>
+        <a:cs typeface="+mn-cs"/>
+      </a:defRPr>
+    </a:lvl3pPr>
+    <a:lvl4pPr marL="1371600" algn="l" defTabSz="914400" rtl="0" eaLnBrk="1" latinLnBrk="0" hangingPunct="1">
+      <a:defRPr sz="1200" kern="1200">
+        <a:solidFill>
+          <a:schemeClr val="tx1"/>
+        </a:solidFill>
+        <a:latin typeface="+mn-lt"/>
+        <a:ea typeface="+mn-ea"/>
+        <a:cs typeface="+mn-cs"/>
+      </a:defRPr>
+    </a:lvl4pPr>
+    <a:lvl5pPr marL="1828800" algn="l" defTabSz="914400" rtl="0" eaLnBrk="1" latinLnBrk="0" hangingPunct="1">
+      <a:defRPr sz="1200" kern="1200">
+        <a:solidFill>
+          <a:schemeClr val="tx1"/>
+        </a:solidFill>
+        <a:latin typeface="+mn-lt"/>
+        <a:ea typeface="+mn-ea"/>
+        <a:cs typeface="+mn-cs"/>
+      </a:defRPr>
+    </a:lvl5pPr>
+    <a:lvl6pPr marL="2286000" algn="l" defTabSz="914400" rtl="0" eaLnBrk="1" latinLnBrk="0" hangingPunct="1">
+      <a:defRPr sz="1200" kern="1200">
+        <a:solidFill>
+          <a:schemeClr val="tx1"/>
+        </a:solidFill>
+        <a:latin typeface="+mn-lt"/>
+        <a:ea typeface="+mn-ea"/>
+        <a:cs typeface="+mn-cs"/>
+      </a:defRPr>
+    </a:lvl6pPr>
+    <a:lvl7pPr marL="2743200" algn="l" defTabSz="914400" rtl="0" eaLnBrk="1" latinLnBrk="0" hangingPunct="1">
+      <a:defRPr sz="1200" kern="1200">
+        <a:solidFill>
+          <a:schemeClr val="tx1"/>
+        </a:solidFill>
+        <a:latin typeface="+mn-lt"/>
+        <a:ea typeface="+mn-ea"/>
+        <a:cs typeface="+mn-cs"/>
+      </a:defRPr>
+    </a:lvl7pPr>
+    <a:lvl8pPr marL="3200400" algn="l" defTabSz="914400" rtl="0" eaLnBrk="1" latinLnBrk="0" hangingPunct="1">
+      <a:defRPr sz="1200" kern="1200">
+        <a:solidFill>
+          <a:schemeClr val="tx1"/>
+        </a:solidFill>
+        <a:latin typeface="+mn-lt"/>
+        <a:ea typeface="+mn-ea"/>
+        <a:cs typeface="+mn-cs"/>
+      </a:defRPr>
+    </a:lvl8pPr>
+    <a:lvl9pPr marL="3657600" algn="l" defTabSz="914400" rtl="0" eaLnBrk="1" latinLnBrk="0" hangingPunct="1">
+      <a:defRPr sz="1200" kern="1200">
+        <a:solidFill>
+          <a:schemeClr val="tx1"/>
+        </a:solidFill>
+        <a:latin typeface="+mn-lt"/>
+        <a:ea typeface="+mn-ea"/>
+        <a:cs typeface="+mn-cs"/>
+      </a:defRPr>
+    </a:lvl9pPr>
+  </p:notesStyle>
+</p:notesMaster>
+</file>
+
+<file path=ppt/notesSlides/notesSlide1.xml><?xml version="1.0" encoding="utf-8"?>
+<p:notes xmlns:a="http://schemas.openxmlformats.org/drawingml/2006/main" xmlns:r="http://schemas.openxmlformats.org/officeDocument/2006/relationships" xmlns:p="http://schemas.openxmlformats.org/presentationml/2006/main">
+  <p:cSld>
+    <p:spTree>
+      <p:nvGrpSpPr>
+        <p:cNvPr id="1" name=""/>
+        <p:cNvGrpSpPr/>
+        <p:nvPr/>
+      </p:nvGrpSpPr>
+      <p:grpSpPr>
+        <a:xfrm>
+          <a:off x="0" y="0"/>
+          <a:ext cx="0" cy="0"/>
+          <a:chOff x="0" y="0"/>
+          <a:chExt cx="0" cy="0"/>
+        </a:xfrm>
+      </p:grpSpPr>
+      <p:sp>
+        <p:nvSpPr>
+          <p:cNvPr id="2" name="投影片影像版面配置區 1"/>
+          <p:cNvSpPr>
+            <a:spLocks noGrp="1" noRot="1" noChangeAspect="1"/>
+          </p:cNvSpPr>
+          <p:nvPr>
+            <p:ph type="sldImg"/>
+          </p:nvPr>
+        </p:nvSpPr>
+        <p:spPr/>
+      </p:sp>
+      <p:sp>
+        <p:nvSpPr>
+          <p:cNvPr id="3" name="備忘稿版面配置區 2"/>
+          <p:cNvSpPr>
+            <a:spLocks noGrp="1"/>
+          </p:cNvSpPr>
+          <p:nvPr>
+            <p:ph type="body" idx="1"/>
+          </p:nvPr>
+        </p:nvSpPr>
+        <p:spPr/>
+        <p:txBody>
+          <a:bodyPr/>
+          <a:lstStyle/>
+          <a:p>
+            <a:pPr marL="228600" indent="-228600">
+              <a:buAutoNum type="arabicPeriod"/>
+            </a:pPr>
+            <a:r>
+              <a:rPr lang="zh-CN" altLang="en-US"/>
+              <a:t>此份</a:t>
+            </a:r>
+            <a:r>
+              <a:rPr lang="en-US" altLang="zh-CN"/>
+              <a:t>dataset</a:t>
+            </a:r>
+            <a:r>
+              <a:rPr lang="zh-CN" altLang="en-US"/>
+              <a:t>已經預處理清洗過，所以無異常值</a:t>
+            </a:r>
+            <a:endParaRPr lang="en-US" altLang="zh-CN"/>
+          </a:p>
+          <a:p>
+            <a:pPr marL="228600" indent="-228600">
+              <a:buAutoNum type="arabicPeriod"/>
+            </a:pPr>
+            <a:r>
+              <a:rPr lang="en-US" altLang="zh-CN"/>
+              <a:t>Target</a:t>
+            </a:r>
+            <a:r>
+              <a:rPr lang="zh-CN" altLang="en-US"/>
+              <a:t>為</a:t>
+            </a:r>
+            <a:r>
+              <a:rPr lang="en-US" altLang="zh-CN"/>
+              <a:t>Current Price</a:t>
+            </a:r>
+            <a:r>
+              <a:rPr lang="zh-CN" altLang="en-US"/>
+              <a:t>，目標為找出評價的</a:t>
+            </a:r>
+            <a:r>
+              <a:rPr lang="en-US" altLang="zh-CN"/>
+              <a:t>Features</a:t>
+            </a:r>
+            <a:r>
+              <a:rPr lang="zh-CN" altLang="en-US"/>
+              <a:t>對應係數來預測二手車價</a:t>
+            </a:r>
+            <a:endParaRPr lang="zh-TW" altLang="en-US"/>
+          </a:p>
+        </p:txBody>
+      </p:sp>
+      <p:sp>
+        <p:nvSpPr>
+          <p:cNvPr id="4" name="投影片編號版面配置區 3"/>
+          <p:cNvSpPr>
+            <a:spLocks noGrp="1"/>
+          </p:cNvSpPr>
+          <p:nvPr>
+            <p:ph type="sldNum" sz="quarter" idx="5"/>
+          </p:nvPr>
+        </p:nvSpPr>
+        <p:spPr/>
+        <p:txBody>
+          <a:bodyPr/>
+          <a:lstStyle/>
+          <a:p>
+            <a:fld id="{B581F3BC-9040-432C-8E90-847FEA897C7A}" type="slidenum">
+              <a:rPr lang="zh-TW" altLang="en-US" smtClean="0"/>
+              <a:t>4</a:t>
+            </a:fld>
+            <a:endParaRPr lang="zh-TW" altLang="en-US"/>
+          </a:p>
+        </p:txBody>
+      </p:sp>
+    </p:spTree>
+    <p:extLst>
+      <p:ext uri="{BB962C8B-B14F-4D97-AF65-F5344CB8AC3E}">
+        <p14:creationId xmlns:p14="http://schemas.microsoft.com/office/powerpoint/2010/main" val="3891423143"/>
+      </p:ext>
+    </p:extLst>
+  </p:cSld>
+  <p:clrMapOvr>
+    <a:masterClrMapping/>
+  </p:clrMapOvr>
+</p:notes>
+</file>
+
+<file path=ppt/notesSlides/notesSlide2.xml><?xml version="1.0" encoding="utf-8"?>
+<p:notes xmlns:a="http://schemas.openxmlformats.org/drawingml/2006/main" xmlns:r="http://schemas.openxmlformats.org/officeDocument/2006/relationships" xmlns:p="http://schemas.openxmlformats.org/presentationml/2006/main">
+  <p:cSld>
+    <p:spTree>
+      <p:nvGrpSpPr>
+        <p:cNvPr id="1" name=""/>
+        <p:cNvGrpSpPr/>
+        <p:nvPr/>
+      </p:nvGrpSpPr>
+      <p:grpSpPr>
+        <a:xfrm>
+          <a:off x="0" y="0"/>
+          <a:ext cx="0" cy="0"/>
+          <a:chOff x="0" y="0"/>
+          <a:chExt cx="0" cy="0"/>
+        </a:xfrm>
+      </p:grpSpPr>
+      <p:sp>
+        <p:nvSpPr>
+          <p:cNvPr id="2" name="投影片影像版面配置區 1"/>
+          <p:cNvSpPr>
+            <a:spLocks noGrp="1" noRot="1" noChangeAspect="1"/>
+          </p:cNvSpPr>
+          <p:nvPr>
+            <p:ph type="sldImg"/>
+          </p:nvPr>
+        </p:nvSpPr>
+        <p:spPr/>
+      </p:sp>
+      <p:sp>
+        <p:nvSpPr>
+          <p:cNvPr id="3" name="備忘稿版面配置區 2"/>
+          <p:cNvSpPr>
+            <a:spLocks noGrp="1"/>
+          </p:cNvSpPr>
+          <p:nvPr>
+            <p:ph type="body" idx="1"/>
+          </p:nvPr>
+        </p:nvSpPr>
+        <p:spPr/>
+        <p:txBody>
+          <a:bodyPr/>
+          <a:lstStyle/>
+          <a:p>
+            <a:r>
+              <a:rPr lang="zh-TW" altLang="en-US" b="1" i="0">
+                <a:solidFill>
+                  <a:srgbClr val="7F8C8D"/>
+                </a:solidFill>
+                <a:effectLst/>
+                <a:latin typeface="Microsoft YaHei" panose="020B0503020204020204" pitchFamily="34" charset="-122"/>
+                <a:ea typeface="Microsoft YaHei" panose="020B0503020204020204" pitchFamily="34" charset="-122"/>
+              </a:rPr>
+              <a:t>評估指標說明：</a:t>
+            </a:r>
+            <a:br>
+              <a:rPr lang="zh-TW" altLang="en-US"/>
+            </a:br>
+            <a:r>
+              <a:rPr lang="en-US" altLang="zh-TW" b="0" i="0">
+                <a:solidFill>
+                  <a:srgbClr val="7F8C8D"/>
+                </a:solidFill>
+                <a:effectLst/>
+                <a:latin typeface="Microsoft YaHei" panose="020B0503020204020204" pitchFamily="34" charset="-122"/>
+                <a:ea typeface="Microsoft YaHei" panose="020B0503020204020204" pitchFamily="34" charset="-122"/>
+              </a:rPr>
+              <a:t>• </a:t>
+            </a:r>
+            <a:r>
+              <a:rPr lang="en-US" altLang="zh-TW" b="1" i="0">
+                <a:solidFill>
+                  <a:srgbClr val="7F8C8D"/>
+                </a:solidFill>
+                <a:effectLst/>
+                <a:latin typeface="Microsoft YaHei" panose="020B0503020204020204" pitchFamily="34" charset="-122"/>
+                <a:ea typeface="Microsoft YaHei" panose="020B0503020204020204" pitchFamily="34" charset="-122"/>
+              </a:rPr>
+              <a:t>MAE (Mean Absolute Error)</a:t>
+            </a:r>
+            <a:r>
+              <a:rPr lang="en-US" altLang="zh-TW" b="0" i="0">
+                <a:solidFill>
+                  <a:srgbClr val="7F8C8D"/>
+                </a:solidFill>
+                <a:effectLst/>
+                <a:latin typeface="Microsoft YaHei" panose="020B0503020204020204" pitchFamily="34" charset="-122"/>
+                <a:ea typeface="Microsoft YaHei" panose="020B0503020204020204" pitchFamily="34" charset="-122"/>
+              </a:rPr>
+              <a:t>: </a:t>
+            </a:r>
+            <a:r>
+              <a:rPr lang="zh-TW" altLang="en-US" b="0" i="0">
+                <a:solidFill>
+                  <a:srgbClr val="7F8C8D"/>
+                </a:solidFill>
+                <a:effectLst/>
+                <a:latin typeface="Microsoft YaHei" panose="020B0503020204020204" pitchFamily="34" charset="-122"/>
+                <a:ea typeface="Microsoft YaHei" panose="020B0503020204020204" pitchFamily="34" charset="-122"/>
+              </a:rPr>
+              <a:t>平均絕對誤差，數值越小越好</a:t>
+            </a:r>
+            <a:br>
+              <a:rPr lang="zh-TW" altLang="en-US"/>
+            </a:br>
+            <a:r>
+              <a:rPr lang="en-US" altLang="zh-TW" b="0" i="0">
+                <a:solidFill>
+                  <a:srgbClr val="7F8C8D"/>
+                </a:solidFill>
+                <a:effectLst/>
+                <a:latin typeface="Microsoft YaHei" panose="020B0503020204020204" pitchFamily="34" charset="-122"/>
+                <a:ea typeface="Microsoft YaHei" panose="020B0503020204020204" pitchFamily="34" charset="-122"/>
+              </a:rPr>
+              <a:t>• </a:t>
+            </a:r>
+            <a:r>
+              <a:rPr lang="en-US" altLang="zh-TW" b="1" i="0">
+                <a:solidFill>
+                  <a:srgbClr val="7F8C8D"/>
+                </a:solidFill>
+                <a:effectLst/>
+                <a:latin typeface="Microsoft YaHei" panose="020B0503020204020204" pitchFamily="34" charset="-122"/>
+                <a:ea typeface="Microsoft YaHei" panose="020B0503020204020204" pitchFamily="34" charset="-122"/>
+              </a:rPr>
+              <a:t>RMSE (Root Mean Square Error)</a:t>
+            </a:r>
+            <a:r>
+              <a:rPr lang="en-US" altLang="zh-TW" b="0" i="0">
+                <a:solidFill>
+                  <a:srgbClr val="7F8C8D"/>
+                </a:solidFill>
+                <a:effectLst/>
+                <a:latin typeface="Microsoft YaHei" panose="020B0503020204020204" pitchFamily="34" charset="-122"/>
+                <a:ea typeface="Microsoft YaHei" panose="020B0503020204020204" pitchFamily="34" charset="-122"/>
+              </a:rPr>
+              <a:t>: </a:t>
+            </a:r>
+            <a:r>
+              <a:rPr lang="zh-TW" altLang="en-US" b="0" i="0">
+                <a:solidFill>
+                  <a:srgbClr val="7F8C8D"/>
+                </a:solidFill>
+                <a:effectLst/>
+                <a:latin typeface="Microsoft YaHei" panose="020B0503020204020204" pitchFamily="34" charset="-122"/>
+                <a:ea typeface="Microsoft YaHei" panose="020B0503020204020204" pitchFamily="34" charset="-122"/>
+              </a:rPr>
+              <a:t>均方根誤差，數值越小越好</a:t>
+            </a:r>
+            <a:br>
+              <a:rPr lang="zh-TW" altLang="en-US"/>
+            </a:br>
+            <a:r>
+              <a:rPr lang="en-US" altLang="zh-TW" b="0" i="0">
+                <a:solidFill>
+                  <a:srgbClr val="7F8C8D"/>
+                </a:solidFill>
+                <a:effectLst/>
+                <a:latin typeface="Microsoft YaHei" panose="020B0503020204020204" pitchFamily="34" charset="-122"/>
+                <a:ea typeface="Microsoft YaHei" panose="020B0503020204020204" pitchFamily="34" charset="-122"/>
+              </a:rPr>
+              <a:t>• </a:t>
+            </a:r>
+            <a:r>
+              <a:rPr lang="en-US" altLang="zh-TW" b="1" i="0">
+                <a:solidFill>
+                  <a:srgbClr val="7F8C8D"/>
+                </a:solidFill>
+                <a:effectLst/>
+                <a:latin typeface="Microsoft YaHei" panose="020B0503020204020204" pitchFamily="34" charset="-122"/>
+                <a:ea typeface="Microsoft YaHei" panose="020B0503020204020204" pitchFamily="34" charset="-122"/>
+              </a:rPr>
+              <a:t>R² (R-squared)</a:t>
+            </a:r>
+            <a:r>
+              <a:rPr lang="en-US" altLang="zh-TW" b="0" i="0">
+                <a:solidFill>
+                  <a:srgbClr val="7F8C8D"/>
+                </a:solidFill>
+                <a:effectLst/>
+                <a:latin typeface="Microsoft YaHei" panose="020B0503020204020204" pitchFamily="34" charset="-122"/>
+                <a:ea typeface="Microsoft YaHei" panose="020B0503020204020204" pitchFamily="34" charset="-122"/>
+              </a:rPr>
+              <a:t>: </a:t>
+            </a:r>
+            <a:r>
+              <a:rPr lang="zh-TW" altLang="en-US" b="0" i="0">
+                <a:solidFill>
+                  <a:srgbClr val="7F8C8D"/>
+                </a:solidFill>
+                <a:effectLst/>
+                <a:latin typeface="Microsoft YaHei" panose="020B0503020204020204" pitchFamily="34" charset="-122"/>
+                <a:ea typeface="Microsoft YaHei" panose="020B0503020204020204" pitchFamily="34" charset="-122"/>
+              </a:rPr>
+              <a:t>決定係數，數值越接近</a:t>
+            </a:r>
+            <a:r>
+              <a:rPr lang="en-US" altLang="zh-TW" b="0" i="0">
+                <a:solidFill>
+                  <a:srgbClr val="7F8C8D"/>
+                </a:solidFill>
+                <a:effectLst/>
+                <a:latin typeface="Microsoft YaHei" panose="020B0503020204020204" pitchFamily="34" charset="-122"/>
+                <a:ea typeface="Microsoft YaHei" panose="020B0503020204020204" pitchFamily="34" charset="-122"/>
+              </a:rPr>
+              <a:t>1</a:t>
+            </a:r>
+            <a:r>
+              <a:rPr lang="zh-TW" altLang="en-US" b="0" i="0">
+                <a:solidFill>
+                  <a:srgbClr val="7F8C8D"/>
+                </a:solidFill>
+                <a:effectLst/>
+                <a:latin typeface="Microsoft YaHei" panose="020B0503020204020204" pitchFamily="34" charset="-122"/>
+                <a:ea typeface="Microsoft YaHei" panose="020B0503020204020204" pitchFamily="34" charset="-122"/>
+              </a:rPr>
+              <a:t>越好</a:t>
+            </a:r>
+            <a:br>
+              <a:rPr lang="zh-TW" altLang="en-US"/>
+            </a:br>
+            <a:br>
+              <a:rPr lang="zh-TW" altLang="en-US"/>
+            </a:br>
+            <a:r>
+              <a:rPr lang="zh-TW" altLang="en-US" b="1" i="0">
+                <a:solidFill>
+                  <a:srgbClr val="7F8C8D"/>
+                </a:solidFill>
+                <a:effectLst/>
+                <a:latin typeface="Microsoft YaHei" panose="020B0503020204020204" pitchFamily="34" charset="-122"/>
+                <a:ea typeface="Microsoft YaHei" panose="020B0503020204020204" pitchFamily="34" charset="-122"/>
+              </a:rPr>
+              <a:t>結論：</a:t>
+            </a:r>
+            <a:r>
+              <a:rPr lang="zh-TW" altLang="en-US" b="0" i="0">
+                <a:solidFill>
+                  <a:srgbClr val="7F8C8D"/>
+                </a:solidFill>
+                <a:effectLst/>
+                <a:latin typeface="Microsoft YaHei" panose="020B0503020204020204" pitchFamily="34" charset="-122"/>
+                <a:ea typeface="Microsoft YaHei" panose="020B0503020204020204" pitchFamily="34" charset="-122"/>
+              </a:rPr>
+              <a:t> 根據所有評估指標</a:t>
+            </a:r>
+            <a:r>
+              <a:rPr lang="zh-CN" altLang="en-US" b="0" i="0">
+                <a:solidFill>
+                  <a:srgbClr val="7F8C8D"/>
+                </a:solidFill>
+                <a:effectLst/>
+                <a:latin typeface="Microsoft YaHei" panose="020B0503020204020204" pitchFamily="34" charset="-122"/>
+                <a:ea typeface="Microsoft YaHei" panose="020B0503020204020204" pitchFamily="34" charset="-122"/>
+              </a:rPr>
+              <a:t>結果</a:t>
+            </a:r>
+            <a:r>
+              <a:rPr lang="zh-TW" altLang="en-US" b="0" i="0">
+                <a:solidFill>
+                  <a:srgbClr val="7F8C8D"/>
+                </a:solidFill>
+                <a:effectLst/>
+                <a:latin typeface="Microsoft YaHei" panose="020B0503020204020204" pitchFamily="34" charset="-122"/>
+                <a:ea typeface="Microsoft YaHei" panose="020B0503020204020204" pitchFamily="34" charset="-122"/>
+              </a:rPr>
+              <a:t>，</a:t>
+            </a:r>
+            <a:r>
+              <a:rPr lang="en-US" altLang="zh-CN" b="0" i="0">
+                <a:solidFill>
+                  <a:srgbClr val="7F8C8D"/>
+                </a:solidFill>
+                <a:effectLst/>
+                <a:latin typeface="Microsoft YaHei" panose="020B0503020204020204" pitchFamily="34" charset="-122"/>
+                <a:ea typeface="Microsoft YaHei" panose="020B0503020204020204" pitchFamily="34" charset="-122"/>
+              </a:rPr>
+              <a:t>Polynomial</a:t>
+            </a:r>
+            <a:r>
+              <a:rPr lang="zh-TW" altLang="en-US" b="0" i="0">
+                <a:solidFill>
+                  <a:srgbClr val="7F8C8D"/>
+                </a:solidFill>
+                <a:effectLst/>
+                <a:latin typeface="Microsoft YaHei" panose="020B0503020204020204" pitchFamily="34" charset="-122"/>
+                <a:ea typeface="Microsoft YaHei" panose="020B0503020204020204" pitchFamily="34" charset="-122"/>
+              </a:rPr>
+              <a:t>表現最佳</a:t>
+            </a:r>
+            <a:endParaRPr lang="zh-TW" altLang="en-US"/>
+          </a:p>
+        </p:txBody>
+      </p:sp>
+      <p:sp>
+        <p:nvSpPr>
+          <p:cNvPr id="4" name="投影片編號版面配置區 3"/>
+          <p:cNvSpPr>
+            <a:spLocks noGrp="1"/>
+          </p:cNvSpPr>
+          <p:nvPr>
+            <p:ph type="sldNum" sz="quarter" idx="5"/>
+          </p:nvPr>
+        </p:nvSpPr>
+        <p:spPr/>
+        <p:txBody>
+          <a:bodyPr/>
+          <a:lstStyle/>
+          <a:p>
+            <a:fld id="{B581F3BC-9040-432C-8E90-847FEA897C7A}" type="slidenum">
+              <a:rPr lang="zh-TW" altLang="en-US" smtClean="0"/>
+              <a:t>7</a:t>
+            </a:fld>
+            <a:endParaRPr lang="zh-TW" altLang="en-US"/>
+          </a:p>
+        </p:txBody>
+      </p:sp>
+    </p:spTree>
+    <p:extLst>
+      <p:ext uri="{BB962C8B-B14F-4D97-AF65-F5344CB8AC3E}">
+        <p14:creationId xmlns:p14="http://schemas.microsoft.com/office/powerpoint/2010/main" val="3601124992"/>
+      </p:ext>
+    </p:extLst>
+  </p:cSld>
+  <p:clrMapOvr>
+    <a:masterClrMapping/>
+  </p:clrMapOvr>
+</p:notes>
+</file>
+
+<file path=ppt/notesSlides/notesSlide3.xml><?xml version="1.0" encoding="utf-8"?>
+<p:notes xmlns:a="http://schemas.openxmlformats.org/drawingml/2006/main" xmlns:r="http://schemas.openxmlformats.org/officeDocument/2006/relationships" xmlns:p="http://schemas.openxmlformats.org/presentationml/2006/main">
+  <p:cSld>
+    <p:spTree>
+      <p:nvGrpSpPr>
+        <p:cNvPr id="1" name=""/>
+        <p:cNvGrpSpPr/>
+        <p:nvPr/>
+      </p:nvGrpSpPr>
+      <p:grpSpPr>
+        <a:xfrm>
+          <a:off x="0" y="0"/>
+          <a:ext cx="0" cy="0"/>
+          <a:chOff x="0" y="0"/>
+          <a:chExt cx="0" cy="0"/>
+        </a:xfrm>
+      </p:grpSpPr>
+      <p:sp>
+        <p:nvSpPr>
+          <p:cNvPr id="2" name="投影片影像版面配置區 1"/>
+          <p:cNvSpPr>
+            <a:spLocks noGrp="1" noRot="1" noChangeAspect="1"/>
+          </p:cNvSpPr>
+          <p:nvPr>
+            <p:ph type="sldImg"/>
+          </p:nvPr>
+        </p:nvSpPr>
+        <p:spPr/>
+      </p:sp>
+      <p:sp>
+        <p:nvSpPr>
+          <p:cNvPr id="3" name="備忘稿版面配置區 2"/>
+          <p:cNvSpPr>
+            <a:spLocks noGrp="1"/>
+          </p:cNvSpPr>
+          <p:nvPr>
+            <p:ph type="body" idx="1"/>
+          </p:nvPr>
+        </p:nvSpPr>
+        <p:spPr/>
+        <p:txBody>
+          <a:bodyPr/>
+          <a:lstStyle/>
+          <a:p>
+            <a:endParaRPr lang="zh-TW" altLang="en-US"/>
+          </a:p>
+        </p:txBody>
+      </p:sp>
+      <p:sp>
+        <p:nvSpPr>
+          <p:cNvPr id="4" name="投影片編號版面配置區 3"/>
+          <p:cNvSpPr>
+            <a:spLocks noGrp="1"/>
+          </p:cNvSpPr>
+          <p:nvPr>
+            <p:ph type="sldNum" sz="quarter" idx="5"/>
+          </p:nvPr>
+        </p:nvSpPr>
+        <p:spPr/>
+        <p:txBody>
+          <a:bodyPr/>
+          <a:lstStyle/>
+          <a:p>
+            <a:fld id="{B581F3BC-9040-432C-8E90-847FEA897C7A}" type="slidenum">
+              <a:rPr lang="zh-TW" altLang="en-US" smtClean="0"/>
+              <a:t>8</a:t>
+            </a:fld>
+            <a:endParaRPr lang="zh-TW" altLang="en-US"/>
+          </a:p>
+        </p:txBody>
+      </p:sp>
+    </p:spTree>
+    <p:extLst>
+      <p:ext uri="{BB962C8B-B14F-4D97-AF65-F5344CB8AC3E}">
+        <p14:creationId xmlns:p14="http://schemas.microsoft.com/office/powerpoint/2010/main" val="485485765"/>
+      </p:ext>
+    </p:extLst>
+  </p:cSld>
+  <p:clrMapOvr>
+    <a:masterClrMapping/>
+  </p:clrMapOvr>
+</p:notes>
+</file>
+
+<file path=ppt/notesSlides/notesSlide4.xml><?xml version="1.0" encoding="utf-8"?>
+<p:notes xmlns:a="http://schemas.openxmlformats.org/drawingml/2006/main" xmlns:r="http://schemas.openxmlformats.org/officeDocument/2006/relationships" xmlns:p="http://schemas.openxmlformats.org/presentationml/2006/main">
+  <p:cSld>
+    <p:spTree>
+      <p:nvGrpSpPr>
+        <p:cNvPr id="1" name=""/>
+        <p:cNvGrpSpPr/>
+        <p:nvPr/>
+      </p:nvGrpSpPr>
+      <p:grpSpPr>
+        <a:xfrm>
+          <a:off x="0" y="0"/>
+          <a:ext cx="0" cy="0"/>
+          <a:chOff x="0" y="0"/>
+          <a:chExt cx="0" cy="0"/>
+        </a:xfrm>
+      </p:grpSpPr>
+      <p:sp>
+        <p:nvSpPr>
+          <p:cNvPr id="2" name="投影片影像版面配置區 1"/>
+          <p:cNvSpPr>
+            <a:spLocks noGrp="1" noRot="1" noChangeAspect="1"/>
+          </p:cNvSpPr>
+          <p:nvPr>
+            <p:ph type="sldImg"/>
+          </p:nvPr>
+        </p:nvSpPr>
+        <p:spPr/>
+      </p:sp>
+      <p:sp>
+        <p:nvSpPr>
+          <p:cNvPr id="3" name="備忘稿版面配置區 2"/>
+          <p:cNvSpPr>
+            <a:spLocks noGrp="1"/>
+          </p:cNvSpPr>
+          <p:nvPr>
+            <p:ph type="body" idx="1"/>
+          </p:nvPr>
+        </p:nvSpPr>
+        <p:spPr/>
+        <p:txBody>
+          <a:bodyPr/>
+          <a:lstStyle/>
+          <a:p>
+            <a:r>
+              <a:rPr lang="zh-TW" altLang="en-US"/>
+              <a:t>用 </a:t>
+            </a:r>
+            <a:r>
+              <a:rPr lang="en-US" altLang="zh-TW"/>
+              <a:t>poly_linear.coef_ </a:t>
+            </a:r>
+            <a:r>
+              <a:rPr lang="zh-TW" altLang="en-US"/>
+              <a:t>和 </a:t>
+            </a:r>
+            <a:r>
+              <a:rPr lang="en-US" altLang="zh-TW"/>
+              <a:t>poly_linear.intercept_ </a:t>
+            </a:r>
+            <a:r>
+              <a:rPr lang="zh-TW" altLang="en-US"/>
+              <a:t>來取出係數與截距</a:t>
+            </a:r>
+          </a:p>
+        </p:txBody>
+      </p:sp>
+      <p:sp>
+        <p:nvSpPr>
+          <p:cNvPr id="4" name="投影片編號版面配置區 3"/>
+          <p:cNvSpPr>
+            <a:spLocks noGrp="1"/>
+          </p:cNvSpPr>
+          <p:nvPr>
+            <p:ph type="sldNum" sz="quarter" idx="5"/>
+          </p:nvPr>
+        </p:nvSpPr>
+        <p:spPr/>
+        <p:txBody>
+          <a:bodyPr/>
+          <a:lstStyle/>
+          <a:p>
+            <a:fld id="{B581F3BC-9040-432C-8E90-847FEA897C7A}" type="slidenum">
+              <a:rPr lang="zh-TW" altLang="en-US" smtClean="0"/>
+              <a:t>9</a:t>
+            </a:fld>
+            <a:endParaRPr lang="zh-TW" altLang="en-US"/>
+          </a:p>
+        </p:txBody>
+      </p:sp>
+    </p:spTree>
+    <p:extLst>
+      <p:ext uri="{BB962C8B-B14F-4D97-AF65-F5344CB8AC3E}">
+        <p14:creationId xmlns:p14="http://schemas.microsoft.com/office/powerpoint/2010/main" val="874255035"/>
+      </p:ext>
+    </p:extLst>
+  </p:cSld>
+  <p:clrMapOvr>
+    <a:masterClrMapping/>
+  </p:clrMapOvr>
+</p:notes>
+</file>
+
 <file path=ppt/slideLayouts/slideLayout1.xml><?xml version="1.0" encoding="utf-8"?>
 <p:sldLayout xmlns:a="http://schemas.openxmlformats.org/drawingml/2006/main" xmlns:r="http://schemas.openxmlformats.org/officeDocument/2006/relationships" xmlns:p="http://schemas.openxmlformats.org/presentationml/2006/main" showMasterSp="0" type="title" preserve="1">
   <p:cSld name="標題投影片">
@@ -323,7 +1321,7 @@
           <a:p>
             <a:fld id="{3D51CACC-AC49-44A0-BA6E-FEE83D43D814}" type="datetimeFigureOut">
               <a:rPr lang="zh-TW" altLang="en-US" smtClean="0"/>
-              <a:t>2025/6/14</a:t>
+              <a:t>2025/6/15</a:t>
             </a:fld>
             <a:endParaRPr lang="zh-TW" altLang="en-US"/>
           </a:p>
@@ -493,7 +1491,7 @@
           <a:p>
             <a:fld id="{3D51CACC-AC49-44A0-BA6E-FEE83D43D814}" type="datetimeFigureOut">
               <a:rPr lang="zh-TW" altLang="en-US" smtClean="0"/>
-              <a:t>2025/6/14</a:t>
+              <a:t>2025/6/15</a:t>
             </a:fld>
             <a:endParaRPr lang="zh-TW" altLang="en-US"/>
           </a:p>
@@ -716,7 +1714,7 @@
           <a:p>
             <a:fld id="{3D51CACC-AC49-44A0-BA6E-FEE83D43D814}" type="datetimeFigureOut">
               <a:rPr lang="zh-TW" altLang="en-US" smtClean="0"/>
-              <a:t>2025/6/14</a:t>
+              <a:t>2025/6/15</a:t>
             </a:fld>
             <a:endParaRPr lang="zh-TW" altLang="en-US"/>
           </a:p>
@@ -896,7 +1894,7 @@
           <a:p>
             <a:fld id="{3D51CACC-AC49-44A0-BA6E-FEE83D43D814}" type="datetimeFigureOut">
               <a:rPr lang="zh-TW" altLang="en-US" smtClean="0"/>
-              <a:t>2025/6/14</a:t>
+              <a:t>2025/6/15</a:t>
             </a:fld>
             <a:endParaRPr lang="zh-TW" altLang="en-US"/>
           </a:p>
@@ -1202,7 +2200,7 @@
           <a:p>
             <a:fld id="{3D51CACC-AC49-44A0-BA6E-FEE83D43D814}" type="datetimeFigureOut">
               <a:rPr lang="zh-TW" altLang="en-US" smtClean="0"/>
-              <a:t>2025/6/14</a:t>
+              <a:t>2025/6/15</a:t>
             </a:fld>
             <a:endParaRPr lang="zh-TW" altLang="en-US"/>
           </a:p>
@@ -1506,7 +2504,7 @@
           <a:p>
             <a:fld id="{3D51CACC-AC49-44A0-BA6E-FEE83D43D814}" type="datetimeFigureOut">
               <a:rPr lang="zh-TW" altLang="en-US" smtClean="0"/>
-              <a:t>2025/6/14</a:t>
+              <a:t>2025/6/15</a:t>
             </a:fld>
             <a:endParaRPr lang="zh-TW" altLang="en-US"/>
           </a:p>
@@ -1928,7 +2926,7 @@
           <a:p>
             <a:fld id="{3D51CACC-AC49-44A0-BA6E-FEE83D43D814}" type="datetimeFigureOut">
               <a:rPr lang="zh-TW" altLang="en-US" smtClean="0"/>
-              <a:t>2025/6/14</a:t>
+              <a:t>2025/6/15</a:t>
             </a:fld>
             <a:endParaRPr lang="zh-TW" altLang="en-US"/>
           </a:p>
@@ -2046,7 +3044,7 @@
           <a:p>
             <a:fld id="{3D51CACC-AC49-44A0-BA6E-FEE83D43D814}" type="datetimeFigureOut">
               <a:rPr lang="zh-TW" altLang="en-US" smtClean="0"/>
-              <a:t>2025/6/14</a:t>
+              <a:t>2025/6/15</a:t>
             </a:fld>
             <a:endParaRPr lang="zh-TW" altLang="en-US"/>
           </a:p>
@@ -2141,7 +3139,7 @@
           <a:p>
             <a:fld id="{3D51CACC-AC49-44A0-BA6E-FEE83D43D814}" type="datetimeFigureOut">
               <a:rPr lang="zh-TW" altLang="en-US" smtClean="0"/>
-              <a:t>2025/6/14</a:t>
+              <a:t>2025/6/15</a:t>
             </a:fld>
             <a:endParaRPr lang="zh-TW" altLang="en-US"/>
           </a:p>
@@ -2414,7 +3412,7 @@
           <a:p>
             <a:fld id="{3D51CACC-AC49-44A0-BA6E-FEE83D43D814}" type="datetimeFigureOut">
               <a:rPr lang="zh-TW" altLang="en-US" smtClean="0"/>
-              <a:t>2025/6/14</a:t>
+              <a:t>2025/6/15</a:t>
             </a:fld>
             <a:endParaRPr lang="zh-TW" altLang="en-US"/>
           </a:p>
@@ -2679,7 +3677,7 @@
           <a:p>
             <a:fld id="{3D51CACC-AC49-44A0-BA6E-FEE83D43D814}" type="datetimeFigureOut">
               <a:rPr lang="zh-TW" altLang="en-US" smtClean="0"/>
-              <a:t>2025/6/14</a:t>
+              <a:t>2025/6/15</a:t>
             </a:fld>
             <a:endParaRPr lang="zh-TW" altLang="en-US"/>
           </a:p>
@@ -2928,7 +3926,7 @@
           <a:p>
             <a:fld id="{3D51CACC-AC49-44A0-BA6E-FEE83D43D814}" type="datetimeFigureOut">
               <a:rPr lang="zh-TW" altLang="en-US" smtClean="0"/>
-              <a:t>2025/6/14</a:t>
+              <a:t>2025/6/15</a:t>
             </a:fld>
             <a:endParaRPr lang="zh-TW" altLang="en-US"/>
           </a:p>
@@ -4599,11 +5597,520 @@
                 <a:latin typeface="Calibri" panose="020F0502020204030204" pitchFamily="34" charset="0"/>
                 <a:ea typeface="微軟正黑體" panose="020B0604030504040204" pitchFamily="34" charset="-120"/>
               </a:rPr>
-              <a:t>何為關鍵因素</a:t>
-            </a:r>
-          </a:p>
-        </p:txBody>
-      </p:sp>
+              <a:t>何為</a:t>
+            </a:r>
+            <a:r>
+              <a:rPr lang="zh-TW" altLang="en-US" sz="3200" b="1">
+                <a:latin typeface="Calibri" panose="020F0502020204030204" pitchFamily="34" charset="0"/>
+                <a:ea typeface="微軟正黑體" panose="020B0604030504040204" pitchFamily="34" charset="-120"/>
+              </a:rPr>
+              <a:t>關鍵因素</a:t>
+            </a:r>
+            <a:endParaRPr lang="zh-TW" altLang="en-US" sz="3200" b="1" dirty="0">
+              <a:latin typeface="Calibri" panose="020F0502020204030204" pitchFamily="34" charset="0"/>
+              <a:ea typeface="微軟正黑體" panose="020B0604030504040204" pitchFamily="34" charset="-120"/>
+            </a:endParaRPr>
+          </a:p>
+        </p:txBody>
+      </p:sp>
+      <p:graphicFrame>
+        <p:nvGraphicFramePr>
+          <p:cNvPr id="6" name="表格 5">
+            <a:extLst>
+              <a:ext uri="{FF2B5EF4-FFF2-40B4-BE49-F238E27FC236}">
+                <a16:creationId xmlns:a16="http://schemas.microsoft.com/office/drawing/2014/main" id="{0FF33414-3ED2-85C3-00AF-2F9600CB480C}"/>
+              </a:ext>
+            </a:extLst>
+          </p:cNvPr>
+          <p:cNvGraphicFramePr>
+            <a:graphicFrameLocks noGrp="1"/>
+          </p:cNvGraphicFramePr>
+          <p:nvPr>
+            <p:extLst>
+              <p:ext uri="{D42A27DB-BD31-4B8C-83A1-F6EECF244321}">
+                <p14:modId xmlns:p14="http://schemas.microsoft.com/office/powerpoint/2010/main" val="3389079458"/>
+              </p:ext>
+            </p:extLst>
+          </p:nvPr>
+        </p:nvGraphicFramePr>
+        <p:xfrm>
+          <a:off x="7468717" y="2712043"/>
+          <a:ext cx="3754604" cy="3988080"/>
+        </p:xfrm>
+        <a:graphic>
+          <a:graphicData uri="http://schemas.openxmlformats.org/drawingml/2006/table">
+            <a:tbl>
+              <a:tblPr firstRow="1" bandRow="1">
+                <a:tableStyleId>{F5AB1C69-6EDB-4FF4-983F-18BD219EF322}</a:tableStyleId>
+              </a:tblPr>
+              <a:tblGrid>
+                <a:gridCol w="1913278">
+                  <a:extLst>
+                    <a:ext uri="{9D8B030D-6E8A-4147-A177-3AD203B41FA5}">
+                      <a16:colId xmlns:a16="http://schemas.microsoft.com/office/drawing/2014/main" val="4103949853"/>
+                    </a:ext>
+                  </a:extLst>
+                </a:gridCol>
+                <a:gridCol w="1841326">
+                  <a:extLst>
+                    <a:ext uri="{9D8B030D-6E8A-4147-A177-3AD203B41FA5}">
+                      <a16:colId xmlns:a16="http://schemas.microsoft.com/office/drawing/2014/main" val="343778693"/>
+                    </a:ext>
+                  </a:extLst>
+                </a:gridCol>
+              </a:tblGrid>
+              <a:tr h="443120">
+                <a:tc gridSpan="2">
+                  <a:txBody>
+                    <a:bodyPr/>
+                    <a:lstStyle/>
+                    <a:p>
+                      <a:pPr marL="0" marR="0" lvl="0" indent="0" algn="l" defTabSz="914400" rtl="0" eaLnBrk="1" fontAlgn="auto" latinLnBrk="0" hangingPunct="1">
+                        <a:lnSpc>
+                          <a:spcPct val="100000"/>
+                        </a:lnSpc>
+                        <a:spcBef>
+                          <a:spcPts val="0"/>
+                        </a:spcBef>
+                        <a:spcAft>
+                          <a:spcPts val="0"/>
+                        </a:spcAft>
+                        <a:buClrTx/>
+                        <a:buSzTx/>
+                        <a:buFontTx/>
+                        <a:buNone/>
+                        <a:tabLst/>
+                        <a:defRPr/>
+                      </a:pPr>
+                      <a:r>
+                        <a:rPr lang="zh-TW" altLang="en-US" b="1" baseline="0">
+                          <a:latin typeface="Calibri" panose="020F0502020204030204" pitchFamily="34" charset="0"/>
+                          <a:ea typeface="微軟正黑體" panose="020B0604030504040204" pitchFamily="34" charset="-120"/>
+                        </a:rPr>
+                        <a:t>與</a:t>
+                      </a:r>
+                      <a:r>
+                        <a:rPr lang="en-US" altLang="zh-TW" b="1" baseline="0">
+                          <a:latin typeface="Calibri" panose="020F0502020204030204" pitchFamily="34" charset="0"/>
+                          <a:ea typeface="微軟正黑體" panose="020B0604030504040204" pitchFamily="34" charset="-120"/>
+                        </a:rPr>
+                        <a:t>Current Price</a:t>
+                      </a:r>
+                      <a:r>
+                        <a:rPr lang="zh-TW" altLang="en-US" b="1" baseline="0">
+                          <a:latin typeface="Calibri" panose="020F0502020204030204" pitchFamily="34" charset="0"/>
+                          <a:ea typeface="微軟正黑體" panose="020B0604030504040204" pitchFamily="34" charset="-120"/>
+                        </a:rPr>
+                        <a:t>的皮爾森相關係數：</a:t>
+                      </a:r>
+                    </a:p>
+                  </a:txBody>
+                  <a:tcPr/>
+                </a:tc>
+                <a:tc hMerge="1">
+                  <a:txBody>
+                    <a:bodyPr/>
+                    <a:lstStyle/>
+                    <a:p>
+                      <a:endParaRPr lang="zh-TW" altLang="en-US"/>
+                    </a:p>
+                  </a:txBody>
+                  <a:tcPr/>
+                </a:tc>
+                <a:extLst>
+                  <a:ext uri="{0D108BD9-81ED-4DB2-BD59-A6C34878D82A}">
+                    <a16:rowId xmlns:a16="http://schemas.microsoft.com/office/drawing/2014/main" val="2891416799"/>
+                  </a:ext>
+                </a:extLst>
+              </a:tr>
+              <a:tr h="443120">
+                <a:tc>
+                  <a:txBody>
+                    <a:bodyPr/>
+                    <a:lstStyle/>
+                    <a:p>
+                      <a:r>
+                        <a:rPr lang="en-US" altLang="zh-TW" b="1" baseline="0">
+                          <a:latin typeface="Calibri" panose="020F0502020204030204" pitchFamily="34" charset="0"/>
+                          <a:ea typeface="微軟正黑體" panose="020B0604030504040204" pitchFamily="34" charset="-120"/>
+                        </a:rPr>
+                        <a:t>condition</a:t>
+                      </a:r>
+                      <a:endParaRPr lang="zh-TW" altLang="en-US" b="1" baseline="0">
+                        <a:latin typeface="Calibri" panose="020F0502020204030204" pitchFamily="34" charset="0"/>
+                        <a:ea typeface="微軟正黑體" panose="020B0604030504040204" pitchFamily="34" charset="-120"/>
+                      </a:endParaRPr>
+                    </a:p>
+                  </a:txBody>
+                  <a:tcPr/>
+                </a:tc>
+                <a:tc>
+                  <a:txBody>
+                    <a:bodyPr/>
+                    <a:lstStyle/>
+                    <a:p>
+                      <a:pPr algn="r"/>
+                      <a:r>
+                        <a:rPr lang="en-US" altLang="zh-TW" b="1" baseline="0">
+                          <a:latin typeface="Calibri" panose="020F0502020204030204" pitchFamily="34" charset="0"/>
+                          <a:ea typeface="微軟正黑體" panose="020B0604030504040204" pitchFamily="34" charset="-120"/>
+                        </a:rPr>
+                        <a:t>0.110108</a:t>
+                      </a:r>
+                      <a:endParaRPr lang="zh-TW" altLang="en-US" b="1" baseline="0">
+                        <a:latin typeface="Calibri" panose="020F0502020204030204" pitchFamily="34" charset="0"/>
+                        <a:ea typeface="微軟正黑體" panose="020B0604030504040204" pitchFamily="34" charset="-120"/>
+                      </a:endParaRPr>
+                    </a:p>
+                  </a:txBody>
+                  <a:tcPr/>
+                </a:tc>
+                <a:extLst>
+                  <a:ext uri="{0D108BD9-81ED-4DB2-BD59-A6C34878D82A}">
+                    <a16:rowId xmlns:a16="http://schemas.microsoft.com/office/drawing/2014/main" val="2947413729"/>
+                  </a:ext>
+                </a:extLst>
+              </a:tr>
+              <a:tr h="443120">
+                <a:tc>
+                  <a:txBody>
+                    <a:bodyPr/>
+                    <a:lstStyle/>
+                    <a:p>
+                      <a:r>
+                        <a:rPr lang="en-US" altLang="zh-TW" b="1" baseline="0">
+                          <a:latin typeface="Calibri" panose="020F0502020204030204" pitchFamily="34" charset="0"/>
+                          <a:ea typeface="微軟正黑體" panose="020B0604030504040204" pitchFamily="34" charset="-120"/>
+                        </a:rPr>
+                        <a:t>Rating</a:t>
+                      </a:r>
+                      <a:endParaRPr lang="zh-TW" altLang="en-US" b="1" baseline="0">
+                        <a:latin typeface="Calibri" panose="020F0502020204030204" pitchFamily="34" charset="0"/>
+                        <a:ea typeface="微軟正黑體" panose="020B0604030504040204" pitchFamily="34" charset="-120"/>
+                      </a:endParaRPr>
+                    </a:p>
+                  </a:txBody>
+                  <a:tcPr/>
+                </a:tc>
+                <a:tc>
+                  <a:txBody>
+                    <a:bodyPr/>
+                    <a:lstStyle/>
+                    <a:p>
+                      <a:pPr algn="r"/>
+                      <a:r>
+                        <a:rPr lang="en-US" altLang="zh-TW" b="1" baseline="0">
+                          <a:latin typeface="Calibri" panose="020F0502020204030204" pitchFamily="34" charset="0"/>
+                          <a:ea typeface="微軟正黑體" panose="020B0604030504040204" pitchFamily="34" charset="-120"/>
+                        </a:rPr>
+                        <a:t>0.035038</a:t>
+                      </a:r>
+                      <a:endParaRPr lang="zh-TW" altLang="en-US" b="1" baseline="0">
+                        <a:latin typeface="Calibri" panose="020F0502020204030204" pitchFamily="34" charset="0"/>
+                        <a:ea typeface="微軟正黑體" panose="020B0604030504040204" pitchFamily="34" charset="-120"/>
+                      </a:endParaRPr>
+                    </a:p>
+                  </a:txBody>
+                  <a:tcPr/>
+                </a:tc>
+                <a:extLst>
+                  <a:ext uri="{0D108BD9-81ED-4DB2-BD59-A6C34878D82A}">
+                    <a16:rowId xmlns:a16="http://schemas.microsoft.com/office/drawing/2014/main" val="485901581"/>
+                  </a:ext>
+                </a:extLst>
+              </a:tr>
+              <a:tr h="443120">
+                <a:tc>
+                  <a:txBody>
+                    <a:bodyPr/>
+                    <a:lstStyle/>
+                    <a:p>
+                      <a:r>
+                        <a:rPr lang="en-US" altLang="zh-TW" b="1" baseline="0">
+                          <a:latin typeface="Calibri" panose="020F0502020204030204" pitchFamily="34" charset="0"/>
+                          <a:ea typeface="微軟正黑體" panose="020B0604030504040204" pitchFamily="34" charset="-120"/>
+                        </a:rPr>
+                        <a:t>hp</a:t>
+                      </a:r>
+                      <a:endParaRPr lang="zh-TW" altLang="en-US" b="1" baseline="0">
+                        <a:latin typeface="Calibri" panose="020F0502020204030204" pitchFamily="34" charset="0"/>
+                        <a:ea typeface="微軟正黑體" panose="020B0604030504040204" pitchFamily="34" charset="-120"/>
+                      </a:endParaRPr>
+                    </a:p>
+                  </a:txBody>
+                  <a:tcPr/>
+                </a:tc>
+                <a:tc>
+                  <a:txBody>
+                    <a:bodyPr/>
+                    <a:lstStyle/>
+                    <a:p>
+                      <a:pPr algn="r"/>
+                      <a:r>
+                        <a:rPr lang="en-US" altLang="zh-TW" b="1" baseline="0">
+                          <a:latin typeface="Calibri" panose="020F0502020204030204" pitchFamily="34" charset="0"/>
+                          <a:ea typeface="微軟正黑體" panose="020B0604030504040204" pitchFamily="34" charset="-120"/>
+                        </a:rPr>
+                        <a:t>0.030238</a:t>
+                      </a:r>
+                      <a:endParaRPr lang="zh-TW" altLang="en-US" b="1" baseline="0">
+                        <a:latin typeface="Calibri" panose="020F0502020204030204" pitchFamily="34" charset="0"/>
+                        <a:ea typeface="微軟正黑體" panose="020B0604030504040204" pitchFamily="34" charset="-120"/>
+                      </a:endParaRPr>
+                    </a:p>
+                  </a:txBody>
+                  <a:tcPr/>
+                </a:tc>
+                <a:extLst>
+                  <a:ext uri="{0D108BD9-81ED-4DB2-BD59-A6C34878D82A}">
+                    <a16:rowId xmlns:a16="http://schemas.microsoft.com/office/drawing/2014/main" val="470968017"/>
+                  </a:ext>
+                </a:extLst>
+              </a:tr>
+              <a:tr h="443120">
+                <a:tc>
+                  <a:txBody>
+                    <a:bodyPr/>
+                    <a:lstStyle/>
+                    <a:p>
+                      <a:r>
+                        <a:rPr lang="en-US" altLang="zh-TW" b="1" baseline="0">
+                          <a:latin typeface="Calibri" panose="020F0502020204030204" pitchFamily="34" charset="0"/>
+                          <a:ea typeface="微軟正黑體" panose="020B0604030504040204" pitchFamily="34" charset="-120"/>
+                        </a:rPr>
+                        <a:t>torque</a:t>
+                      </a:r>
+                      <a:endParaRPr lang="zh-TW" altLang="en-US" b="1" baseline="0">
+                        <a:latin typeface="Calibri" panose="020F0502020204030204" pitchFamily="34" charset="0"/>
+                        <a:ea typeface="微軟正黑體" panose="020B0604030504040204" pitchFamily="34" charset="-120"/>
+                      </a:endParaRPr>
+                    </a:p>
+                  </a:txBody>
+                  <a:tcPr/>
+                </a:tc>
+                <a:tc>
+                  <a:txBody>
+                    <a:bodyPr/>
+                    <a:lstStyle/>
+                    <a:p>
+                      <a:pPr algn="r"/>
+                      <a:r>
+                        <a:rPr lang="en-US" altLang="zh-TW" b="1" baseline="0">
+                          <a:latin typeface="Calibri" panose="020F0502020204030204" pitchFamily="34" charset="0"/>
+                          <a:ea typeface="微軟正黑體" panose="020B0604030504040204" pitchFamily="34" charset="-120"/>
+                        </a:rPr>
+                        <a:t>-0.002290</a:t>
+                      </a:r>
+                      <a:endParaRPr lang="zh-TW" altLang="en-US" b="1" baseline="0">
+                        <a:latin typeface="Calibri" panose="020F0502020204030204" pitchFamily="34" charset="0"/>
+                        <a:ea typeface="微軟正黑體" panose="020B0604030504040204" pitchFamily="34" charset="-120"/>
+                      </a:endParaRPr>
+                    </a:p>
+                  </a:txBody>
+                  <a:tcPr/>
+                </a:tc>
+                <a:extLst>
+                  <a:ext uri="{0D108BD9-81ED-4DB2-BD59-A6C34878D82A}">
+                    <a16:rowId xmlns:a16="http://schemas.microsoft.com/office/drawing/2014/main" val="3333364262"/>
+                  </a:ext>
+                </a:extLst>
+              </a:tr>
+              <a:tr h="443120">
+                <a:tc>
+                  <a:txBody>
+                    <a:bodyPr/>
+                    <a:lstStyle/>
+                    <a:p>
+                      <a:r>
+                        <a:rPr lang="en-US" altLang="zh-TW" b="1" baseline="0">
+                          <a:latin typeface="Calibri" panose="020F0502020204030204" pitchFamily="34" charset="0"/>
+                          <a:ea typeface="微軟正黑體" panose="020B0604030504040204" pitchFamily="34" charset="-120"/>
+                        </a:rPr>
+                        <a:t>years</a:t>
+                      </a:r>
+                      <a:endParaRPr lang="zh-TW" altLang="en-US" b="1" baseline="0">
+                        <a:latin typeface="Calibri" panose="020F0502020204030204" pitchFamily="34" charset="0"/>
+                        <a:ea typeface="微軟正黑體" panose="020B0604030504040204" pitchFamily="34" charset="-120"/>
+                      </a:endParaRPr>
+                    </a:p>
+                  </a:txBody>
+                  <a:tcPr/>
+                </a:tc>
+                <a:tc>
+                  <a:txBody>
+                    <a:bodyPr/>
+                    <a:lstStyle/>
+                    <a:p>
+                      <a:pPr algn="r"/>
+                      <a:r>
+                        <a:rPr lang="en-US" altLang="zh-TW" b="1" baseline="0">
+                          <a:latin typeface="Calibri" panose="020F0502020204030204" pitchFamily="34" charset="0"/>
+                          <a:ea typeface="微軟正黑體" panose="020B0604030504040204" pitchFamily="34" charset="-120"/>
+                        </a:rPr>
+                        <a:t>-0.011854</a:t>
+                      </a:r>
+                      <a:endParaRPr lang="zh-TW" altLang="en-US" b="1" baseline="0">
+                        <a:latin typeface="Calibri" panose="020F0502020204030204" pitchFamily="34" charset="0"/>
+                        <a:ea typeface="微軟正黑體" panose="020B0604030504040204" pitchFamily="34" charset="-120"/>
+                      </a:endParaRPr>
+                    </a:p>
+                  </a:txBody>
+                  <a:tcPr/>
+                </a:tc>
+                <a:extLst>
+                  <a:ext uri="{0D108BD9-81ED-4DB2-BD59-A6C34878D82A}">
+                    <a16:rowId xmlns:a16="http://schemas.microsoft.com/office/drawing/2014/main" val="3631961995"/>
+                  </a:ext>
+                </a:extLst>
+              </a:tr>
+              <a:tr h="443120">
+                <a:tc>
+                  <a:txBody>
+                    <a:bodyPr/>
+                    <a:lstStyle/>
+                    <a:p>
+                      <a:r>
+                        <a:rPr lang="en-US" altLang="zh-TW" b="1" baseline="0">
+                          <a:latin typeface="Calibri" panose="020F0502020204030204" pitchFamily="34" charset="0"/>
+                          <a:ea typeface="微軟正黑體" panose="020B0604030504040204" pitchFamily="34" charset="-120"/>
+                        </a:rPr>
+                        <a:t>top speed</a:t>
+                      </a:r>
+                      <a:endParaRPr lang="zh-TW" altLang="en-US" b="1" baseline="0">
+                        <a:latin typeface="Calibri" panose="020F0502020204030204" pitchFamily="34" charset="0"/>
+                        <a:ea typeface="微軟正黑體" panose="020B0604030504040204" pitchFamily="34" charset="-120"/>
+                      </a:endParaRPr>
+                    </a:p>
+                  </a:txBody>
+                  <a:tcPr/>
+                </a:tc>
+                <a:tc>
+                  <a:txBody>
+                    <a:bodyPr/>
+                    <a:lstStyle/>
+                    <a:p>
+                      <a:pPr algn="r"/>
+                      <a:r>
+                        <a:rPr lang="en-US" altLang="zh-TW" b="1" baseline="0">
+                          <a:latin typeface="Calibri" panose="020F0502020204030204" pitchFamily="34" charset="0"/>
+                          <a:ea typeface="微軟正黑體" panose="020B0604030504040204" pitchFamily="34" charset="-120"/>
+                        </a:rPr>
+                        <a:t>-0.027993</a:t>
+                      </a:r>
+                      <a:endParaRPr lang="zh-TW" altLang="en-US" b="1" baseline="0">
+                        <a:latin typeface="Calibri" panose="020F0502020204030204" pitchFamily="34" charset="0"/>
+                        <a:ea typeface="微軟正黑體" panose="020B0604030504040204" pitchFamily="34" charset="-120"/>
+                      </a:endParaRPr>
+                    </a:p>
+                  </a:txBody>
+                  <a:tcPr/>
+                </a:tc>
+                <a:extLst>
+                  <a:ext uri="{0D108BD9-81ED-4DB2-BD59-A6C34878D82A}">
+                    <a16:rowId xmlns:a16="http://schemas.microsoft.com/office/drawing/2014/main" val="4226281367"/>
+                  </a:ext>
+                </a:extLst>
+              </a:tr>
+              <a:tr h="443120">
+                <a:tc>
+                  <a:txBody>
+                    <a:bodyPr/>
+                    <a:lstStyle/>
+                    <a:p>
+                      <a:r>
+                        <a:rPr lang="en-US" altLang="zh-TW" b="1" baseline="0">
+                          <a:latin typeface="Calibri" panose="020F0502020204030204" pitchFamily="34" charset="0"/>
+                          <a:ea typeface="微軟正黑體" panose="020B0604030504040204" pitchFamily="34" charset="-120"/>
+                        </a:rPr>
+                        <a:t>economy</a:t>
+                      </a:r>
+                      <a:endParaRPr lang="zh-TW" altLang="en-US" b="1" baseline="0">
+                        <a:latin typeface="Calibri" panose="020F0502020204030204" pitchFamily="34" charset="0"/>
+                        <a:ea typeface="微軟正黑體" panose="020B0604030504040204" pitchFamily="34" charset="-120"/>
+                      </a:endParaRPr>
+                    </a:p>
+                  </a:txBody>
+                  <a:tcPr/>
+                </a:tc>
+                <a:tc>
+                  <a:txBody>
+                    <a:bodyPr/>
+                    <a:lstStyle/>
+                    <a:p>
+                      <a:pPr algn="r"/>
+                      <a:r>
+                        <a:rPr lang="en-US" altLang="zh-TW" b="1" baseline="0">
+                          <a:latin typeface="Calibri" panose="020F0502020204030204" pitchFamily="34" charset="0"/>
+                          <a:ea typeface="微軟正黑體" panose="020B0604030504040204" pitchFamily="34" charset="-120"/>
+                        </a:rPr>
+                        <a:t>-0.034711</a:t>
+                      </a:r>
+                      <a:endParaRPr lang="zh-TW" altLang="en-US" b="1" baseline="0">
+                        <a:latin typeface="Calibri" panose="020F0502020204030204" pitchFamily="34" charset="0"/>
+                        <a:ea typeface="微軟正黑體" panose="020B0604030504040204" pitchFamily="34" charset="-120"/>
+                      </a:endParaRPr>
+                    </a:p>
+                  </a:txBody>
+                  <a:tcPr/>
+                </a:tc>
+                <a:extLst>
+                  <a:ext uri="{0D108BD9-81ED-4DB2-BD59-A6C34878D82A}">
+                    <a16:rowId xmlns:a16="http://schemas.microsoft.com/office/drawing/2014/main" val="236218769"/>
+                  </a:ext>
+                </a:extLst>
+              </a:tr>
+              <a:tr h="443120">
+                <a:tc>
+                  <a:txBody>
+                    <a:bodyPr/>
+                    <a:lstStyle/>
+                    <a:p>
+                      <a:r>
+                        <a:rPr lang="en-US" altLang="zh-TW" b="1" baseline="0">
+                          <a:latin typeface="Calibri" panose="020F0502020204030204" pitchFamily="34" charset="0"/>
+                          <a:ea typeface="微軟正黑體" panose="020B0604030504040204" pitchFamily="34" charset="-120"/>
+                        </a:rPr>
+                        <a:t>km</a:t>
+                      </a:r>
+                      <a:endParaRPr lang="zh-TW" altLang="en-US" b="1" baseline="0">
+                        <a:latin typeface="Calibri" panose="020F0502020204030204" pitchFamily="34" charset="0"/>
+                        <a:ea typeface="微軟正黑體" panose="020B0604030504040204" pitchFamily="34" charset="-120"/>
+                      </a:endParaRPr>
+                    </a:p>
+                  </a:txBody>
+                  <a:tcPr/>
+                </a:tc>
+                <a:tc>
+                  <a:txBody>
+                    <a:bodyPr/>
+                    <a:lstStyle/>
+                    <a:p>
+                      <a:pPr algn="r"/>
+                      <a:r>
+                        <a:rPr lang="en-US" altLang="zh-TW" b="1" baseline="0">
+                          <a:latin typeface="Calibri" panose="020F0502020204030204" pitchFamily="34" charset="0"/>
+                          <a:ea typeface="微軟正黑體" panose="020B0604030504040204" pitchFamily="34" charset="-120"/>
+                        </a:rPr>
+                        <a:t>-0.935924</a:t>
+                      </a:r>
+                      <a:endParaRPr lang="zh-TW" altLang="en-US" b="1" baseline="0">
+                        <a:latin typeface="Calibri" panose="020F0502020204030204" pitchFamily="34" charset="0"/>
+                        <a:ea typeface="微軟正黑體" panose="020B0604030504040204" pitchFamily="34" charset="-120"/>
+                      </a:endParaRPr>
+                    </a:p>
+                  </a:txBody>
+                  <a:tcPr/>
+                </a:tc>
+                <a:extLst>
+                  <a:ext uri="{0D108BD9-81ED-4DB2-BD59-A6C34878D82A}">
+                    <a16:rowId xmlns:a16="http://schemas.microsoft.com/office/drawing/2014/main" val="333029629"/>
+                  </a:ext>
+                </a:extLst>
+              </a:tr>
+            </a:tbl>
+          </a:graphicData>
+        </a:graphic>
+      </p:graphicFrame>
     </p:spTree>
     <p:extLst>
       <p:ext uri="{BB962C8B-B14F-4D97-AF65-F5344CB8AC3E}">
@@ -4687,7 +6194,12 @@
             <p:ph idx="1"/>
           </p:nvPr>
         </p:nvSpPr>
-        <p:spPr/>
+        <p:spPr>
+          <a:xfrm>
+            <a:off x="275573" y="2011680"/>
+            <a:ext cx="6237961" cy="4206240"/>
+          </a:xfrm>
+        </p:spPr>
         <p:txBody>
           <a:bodyPr vert="horz" lIns="91440" tIns="45720" rIns="91440" bIns="45720" rtlCol="0">
             <a:normAutofit/>
@@ -4868,6 +6380,608 @@
           </a:p>
         </p:txBody>
       </p:sp>
+      <p:graphicFrame>
+        <p:nvGraphicFramePr>
+          <p:cNvPr id="6" name="表格 5">
+            <a:extLst>
+              <a:ext uri="{FF2B5EF4-FFF2-40B4-BE49-F238E27FC236}">
+                <a16:creationId xmlns:a16="http://schemas.microsoft.com/office/drawing/2014/main" id="{BA1ED5CA-3BE5-55D0-8564-0892DD45A54C}"/>
+              </a:ext>
+            </a:extLst>
+          </p:cNvPr>
+          <p:cNvGraphicFramePr>
+            <a:graphicFrameLocks noGrp="1"/>
+          </p:cNvGraphicFramePr>
+          <p:nvPr>
+            <p:extLst>
+              <p:ext uri="{D42A27DB-BD31-4B8C-83A1-F6EECF244321}">
+                <p14:modId xmlns:p14="http://schemas.microsoft.com/office/powerpoint/2010/main" val="806331514"/>
+              </p:ext>
+            </p:extLst>
+          </p:nvPr>
+        </p:nvGraphicFramePr>
+        <p:xfrm>
+          <a:off x="5760398" y="2490905"/>
+          <a:ext cx="6156029" cy="3727015"/>
+        </p:xfrm>
+        <a:graphic>
+          <a:graphicData uri="http://schemas.openxmlformats.org/drawingml/2006/table">
+            <a:tbl>
+              <a:tblPr firstRow="1" bandRow="1">
+                <a:tableStyleId>{F5AB1C69-6EDB-4FF4-983F-18BD219EF322}</a:tableStyleId>
+              </a:tblPr>
+              <a:tblGrid>
+                <a:gridCol w="1675705">
+                  <a:extLst>
+                    <a:ext uri="{9D8B030D-6E8A-4147-A177-3AD203B41FA5}">
+                      <a16:colId xmlns:a16="http://schemas.microsoft.com/office/drawing/2014/main" val="4032208630"/>
+                    </a:ext>
+                  </a:extLst>
+                </a:gridCol>
+                <a:gridCol w="1614488">
+                  <a:extLst>
+                    <a:ext uri="{9D8B030D-6E8A-4147-A177-3AD203B41FA5}">
+                      <a16:colId xmlns:a16="http://schemas.microsoft.com/office/drawing/2014/main" val="3749578047"/>
+                    </a:ext>
+                  </a:extLst>
+                </a:gridCol>
+                <a:gridCol w="1432918">
+                  <a:extLst>
+                    <a:ext uri="{9D8B030D-6E8A-4147-A177-3AD203B41FA5}">
+                      <a16:colId xmlns:a16="http://schemas.microsoft.com/office/drawing/2014/main" val="1486200345"/>
+                    </a:ext>
+                  </a:extLst>
+                </a:gridCol>
+                <a:gridCol w="1432918">
+                  <a:extLst>
+                    <a:ext uri="{9D8B030D-6E8A-4147-A177-3AD203B41FA5}">
+                      <a16:colId xmlns:a16="http://schemas.microsoft.com/office/drawing/2014/main" val="4098470721"/>
+                    </a:ext>
+                  </a:extLst>
+                </a:gridCol>
+              </a:tblGrid>
+              <a:tr h="745403">
+                <a:tc>
+                  <a:txBody>
+                    <a:bodyPr/>
+                    <a:lstStyle/>
+                    <a:p>
+                      <a:pPr algn="ctr"/>
+                      <a:r>
+                        <a:rPr lang="zh-TW" altLang="en-US" b="1" baseline="0">
+                          <a:solidFill>
+                            <a:srgbClr val="FFFFFF"/>
+                          </a:solidFill>
+                          <a:effectLst/>
+                          <a:latin typeface="Calibri" panose="020F0502020204030204" pitchFamily="34" charset="0"/>
+                          <a:ea typeface="微軟正黑體" panose="020B0604030504040204" pitchFamily="34" charset="-120"/>
+                        </a:rPr>
+                        <a:t>模型名稱</a:t>
+                      </a:r>
+                    </a:p>
+                  </a:txBody>
+                  <a:tcPr marL="95250" marR="95250" marT="76200" marB="76200" anchor="ctr"/>
+                </a:tc>
+                <a:tc>
+                  <a:txBody>
+                    <a:bodyPr/>
+                    <a:lstStyle/>
+                    <a:p>
+                      <a:pPr algn="ctr"/>
+                      <a:r>
+                        <a:rPr lang="en-US" altLang="zh-TW" b="1" baseline="0">
+                          <a:solidFill>
+                            <a:srgbClr val="FFFFFF"/>
+                          </a:solidFill>
+                          <a:effectLst/>
+                          <a:latin typeface="Calibri" panose="020F0502020204030204" pitchFamily="34" charset="0"/>
+                          <a:ea typeface="微軟正黑體" panose="020B0604030504040204" pitchFamily="34" charset="-120"/>
+                        </a:rPr>
+                        <a:t>MAE </a:t>
+                      </a:r>
+                    </a:p>
+                    <a:p>
+                      <a:pPr algn="ctr"/>
+                      <a:r>
+                        <a:rPr lang="zh-TW" altLang="en-US" b="1" baseline="0">
+                          <a:solidFill>
+                            <a:srgbClr val="FFFFFF"/>
+                          </a:solidFill>
+                          <a:effectLst/>
+                          <a:latin typeface="Calibri" panose="020F0502020204030204" pitchFamily="34" charset="0"/>
+                          <a:ea typeface="微軟正黑體" panose="020B0604030504040204" pitchFamily="34" charset="-120"/>
+                        </a:rPr>
+                        <a:t>平均絕對誤差</a:t>
+                      </a:r>
+                      <a:endParaRPr lang="en-US" altLang="zh-TW" b="1" baseline="0">
+                        <a:solidFill>
+                          <a:srgbClr val="FFFFFF"/>
+                        </a:solidFill>
+                        <a:effectLst/>
+                        <a:latin typeface="Calibri" panose="020F0502020204030204" pitchFamily="34" charset="0"/>
+                        <a:ea typeface="微軟正黑體" panose="020B0604030504040204" pitchFamily="34" charset="-120"/>
+                      </a:endParaRPr>
+                    </a:p>
+                  </a:txBody>
+                  <a:tcPr marL="95250" marR="95250" marT="76200" marB="76200" anchor="ctr"/>
+                </a:tc>
+                <a:tc>
+                  <a:txBody>
+                    <a:bodyPr/>
+                    <a:lstStyle/>
+                    <a:p>
+                      <a:pPr algn="ctr"/>
+                      <a:r>
+                        <a:rPr lang="en-US" b="1" baseline="0">
+                          <a:solidFill>
+                            <a:srgbClr val="FFFFFF"/>
+                          </a:solidFill>
+                          <a:effectLst/>
+                          <a:latin typeface="Calibri" panose="020F0502020204030204" pitchFamily="34" charset="0"/>
+                          <a:ea typeface="微軟正黑體" panose="020B0604030504040204" pitchFamily="34" charset="-120"/>
+                        </a:rPr>
+                        <a:t>RMSE </a:t>
+                      </a:r>
+                    </a:p>
+                    <a:p>
+                      <a:pPr algn="ctr"/>
+                      <a:r>
+                        <a:rPr lang="zh-TW" altLang="en-US" b="1" baseline="0">
+                          <a:solidFill>
+                            <a:srgbClr val="FFFFFF"/>
+                          </a:solidFill>
+                          <a:effectLst/>
+                          <a:latin typeface="Calibri" panose="020F0502020204030204" pitchFamily="34" charset="0"/>
+                          <a:ea typeface="微軟正黑體" panose="020B0604030504040204" pitchFamily="34" charset="-120"/>
+                        </a:rPr>
+                        <a:t>均方根誤差</a:t>
+                      </a:r>
+                      <a:endParaRPr lang="en-US" altLang="zh-TW" b="1" baseline="0">
+                        <a:solidFill>
+                          <a:srgbClr val="FFFFFF"/>
+                        </a:solidFill>
+                        <a:effectLst/>
+                        <a:latin typeface="Calibri" panose="020F0502020204030204" pitchFamily="34" charset="0"/>
+                        <a:ea typeface="微軟正黑體" panose="020B0604030504040204" pitchFamily="34" charset="-120"/>
+                      </a:endParaRPr>
+                    </a:p>
+                  </a:txBody>
+                  <a:tcPr marL="95250" marR="95250" marT="76200" marB="76200" anchor="ctr"/>
+                </a:tc>
+                <a:tc>
+                  <a:txBody>
+                    <a:bodyPr/>
+                    <a:lstStyle/>
+                    <a:p>
+                      <a:pPr algn="ctr"/>
+                      <a:r>
+                        <a:rPr lang="en-US" b="1" baseline="0">
+                          <a:solidFill>
+                            <a:srgbClr val="FFFFFF"/>
+                          </a:solidFill>
+                          <a:effectLst/>
+                          <a:latin typeface="Calibri" panose="020F0502020204030204" pitchFamily="34" charset="0"/>
+                          <a:ea typeface="微軟正黑體" panose="020B0604030504040204" pitchFamily="34" charset="-120"/>
+                        </a:rPr>
+                        <a:t>R² </a:t>
+                      </a:r>
+                    </a:p>
+                    <a:p>
+                      <a:pPr algn="ctr"/>
+                      <a:r>
+                        <a:rPr lang="zh-TW" altLang="en-US" b="1" baseline="0">
+                          <a:solidFill>
+                            <a:srgbClr val="FFFFFF"/>
+                          </a:solidFill>
+                          <a:effectLst/>
+                          <a:latin typeface="Calibri" panose="020F0502020204030204" pitchFamily="34" charset="0"/>
+                          <a:ea typeface="微軟正黑體" panose="020B0604030504040204" pitchFamily="34" charset="-120"/>
+                        </a:rPr>
+                        <a:t>決定係數</a:t>
+                      </a:r>
+                      <a:endParaRPr lang="en-US" altLang="zh-TW" b="1" baseline="0">
+                        <a:solidFill>
+                          <a:srgbClr val="FFFFFF"/>
+                        </a:solidFill>
+                        <a:effectLst/>
+                        <a:latin typeface="Calibri" panose="020F0502020204030204" pitchFamily="34" charset="0"/>
+                        <a:ea typeface="微軟正黑體" panose="020B0604030504040204" pitchFamily="34" charset="-120"/>
+                      </a:endParaRPr>
+                    </a:p>
+                  </a:txBody>
+                  <a:tcPr marL="95250" marR="95250" marT="76200" marB="76200" anchor="ctr"/>
+                </a:tc>
+                <a:extLst>
+                  <a:ext uri="{0D108BD9-81ED-4DB2-BD59-A6C34878D82A}">
+                    <a16:rowId xmlns:a16="http://schemas.microsoft.com/office/drawing/2014/main" val="3195757027"/>
+                  </a:ext>
+                </a:extLst>
+              </a:tr>
+              <a:tr h="745403">
+                <a:tc>
+                  <a:txBody>
+                    <a:bodyPr/>
+                    <a:lstStyle/>
+                    <a:p>
+                      <a:pPr algn="l"/>
+                      <a:r>
+                        <a:rPr lang="en-US" b="1" baseline="0">
+                          <a:solidFill>
+                            <a:srgbClr val="2C3E50"/>
+                          </a:solidFill>
+                          <a:effectLst/>
+                          <a:latin typeface="Calibri" panose="020F0502020204030204" pitchFamily="34" charset="0"/>
+                          <a:ea typeface="微軟正黑體" panose="020B0604030504040204" pitchFamily="34" charset="-120"/>
+                        </a:rPr>
+                        <a:t>Linear Regression</a:t>
+                      </a:r>
+                      <a:endParaRPr lang="zh-TW" altLang="en-US" b="1" baseline="0">
+                        <a:solidFill>
+                          <a:srgbClr val="2C3E50"/>
+                        </a:solidFill>
+                        <a:effectLst/>
+                        <a:latin typeface="Calibri" panose="020F0502020204030204" pitchFamily="34" charset="0"/>
+                        <a:ea typeface="微軟正黑體" panose="020B0604030504040204" pitchFamily="34" charset="-120"/>
+                      </a:endParaRPr>
+                    </a:p>
+                  </a:txBody>
+                  <a:tcPr marL="95250" marR="95250" marT="76200" marB="76200" anchor="ctr"/>
+                </a:tc>
+                <a:tc>
+                  <a:txBody>
+                    <a:bodyPr/>
+                    <a:lstStyle/>
+                    <a:p>
+                      <a:pPr algn="r"/>
+                      <a:r>
+                        <a:rPr lang="en-US" altLang="zh-TW" baseline="0">
+                          <a:effectLst/>
+                          <a:latin typeface="Calibri" panose="020F0502020204030204" pitchFamily="34" charset="0"/>
+                          <a:ea typeface="微軟正黑體" panose="020B0604030504040204" pitchFamily="34" charset="-120"/>
+                        </a:rPr>
+                        <a:t>7,579.22</a:t>
+                      </a:r>
+                    </a:p>
+                  </a:txBody>
+                  <a:tcPr marL="95250" marR="95250" marT="76200" marB="76200" anchor="ctr"/>
+                </a:tc>
+                <a:tc>
+                  <a:txBody>
+                    <a:bodyPr/>
+                    <a:lstStyle/>
+                    <a:p>
+                      <a:pPr algn="r"/>
+                      <a:r>
+                        <a:rPr lang="en-US" altLang="zh-TW" baseline="0">
+                          <a:effectLst/>
+                          <a:latin typeface="Calibri" panose="020F0502020204030204" pitchFamily="34" charset="0"/>
+                          <a:ea typeface="微軟正黑體" panose="020B0604030504040204" pitchFamily="34" charset="-120"/>
+                        </a:rPr>
+                        <a:t>8,998.84</a:t>
+                      </a:r>
+                    </a:p>
+                  </a:txBody>
+                  <a:tcPr marL="95250" marR="95250" marT="76200" marB="76200" anchor="ctr"/>
+                </a:tc>
+                <a:tc>
+                  <a:txBody>
+                    <a:bodyPr/>
+                    <a:lstStyle/>
+                    <a:p>
+                      <a:pPr algn="r"/>
+                      <a:r>
+                        <a:rPr lang="en-US" altLang="zh-TW" baseline="0">
+                          <a:effectLst/>
+                          <a:latin typeface="Calibri" panose="020F0502020204030204" pitchFamily="34" charset="0"/>
+                          <a:ea typeface="微軟正黑體" panose="020B0604030504040204" pitchFamily="34" charset="-120"/>
+                        </a:rPr>
+                        <a:t>0.9952</a:t>
+                      </a:r>
+                    </a:p>
+                  </a:txBody>
+                  <a:tcPr marL="95250" marR="95250" marT="76200" marB="76200" anchor="ctr"/>
+                </a:tc>
+                <a:extLst>
+                  <a:ext uri="{0D108BD9-81ED-4DB2-BD59-A6C34878D82A}">
+                    <a16:rowId xmlns:a16="http://schemas.microsoft.com/office/drawing/2014/main" val="386063956"/>
+                  </a:ext>
+                </a:extLst>
+              </a:tr>
+              <a:tr h="745403">
+                <a:tc>
+                  <a:txBody>
+                    <a:bodyPr/>
+                    <a:lstStyle/>
+                    <a:p>
+                      <a:pPr algn="l"/>
+                      <a:r>
+                        <a:rPr lang="en-US" b="1" baseline="0">
+                          <a:solidFill>
+                            <a:srgbClr val="2C3E50"/>
+                          </a:solidFill>
+                          <a:effectLst/>
+                          <a:latin typeface="Calibri" panose="020F0502020204030204" pitchFamily="34" charset="0"/>
+                          <a:ea typeface="微軟正黑體" panose="020B0604030504040204" pitchFamily="34" charset="-120"/>
+                        </a:rPr>
+                        <a:t>Polynomial Regression</a:t>
+                      </a:r>
+                      <a:endParaRPr lang="zh-TW" altLang="en-US" b="1" baseline="0">
+                        <a:solidFill>
+                          <a:srgbClr val="2C3E50"/>
+                        </a:solidFill>
+                        <a:effectLst/>
+                        <a:latin typeface="Calibri" panose="020F0502020204030204" pitchFamily="34" charset="0"/>
+                        <a:ea typeface="微軟正黑體" panose="020B0604030504040204" pitchFamily="34" charset="-120"/>
+                      </a:endParaRPr>
+                    </a:p>
+                  </a:txBody>
+                  <a:tcPr marL="95250" marR="95250" marT="76200" marB="76200" anchor="ctr"/>
+                </a:tc>
+                <a:tc>
+                  <a:txBody>
+                    <a:bodyPr/>
+                    <a:lstStyle/>
+                    <a:p>
+                      <a:pPr algn="r"/>
+                      <a:r>
+                        <a:rPr lang="en-US" altLang="zh-TW" b="1" baseline="0">
+                          <a:solidFill>
+                            <a:srgbClr val="FFFFFF"/>
+                          </a:solidFill>
+                          <a:effectLst/>
+                          <a:latin typeface="Calibri" panose="020F0502020204030204" pitchFamily="34" charset="0"/>
+                          <a:ea typeface="微軟正黑體" panose="020B0604030504040204" pitchFamily="34" charset="-120"/>
+                        </a:rPr>
+                        <a:t>2,648.08</a:t>
+                      </a:r>
+                    </a:p>
+                  </a:txBody>
+                  <a:tcPr marL="95250" marR="95250" marT="76200" marB="76200" anchor="ctr">
+                    <a:solidFill>
+                      <a:srgbClr val="00B050"/>
+                    </a:solidFill>
+                  </a:tcPr>
+                </a:tc>
+                <a:tc>
+                  <a:txBody>
+                    <a:bodyPr/>
+                    <a:lstStyle/>
+                    <a:p>
+                      <a:pPr algn="r"/>
+                      <a:r>
+                        <a:rPr lang="en-US" altLang="zh-TW" b="1" baseline="0">
+                          <a:solidFill>
+                            <a:srgbClr val="FFFFFF"/>
+                          </a:solidFill>
+                          <a:effectLst/>
+                          <a:latin typeface="Calibri" panose="020F0502020204030204" pitchFamily="34" charset="0"/>
+                          <a:ea typeface="微軟正黑體" panose="020B0604030504040204" pitchFamily="34" charset="-120"/>
+                        </a:rPr>
+                        <a:t>3,135.75</a:t>
+                      </a:r>
+                    </a:p>
+                  </a:txBody>
+                  <a:tcPr marL="95250" marR="95250" marT="76200" marB="76200" anchor="ctr">
+                    <a:solidFill>
+                      <a:srgbClr val="00B050"/>
+                    </a:solidFill>
+                  </a:tcPr>
+                </a:tc>
+                <a:tc>
+                  <a:txBody>
+                    <a:bodyPr/>
+                    <a:lstStyle/>
+                    <a:p>
+                      <a:pPr algn="r"/>
+                      <a:r>
+                        <a:rPr lang="en-US" altLang="zh-TW" b="1" baseline="0">
+                          <a:solidFill>
+                            <a:srgbClr val="FFFFFF"/>
+                          </a:solidFill>
+                          <a:effectLst/>
+                          <a:latin typeface="Calibri" panose="020F0502020204030204" pitchFamily="34" charset="0"/>
+                          <a:ea typeface="微軟正黑體" panose="020B0604030504040204" pitchFamily="34" charset="-120"/>
+                        </a:rPr>
+                        <a:t>0.9994</a:t>
+                      </a:r>
+                    </a:p>
+                  </a:txBody>
+                  <a:tcPr marL="95250" marR="95250" marT="76200" marB="76200" anchor="ctr">
+                    <a:solidFill>
+                      <a:srgbClr val="00B050"/>
+                    </a:solidFill>
+                  </a:tcPr>
+                </a:tc>
+                <a:extLst>
+                  <a:ext uri="{0D108BD9-81ED-4DB2-BD59-A6C34878D82A}">
+                    <a16:rowId xmlns:a16="http://schemas.microsoft.com/office/drawing/2014/main" val="2907162075"/>
+                  </a:ext>
+                </a:extLst>
+              </a:tr>
+              <a:tr h="745403">
+                <a:tc>
+                  <a:txBody>
+                    <a:bodyPr/>
+                    <a:lstStyle/>
+                    <a:p>
+                      <a:pPr algn="l"/>
+                      <a:r>
+                        <a:rPr lang="en-US" b="1" baseline="0">
+                          <a:solidFill>
+                            <a:srgbClr val="2C3E50"/>
+                          </a:solidFill>
+                          <a:effectLst/>
+                          <a:latin typeface="Calibri" panose="020F0502020204030204" pitchFamily="34" charset="0"/>
+                          <a:ea typeface="微軟正黑體" panose="020B0604030504040204" pitchFamily="34" charset="-120"/>
+                        </a:rPr>
+                        <a:t>Lasso Regression</a:t>
+                      </a:r>
+                      <a:endParaRPr lang="zh-TW" altLang="en-US" b="1" baseline="0">
+                        <a:solidFill>
+                          <a:srgbClr val="2C3E50"/>
+                        </a:solidFill>
+                        <a:effectLst/>
+                        <a:latin typeface="Calibri" panose="020F0502020204030204" pitchFamily="34" charset="0"/>
+                        <a:ea typeface="微軟正黑體" panose="020B0604030504040204" pitchFamily="34" charset="-120"/>
+                      </a:endParaRPr>
+                    </a:p>
+                  </a:txBody>
+                  <a:tcPr marL="95250" marR="95250" marT="76200" marB="76200" anchor="ctr"/>
+                </a:tc>
+                <a:tc>
+                  <a:txBody>
+                    <a:bodyPr/>
+                    <a:lstStyle/>
+                    <a:p>
+                      <a:pPr algn="r"/>
+                      <a:r>
+                        <a:rPr lang="en-US" altLang="zh-TW" baseline="0">
+                          <a:effectLst/>
+                          <a:latin typeface="Calibri" panose="020F0502020204030204" pitchFamily="34" charset="0"/>
+                          <a:ea typeface="微軟正黑體" panose="020B0604030504040204" pitchFamily="34" charset="-120"/>
+                        </a:rPr>
+                        <a:t>7,579.11</a:t>
+                      </a:r>
+                    </a:p>
+                  </a:txBody>
+                  <a:tcPr marL="95250" marR="95250" marT="76200" marB="76200" anchor="ctr"/>
+                </a:tc>
+                <a:tc>
+                  <a:txBody>
+                    <a:bodyPr/>
+                    <a:lstStyle/>
+                    <a:p>
+                      <a:pPr algn="r"/>
+                      <a:r>
+                        <a:rPr lang="en-US" altLang="zh-TW" baseline="0">
+                          <a:effectLst/>
+                          <a:latin typeface="Calibri" panose="020F0502020204030204" pitchFamily="34" charset="0"/>
+                          <a:ea typeface="微軟正黑體" panose="020B0604030504040204" pitchFamily="34" charset="-120"/>
+                        </a:rPr>
+                        <a:t>8,998.79</a:t>
+                      </a:r>
+                    </a:p>
+                  </a:txBody>
+                  <a:tcPr marL="95250" marR="95250" marT="76200" marB="76200" anchor="ctr"/>
+                </a:tc>
+                <a:tc>
+                  <a:txBody>
+                    <a:bodyPr/>
+                    <a:lstStyle/>
+                    <a:p>
+                      <a:pPr algn="r"/>
+                      <a:r>
+                        <a:rPr lang="en-US" altLang="zh-TW" baseline="0">
+                          <a:effectLst/>
+                          <a:latin typeface="Calibri" panose="020F0502020204030204" pitchFamily="34" charset="0"/>
+                          <a:ea typeface="微軟正黑體" panose="020B0604030504040204" pitchFamily="34" charset="-120"/>
+                        </a:rPr>
+                        <a:t>0.9952</a:t>
+                      </a:r>
+                    </a:p>
+                  </a:txBody>
+                  <a:tcPr marL="95250" marR="95250" marT="76200" marB="76200" anchor="ctr"/>
+                </a:tc>
+                <a:extLst>
+                  <a:ext uri="{0D108BD9-81ED-4DB2-BD59-A6C34878D82A}">
+                    <a16:rowId xmlns:a16="http://schemas.microsoft.com/office/drawing/2014/main" val="774108984"/>
+                  </a:ext>
+                </a:extLst>
+              </a:tr>
+              <a:tr h="745403">
+                <a:tc>
+                  <a:txBody>
+                    <a:bodyPr/>
+                    <a:lstStyle/>
+                    <a:p>
+                      <a:pPr algn="l"/>
+                      <a:r>
+                        <a:rPr lang="en-US" b="1" baseline="0">
+                          <a:solidFill>
+                            <a:srgbClr val="2C3E50"/>
+                          </a:solidFill>
+                          <a:effectLst/>
+                          <a:latin typeface="Calibri" panose="020F0502020204030204" pitchFamily="34" charset="0"/>
+                          <a:ea typeface="微軟正黑體" panose="020B0604030504040204" pitchFamily="34" charset="-120"/>
+                        </a:rPr>
+                        <a:t>Random Forest</a:t>
+                      </a:r>
+                      <a:endParaRPr lang="zh-TW" altLang="en-US" b="1" baseline="0">
+                        <a:solidFill>
+                          <a:srgbClr val="2C3E50"/>
+                        </a:solidFill>
+                        <a:effectLst/>
+                        <a:latin typeface="Calibri" panose="020F0502020204030204" pitchFamily="34" charset="0"/>
+                        <a:ea typeface="微軟正黑體" panose="020B0604030504040204" pitchFamily="34" charset="-120"/>
+                      </a:endParaRPr>
+                    </a:p>
+                  </a:txBody>
+                  <a:tcPr marL="95250" marR="95250" marT="76200" marB="76200" anchor="ctr"/>
+                </a:tc>
+                <a:tc>
+                  <a:txBody>
+                    <a:bodyPr/>
+                    <a:lstStyle/>
+                    <a:p>
+                      <a:pPr algn="r"/>
+                      <a:r>
+                        <a:rPr lang="en-US" altLang="zh-TW" baseline="0">
+                          <a:effectLst/>
+                          <a:latin typeface="Calibri" panose="020F0502020204030204" pitchFamily="34" charset="0"/>
+                          <a:ea typeface="微軟正黑體" panose="020B0604030504040204" pitchFamily="34" charset="-120"/>
+                        </a:rPr>
+                        <a:t>15,026.29</a:t>
+                      </a:r>
+                    </a:p>
+                  </a:txBody>
+                  <a:tcPr marL="95250" marR="95250" marT="76200" marB="76200" anchor="ctr"/>
+                </a:tc>
+                <a:tc>
+                  <a:txBody>
+                    <a:bodyPr/>
+                    <a:lstStyle/>
+                    <a:p>
+                      <a:pPr algn="r"/>
+                      <a:r>
+                        <a:rPr lang="en-US" altLang="zh-TW" baseline="0">
+                          <a:effectLst/>
+                          <a:latin typeface="Calibri" panose="020F0502020204030204" pitchFamily="34" charset="0"/>
+                          <a:ea typeface="微軟正黑體" panose="020B0604030504040204" pitchFamily="34" charset="-120"/>
+                        </a:rPr>
+                        <a:t>19,261.87</a:t>
+                      </a:r>
+                    </a:p>
+                  </a:txBody>
+                  <a:tcPr marL="95250" marR="95250" marT="76200" marB="76200" anchor="ctr"/>
+                </a:tc>
+                <a:tc>
+                  <a:txBody>
+                    <a:bodyPr/>
+                    <a:lstStyle/>
+                    <a:p>
+                      <a:pPr algn="r"/>
+                      <a:r>
+                        <a:rPr lang="en-US" altLang="zh-TW" baseline="0">
+                          <a:effectLst/>
+                          <a:latin typeface="Calibri" panose="020F0502020204030204" pitchFamily="34" charset="0"/>
+                          <a:ea typeface="微軟正黑體" panose="020B0604030504040204" pitchFamily="34" charset="-120"/>
+                        </a:rPr>
+                        <a:t>0.9779</a:t>
+                      </a:r>
+                    </a:p>
+                  </a:txBody>
+                  <a:tcPr marL="95250" marR="95250" marT="76200" marB="76200" anchor="ctr"/>
+                </a:tc>
+                <a:extLst>
+                  <a:ext uri="{0D108BD9-81ED-4DB2-BD59-A6C34878D82A}">
+                    <a16:rowId xmlns:a16="http://schemas.microsoft.com/office/drawing/2014/main" val="2355322762"/>
+                  </a:ext>
+                </a:extLst>
+              </a:tr>
+            </a:tbl>
+          </a:graphicData>
+        </a:graphic>
+      </p:graphicFrame>
     </p:spTree>
     <p:extLst>
       <p:ext uri="{BB962C8B-B14F-4D97-AF65-F5344CB8AC3E}">
@@ -4908,27 +7022,18 @@
             <p:ph type="title"/>
           </p:nvPr>
         </p:nvSpPr>
-        <p:spPr/>
+        <p:spPr>
+          <a:xfrm>
+            <a:off x="164444" y="284176"/>
+            <a:ext cx="3528620" cy="1508760"/>
+          </a:xfrm>
+        </p:spPr>
         <p:txBody>
           <a:bodyPr/>
           <a:lstStyle/>
           <a:p>
             <a:r>
-              <a:rPr lang="zh-CN" altLang="en-US" b="1" cap="none" dirty="0">
-                <a:latin typeface="Calibri" panose="020F0502020204030204" pitchFamily="34" charset="0"/>
-                <a:ea typeface="微軟正黑體" panose="020B0604030504040204" pitchFamily="34" charset="-120"/>
-              </a:rPr>
-              <a:t>課程學習應用説明 </a:t>
-            </a:r>
-            <a:r>
-              <a:rPr lang="en-US" altLang="zh-CN" b="1" cap="none" dirty="0">
-                <a:latin typeface="Calibri" panose="020F0502020204030204" pitchFamily="34" charset="0"/>
-                <a:ea typeface="微軟正黑體" panose="020B0604030504040204" pitchFamily="34" charset="-120"/>
-              </a:rPr>
-              <a:t>- </a:t>
-            </a:r>
-            <a:r>
-              <a:rPr b="1" cap="none" dirty="0" err="1">
+              <a:rPr b="1" cap="none">
                 <a:latin typeface="Calibri" panose="020F0502020204030204" pitchFamily="34" charset="0"/>
                 <a:ea typeface="微軟正黑體" panose="020B0604030504040204" pitchFamily="34" charset="-120"/>
               </a:rPr>
@@ -4951,7 +7056,12 @@
             <p:ph idx="1"/>
           </p:nvPr>
         </p:nvSpPr>
-        <p:spPr/>
+        <p:spPr>
+          <a:xfrm>
+            <a:off x="108121" y="2066648"/>
+            <a:ext cx="2697709" cy="4206240"/>
+          </a:xfrm>
+        </p:spPr>
         <p:txBody>
           <a:bodyPr vert="horz" lIns="91440" tIns="45720" rIns="91440" bIns="45720" rtlCol="0">
             <a:normAutofit/>
@@ -4971,47 +7081,219 @@
               <a:buChar char="Ø"/>
             </a:pPr>
             <a:r>
-              <a:rPr lang="en-US" altLang="zh-CN" sz="3200" b="1" dirty="0">
-                <a:latin typeface="Calibri" panose="020F0502020204030204" pitchFamily="34" charset="0"/>
-                <a:ea typeface="微軟正黑體" panose="020B0604030504040204" pitchFamily="34" charset="-120"/>
-              </a:rPr>
-              <a:t>Polynomial </a:t>
-            </a:r>
-            <a:r>
-              <a:rPr lang="en-US" altLang="zh-CN" sz="3200" b="1" dirty="0" err="1">
-                <a:latin typeface="Calibri" panose="020F0502020204030204" pitchFamily="34" charset="0"/>
-                <a:ea typeface="微軟正黑體" panose="020B0604030504040204" pitchFamily="34" charset="-120"/>
-              </a:rPr>
-              <a:t>Regression</a:t>
-            </a:r>
-            <a:r>
-              <a:rPr sz="3200" b="1" dirty="0" err="1">
+              <a:rPr lang="en-US" altLang="zh-CN" sz="3200" b="1">
+                <a:latin typeface="Calibri" panose="020F0502020204030204" pitchFamily="34" charset="0"/>
+                <a:ea typeface="微軟正黑體" panose="020B0604030504040204" pitchFamily="34" charset="-120"/>
+              </a:rPr>
+              <a:t>Polynomial Regression</a:t>
+            </a:r>
+            <a:r>
+              <a:rPr lang="zh-TW" altLang="en-US" sz="3200" b="1">
                 <a:latin typeface="Calibri" panose="020F0502020204030204" pitchFamily="34" charset="0"/>
                 <a:ea typeface="微軟正黑體" panose="020B0604030504040204" pitchFamily="34" charset="-120"/>
               </a:rPr>
               <a:t>效果最佳</a:t>
             </a:r>
-            <a:r>
-              <a:rPr lang="zh-CN" altLang="en-US" sz="3200" b="1" dirty="0">
-                <a:latin typeface="Calibri" panose="020F0502020204030204" pitchFamily="34" charset="0"/>
-                <a:ea typeface="微軟正黑體" panose="020B0604030504040204" pitchFamily="34" charset="-120"/>
-              </a:rPr>
-              <a:t>，但接近</a:t>
-            </a:r>
-            <a:r>
-              <a:rPr lang="en-US" altLang="zh-CN" sz="3200" b="1" dirty="0">
-                <a:latin typeface="Calibri" panose="020F0502020204030204" pitchFamily="34" charset="0"/>
-                <a:ea typeface="微軟正黑體" panose="020B0604030504040204" pitchFamily="34" charset="-120"/>
-              </a:rPr>
-              <a:t>Linear</a:t>
-            </a:r>
-            <a:endParaRPr sz="3200" b="1" dirty="0">
+            <a:endParaRPr lang="en-US" sz="3200" b="1" dirty="0">
               <a:latin typeface="Calibri" panose="020F0502020204030204" pitchFamily="34" charset="0"/>
               <a:ea typeface="微軟正黑體" panose="020B0604030504040204" pitchFamily="34" charset="-120"/>
             </a:endParaRPr>
           </a:p>
         </p:txBody>
       </p:sp>
+      <p:grpSp>
+        <p:nvGrpSpPr>
+          <p:cNvPr id="15" name="群組 14">
+            <a:extLst>
+              <a:ext uri="{FF2B5EF4-FFF2-40B4-BE49-F238E27FC236}">
+                <a16:creationId xmlns:a16="http://schemas.microsoft.com/office/drawing/2014/main" id="{D1ACD1B2-A9A6-C59F-BA9E-F246115E2248}"/>
+              </a:ext>
+            </a:extLst>
+          </p:cNvPr>
+          <p:cNvGrpSpPr/>
+          <p:nvPr/>
+        </p:nvGrpSpPr>
+        <p:grpSpPr>
+          <a:xfrm>
+            <a:off x="2991606" y="10464"/>
+            <a:ext cx="9200394" cy="6847536"/>
+            <a:chOff x="2991606" y="10464"/>
+            <a:chExt cx="9200394" cy="6847536"/>
+          </a:xfrm>
+        </p:grpSpPr>
+        <p:sp>
+          <p:nvSpPr>
+            <p:cNvPr id="14" name="矩形 13">
+              <a:extLst>
+                <a:ext uri="{FF2B5EF4-FFF2-40B4-BE49-F238E27FC236}">
+                  <a16:creationId xmlns:a16="http://schemas.microsoft.com/office/drawing/2014/main" id="{1862396C-315F-800F-7E1D-A9509311856A}"/>
+                </a:ext>
+              </a:extLst>
+            </p:cNvPr>
+            <p:cNvSpPr/>
+            <p:nvPr/>
+          </p:nvSpPr>
+          <p:spPr>
+            <a:xfrm>
+              <a:off x="2991606" y="10464"/>
+              <a:ext cx="9200394" cy="6847536"/>
+            </a:xfrm>
+            <a:prstGeom prst="rect">
+              <a:avLst/>
+            </a:prstGeom>
+            <a:solidFill>
+              <a:srgbClr val="099BDD"/>
+            </a:solidFill>
+            <a:ln>
+              <a:noFill/>
+            </a:ln>
+          </p:spPr>
+          <p:style>
+            <a:lnRef idx="2">
+              <a:schemeClr val="accent1">
+                <a:shade val="15000"/>
+              </a:schemeClr>
+            </a:lnRef>
+            <a:fillRef idx="1">
+              <a:schemeClr val="accent1"/>
+            </a:fillRef>
+            <a:effectRef idx="0">
+              <a:schemeClr val="accent1"/>
+            </a:effectRef>
+            <a:fontRef idx="minor">
+              <a:schemeClr val="lt1"/>
+            </a:fontRef>
+          </p:style>
+          <p:txBody>
+            <a:bodyPr rtlCol="0" anchor="ctr"/>
+            <a:lstStyle/>
+            <a:p>
+              <a:pPr algn="ctr"/>
+              <a:endParaRPr lang="zh-TW" altLang="en-US"/>
+            </a:p>
+          </p:txBody>
+        </p:sp>
+        <p:pic>
+          <p:nvPicPr>
+            <p:cNvPr id="7" name="圖片 6">
+              <a:extLst>
+                <a:ext uri="{FF2B5EF4-FFF2-40B4-BE49-F238E27FC236}">
+                  <a16:creationId xmlns:a16="http://schemas.microsoft.com/office/drawing/2014/main" id="{B9225FFF-0F38-585E-2186-19022580581E}"/>
+                </a:ext>
+              </a:extLst>
+            </p:cNvPr>
+            <p:cNvPicPr>
+              <a:picLocks noChangeAspect="1"/>
+            </p:cNvPicPr>
+            <p:nvPr/>
+          </p:nvPicPr>
+          <p:blipFill>
+            <a:blip r:embed="rId3"/>
+            <a:stretch>
+              <a:fillRect/>
+            </a:stretch>
+          </p:blipFill>
+          <p:spPr>
+            <a:xfrm>
+              <a:off x="3204980" y="3584657"/>
+              <a:ext cx="4247253" cy="3144824"/>
+            </a:xfrm>
+            <a:prstGeom prst="rect">
+              <a:avLst/>
+            </a:prstGeom>
+          </p:spPr>
+        </p:pic>
+        <p:pic>
+          <p:nvPicPr>
+            <p:cNvPr id="9" name="圖片 8">
+              <a:extLst>
+                <a:ext uri="{FF2B5EF4-FFF2-40B4-BE49-F238E27FC236}">
+                  <a16:creationId xmlns:a16="http://schemas.microsoft.com/office/drawing/2014/main" id="{4CD14128-116A-6BA1-9BBD-64491AED976E}"/>
+                </a:ext>
+              </a:extLst>
+            </p:cNvPr>
+            <p:cNvPicPr>
+              <a:picLocks noChangeAspect="1"/>
+            </p:cNvPicPr>
+            <p:nvPr/>
+          </p:nvPicPr>
+          <p:blipFill>
+            <a:blip r:embed="rId4"/>
+            <a:stretch>
+              <a:fillRect/>
+            </a:stretch>
+          </p:blipFill>
+          <p:spPr>
+            <a:xfrm>
+              <a:off x="3204981" y="284176"/>
+              <a:ext cx="4183427" cy="3144824"/>
+            </a:xfrm>
+            <a:prstGeom prst="rect">
+              <a:avLst/>
+            </a:prstGeom>
+          </p:spPr>
+        </p:pic>
+        <p:pic>
+          <p:nvPicPr>
+            <p:cNvPr id="11" name="圖片 10">
+              <a:extLst>
+                <a:ext uri="{FF2B5EF4-FFF2-40B4-BE49-F238E27FC236}">
+                  <a16:creationId xmlns:a16="http://schemas.microsoft.com/office/drawing/2014/main" id="{D7AE003D-0145-D29F-DD7A-CF1B5AF1472F}"/>
+                </a:ext>
+              </a:extLst>
+            </p:cNvPr>
+            <p:cNvPicPr>
+              <a:picLocks noChangeAspect="1"/>
+            </p:cNvPicPr>
+            <p:nvPr/>
+          </p:nvPicPr>
+          <p:blipFill>
+            <a:blip r:embed="rId5"/>
+            <a:stretch>
+              <a:fillRect/>
+            </a:stretch>
+          </p:blipFill>
+          <p:spPr>
+            <a:xfrm>
+              <a:off x="7787559" y="3584657"/>
+              <a:ext cx="4257518" cy="3144824"/>
+            </a:xfrm>
+            <a:prstGeom prst="rect">
+              <a:avLst/>
+            </a:prstGeom>
+          </p:spPr>
+        </p:pic>
+        <p:pic>
+          <p:nvPicPr>
+            <p:cNvPr id="13" name="圖片 12">
+              <a:extLst>
+                <a:ext uri="{FF2B5EF4-FFF2-40B4-BE49-F238E27FC236}">
+                  <a16:creationId xmlns:a16="http://schemas.microsoft.com/office/drawing/2014/main" id="{24F239DD-1A10-FF1E-83A1-5554BF784A79}"/>
+                </a:ext>
+              </a:extLst>
+            </p:cNvPr>
+            <p:cNvPicPr>
+              <a:picLocks noChangeAspect="1"/>
+            </p:cNvPicPr>
+            <p:nvPr/>
+          </p:nvPicPr>
+          <p:blipFill>
+            <a:blip r:embed="rId6"/>
+            <a:stretch>
+              <a:fillRect/>
+            </a:stretch>
+          </p:blipFill>
+          <p:spPr>
+            <a:xfrm>
+              <a:off x="7787559" y="284176"/>
+              <a:ext cx="4296320" cy="3213264"/>
+            </a:xfrm>
+            <a:prstGeom prst="rect">
+              <a:avLst/>
+            </a:prstGeom>
+          </p:spPr>
+        </p:pic>
+      </p:grpSp>
     </p:spTree>
     <p:extLst>
       <p:ext uri="{BB962C8B-B14F-4D97-AF65-F5344CB8AC3E}">
@@ -5095,7 +7377,12 @@
             <p:ph idx="1"/>
           </p:nvPr>
         </p:nvSpPr>
-        <p:spPr/>
+        <p:spPr>
+          <a:xfrm>
+            <a:off x="1202919" y="1792936"/>
+            <a:ext cx="9784080" cy="4206240"/>
+          </a:xfrm>
+        </p:spPr>
         <p:txBody>
           <a:bodyPr vert="horz" lIns="91440" tIns="45720" rIns="91440" bIns="45720" rtlCol="0">
             <a:normAutofit/>
@@ -5107,7 +7394,7 @@
                 <a:spcPct val="100000"/>
               </a:lnSpc>
               <a:spcBef>
-                <a:spcPts val="1800"/>
+                <a:spcPts val="600"/>
               </a:spcBef>
               <a:spcAft>
                 <a:spcPts val="0"/>
@@ -5132,7 +7419,7 @@
                 <a:spcPct val="100000"/>
               </a:lnSpc>
               <a:spcBef>
-                <a:spcPts val="1800"/>
+                <a:spcPts val="600"/>
               </a:spcBef>
               <a:spcAft>
                 <a:spcPts val="0"/>
@@ -5185,6 +7472,351 @@
               <a:latin typeface="Calibri" panose="020F0502020204030204" pitchFamily="34" charset="0"/>
               <a:ea typeface="微軟正黑體" panose="020B0604030504040204" pitchFamily="34" charset="-120"/>
             </a:endParaRPr>
+          </a:p>
+        </p:txBody>
+      </p:sp>
+      <p:sp>
+        <p:nvSpPr>
+          <p:cNvPr id="5" name="文字方塊 4">
+            <a:extLst>
+              <a:ext uri="{FF2B5EF4-FFF2-40B4-BE49-F238E27FC236}">
+                <a16:creationId xmlns:a16="http://schemas.microsoft.com/office/drawing/2014/main" id="{D6963AD3-BD3B-8203-30C9-BFC31EA56B82}"/>
+              </a:ext>
+            </a:extLst>
+          </p:cNvPr>
+          <p:cNvSpPr txBox="1"/>
+          <p:nvPr/>
+        </p:nvSpPr>
+        <p:spPr>
+          <a:xfrm>
+            <a:off x="3083102" y="2917627"/>
+            <a:ext cx="6023713" cy="3816429"/>
+          </a:xfrm>
+          <a:prstGeom prst="rect">
+            <a:avLst/>
+          </a:prstGeom>
+          <a:solidFill>
+            <a:schemeClr val="accent3"/>
+          </a:solidFill>
+        </p:spPr>
+        <p:txBody>
+          <a:bodyPr wrap="square">
+            <a:spAutoFit/>
+          </a:bodyPr>
+          <a:lstStyle/>
+          <a:p>
+            <a:r>
+              <a:rPr lang="zh-CN" altLang="en-US" sz="2200" b="1">
+                <a:latin typeface="Calibri" panose="020F0502020204030204" pitchFamily="34" charset="0"/>
+                <a:ea typeface="微軟正黑體" panose="020B0604030504040204" pitchFamily="34" charset="-120"/>
+              </a:rPr>
+              <a:t>以</a:t>
+            </a:r>
+            <a:r>
+              <a:rPr lang="en-US" altLang="zh-CN" sz="2200" b="1">
+                <a:latin typeface="Calibri" panose="020F0502020204030204" pitchFamily="34" charset="0"/>
+                <a:ea typeface="微軟正黑體" panose="020B0604030504040204" pitchFamily="34" charset="-120"/>
+              </a:rPr>
+              <a:t>Linear</a:t>
+            </a:r>
+            <a:r>
+              <a:rPr lang="zh-CN" altLang="en-US" sz="2200" b="1">
+                <a:latin typeface="Calibri" panose="020F0502020204030204" pitchFamily="34" charset="0"/>
+                <a:ea typeface="微軟正黑體" panose="020B0604030504040204" pitchFamily="34" charset="-120"/>
+              </a:rPr>
+              <a:t>爲例，計算公式如下：</a:t>
+            </a:r>
+            <a:endParaRPr lang="en-US" altLang="zh-TW" sz="2200" b="1">
+              <a:latin typeface="Calibri" panose="020F0502020204030204" pitchFamily="34" charset="0"/>
+              <a:ea typeface="微軟正黑體" panose="020B0604030504040204" pitchFamily="34" charset="-120"/>
+            </a:endParaRPr>
+          </a:p>
+          <a:p>
+            <a:r>
+              <a:rPr lang="en-US" altLang="zh-TW" sz="2200" b="1">
+                <a:latin typeface="Calibri" panose="020F0502020204030204" pitchFamily="34" charset="0"/>
+                <a:ea typeface="微軟正黑體" panose="020B0604030504040204" pitchFamily="34" charset="-120"/>
+              </a:rPr>
+              <a:t>Intercept</a:t>
+            </a:r>
+            <a:r>
+              <a:rPr lang="zh-CN" altLang="en-US" sz="2200" b="1">
+                <a:latin typeface="Calibri" panose="020F0502020204030204" pitchFamily="34" charset="0"/>
+                <a:ea typeface="微軟正黑體" panose="020B0604030504040204" pitchFamily="34" charset="-120"/>
+              </a:rPr>
+              <a:t>：</a:t>
+            </a:r>
+            <a:r>
+              <a:rPr lang="en-US" altLang="zh-TW" sz="2200" b="1">
+                <a:latin typeface="Calibri" panose="020F0502020204030204" pitchFamily="34" charset="0"/>
+                <a:ea typeface="微軟正黑體" panose="020B0604030504040204" pitchFamily="34" charset="-120"/>
+              </a:rPr>
+              <a:t>702,984.36 </a:t>
+            </a:r>
+            <a:r>
+              <a:rPr lang="zh-TW" altLang="en-US" sz="2200" b="1">
+                <a:latin typeface="Calibri" panose="020F0502020204030204" pitchFamily="34" charset="0"/>
+                <a:ea typeface="微軟正黑體" panose="020B0604030504040204" pitchFamily="34" charset="-120"/>
+              </a:rPr>
+              <a:t>元 </a:t>
+            </a:r>
+            <a:r>
+              <a:rPr lang="en-US" altLang="zh-TW" sz="2200" b="1">
+                <a:latin typeface="Calibri" panose="020F0502020204030204" pitchFamily="34" charset="0"/>
+                <a:ea typeface="微軟正黑體" panose="020B0604030504040204" pitchFamily="34" charset="-120"/>
+              </a:rPr>
+              <a:t>(</a:t>
+            </a:r>
+            <a:r>
+              <a:rPr lang="zh-CN" altLang="en-US" sz="2200" b="1">
+                <a:latin typeface="Calibri" panose="020F0502020204030204" pitchFamily="34" charset="0"/>
+                <a:ea typeface="微軟正黑體" panose="020B0604030504040204" pitchFamily="34" charset="-120"/>
+              </a:rPr>
+              <a:t>視爲原價值</a:t>
+            </a:r>
+            <a:r>
+              <a:rPr lang="en-US" altLang="zh-CN" sz="2200" b="1">
+                <a:latin typeface="Calibri" panose="020F0502020204030204" pitchFamily="34" charset="0"/>
+                <a:ea typeface="微軟正黑體" panose="020B0604030504040204" pitchFamily="34" charset="-120"/>
+              </a:rPr>
+              <a:t>)</a:t>
+            </a:r>
+            <a:endParaRPr lang="zh-TW" altLang="en-US" sz="2200" b="1">
+              <a:latin typeface="Calibri" panose="020F0502020204030204" pitchFamily="34" charset="0"/>
+              <a:ea typeface="微軟正黑體" panose="020B0604030504040204" pitchFamily="34" charset="-120"/>
+            </a:endParaRPr>
+          </a:p>
+          <a:p>
+            <a:r>
+              <a:rPr lang="en-US" altLang="zh-TW" sz="2200" b="1">
+                <a:latin typeface="Calibri" panose="020F0502020204030204" pitchFamily="34" charset="0"/>
+                <a:ea typeface="微軟正黑體" panose="020B0604030504040204" pitchFamily="34" charset="-120"/>
+              </a:rPr>
+              <a:t>Coefficients</a:t>
+            </a:r>
+            <a:r>
+              <a:rPr lang="zh-CN" altLang="en-US" sz="2200" b="1">
+                <a:latin typeface="Calibri" panose="020F0502020204030204" pitchFamily="34" charset="0"/>
+                <a:ea typeface="微軟正黑體" panose="020B0604030504040204" pitchFamily="34" charset="-120"/>
+              </a:rPr>
+              <a:t>：</a:t>
+            </a:r>
+            <a:endParaRPr lang="en-US" altLang="zh-TW" sz="2200" b="1">
+              <a:latin typeface="Calibri" panose="020F0502020204030204" pitchFamily="34" charset="0"/>
+              <a:ea typeface="微軟正黑體" panose="020B0604030504040204" pitchFamily="34" charset="-120"/>
+            </a:endParaRPr>
+          </a:p>
+          <a:p>
+            <a:r>
+              <a:rPr lang="en-US" altLang="zh-TW" sz="2200" b="1">
+                <a:latin typeface="Calibri" panose="020F0502020204030204" pitchFamily="34" charset="0"/>
+                <a:ea typeface="微軟正黑體" panose="020B0604030504040204" pitchFamily="34" charset="-120"/>
+              </a:rPr>
+              <a:t>    -1,150.96 (</a:t>
+            </a:r>
+            <a:r>
+              <a:rPr lang="zh-TW" altLang="en-US" sz="2200" b="1">
+                <a:latin typeface="Calibri" panose="020F0502020204030204" pitchFamily="34" charset="0"/>
+                <a:ea typeface="微軟正黑體" panose="020B0604030504040204" pitchFamily="34" charset="-120"/>
+              </a:rPr>
+              <a:t>每增加 </a:t>
+            </a:r>
+            <a:r>
+              <a:rPr lang="en-US" altLang="zh-TW" sz="2200" b="1">
+                <a:latin typeface="Calibri" panose="020F0502020204030204" pitchFamily="34" charset="0"/>
+                <a:ea typeface="微軟正黑體" panose="020B0604030504040204" pitchFamily="34" charset="-120"/>
+              </a:rPr>
+              <a:t>1 </a:t>
+            </a:r>
+            <a:r>
+              <a:rPr lang="zh-TW" altLang="en-US" sz="2200" b="1">
+                <a:latin typeface="Calibri" panose="020F0502020204030204" pitchFamily="34" charset="0"/>
+                <a:ea typeface="微軟正黑體" panose="020B0604030504040204" pitchFamily="34" charset="-120"/>
+              </a:rPr>
+              <a:t>年車齡，預測價格減少</a:t>
+            </a:r>
+            <a:r>
+              <a:rPr lang="en-US" altLang="zh-TW" sz="2200" b="1">
+                <a:latin typeface="Calibri" panose="020F0502020204030204" pitchFamily="34" charset="0"/>
+                <a:ea typeface="微軟正黑體" panose="020B0604030504040204" pitchFamily="34" charset="-120"/>
+              </a:rPr>
+              <a:t>)</a:t>
+            </a:r>
+          </a:p>
+          <a:p>
+            <a:r>
+              <a:rPr lang="en-US" altLang="zh-TW" sz="2200" b="1">
+                <a:latin typeface="Calibri" panose="020F0502020204030204" pitchFamily="34" charset="0"/>
+                <a:ea typeface="微軟正黑體" panose="020B0604030504040204" pitchFamily="34" charset="-120"/>
+              </a:rPr>
+              <a:t>    -4.02   (</a:t>
+            </a:r>
+            <a:r>
+              <a:rPr lang="zh-TW" altLang="en-US" sz="2200" b="1">
+                <a:latin typeface="Calibri" panose="020F0502020204030204" pitchFamily="34" charset="0"/>
+                <a:ea typeface="微軟正黑體" panose="020B0604030504040204" pitchFamily="34" charset="-120"/>
+              </a:rPr>
+              <a:t>每增加 </a:t>
+            </a:r>
+            <a:r>
+              <a:rPr lang="en-US" altLang="zh-TW" sz="2200" b="1">
+                <a:latin typeface="Calibri" panose="020F0502020204030204" pitchFamily="34" charset="0"/>
+                <a:ea typeface="微軟正黑體" panose="020B0604030504040204" pitchFamily="34" charset="-120"/>
+              </a:rPr>
+              <a:t>1 </a:t>
+            </a:r>
+            <a:r>
+              <a:rPr lang="zh-TW" altLang="en-US" sz="2200" b="1">
+                <a:latin typeface="Calibri" panose="020F0502020204030204" pitchFamily="34" charset="0"/>
+                <a:ea typeface="微軟正黑體" panose="020B0604030504040204" pitchFamily="34" charset="-120"/>
+              </a:rPr>
+              <a:t>公里，價格微幅下降</a:t>
+            </a:r>
+            <a:r>
+              <a:rPr lang="en-US" altLang="zh-TW" sz="2200" b="1">
+                <a:latin typeface="Calibri" panose="020F0502020204030204" pitchFamily="34" charset="0"/>
+                <a:ea typeface="微軟正黑體" panose="020B0604030504040204" pitchFamily="34" charset="-120"/>
+              </a:rPr>
+              <a:t>)</a:t>
+            </a:r>
+          </a:p>
+          <a:p>
+            <a:r>
+              <a:rPr lang="en-US" altLang="zh-TW" sz="2200" b="1">
+                <a:latin typeface="Calibri" panose="020F0502020204030204" pitchFamily="34" charset="0"/>
+                <a:ea typeface="微軟正黑體" panose="020B0604030504040204" pitchFamily="34" charset="-120"/>
+              </a:rPr>
+              <a:t>    -320.41   (rating </a:t>
+            </a:r>
+            <a:r>
+              <a:rPr lang="zh-TW" altLang="en-US" sz="2200" b="1">
+                <a:latin typeface="Calibri" panose="020F0502020204030204" pitchFamily="34" charset="0"/>
+                <a:ea typeface="微軟正黑體" panose="020B0604030504040204" pitchFamily="34" charset="-120"/>
+              </a:rPr>
+              <a:t>分數下降則價格下降</a:t>
+            </a:r>
+            <a:r>
+              <a:rPr lang="en-US" altLang="zh-TW" sz="2200" b="1">
+                <a:latin typeface="Calibri" panose="020F0502020204030204" pitchFamily="34" charset="0"/>
+                <a:ea typeface="微軟正黑體" panose="020B0604030504040204" pitchFamily="34" charset="-120"/>
+              </a:rPr>
+              <a:t>)</a:t>
+            </a:r>
+          </a:p>
+          <a:p>
+            <a:r>
+              <a:rPr lang="en-US" altLang="zh-TW" sz="2200" b="1">
+                <a:latin typeface="Calibri" panose="020F0502020204030204" pitchFamily="34" charset="0"/>
+                <a:ea typeface="微軟正黑體" panose="020B0604030504040204" pitchFamily="34" charset="-120"/>
+              </a:rPr>
+              <a:t>    +4,501.08  (</a:t>
+            </a:r>
+            <a:r>
+              <a:rPr lang="zh-TW" altLang="en-US" sz="2200" b="1">
+                <a:latin typeface="Calibri" panose="020F0502020204030204" pitchFamily="34" charset="0"/>
+                <a:ea typeface="微軟正黑體" panose="020B0604030504040204" pitchFamily="34" charset="-120"/>
+              </a:rPr>
+              <a:t>車況較好者，價格提升</a:t>
+            </a:r>
+            <a:r>
+              <a:rPr lang="en-US" altLang="zh-TW" sz="2200" b="1">
+                <a:latin typeface="Calibri" panose="020F0502020204030204" pitchFamily="34" charset="0"/>
+                <a:ea typeface="微軟正黑體" panose="020B0604030504040204" pitchFamily="34" charset="-120"/>
+              </a:rPr>
+              <a:t>)</a:t>
+            </a:r>
+          </a:p>
+          <a:p>
+            <a:r>
+              <a:rPr lang="en-US" altLang="zh-TW" sz="2200" b="1">
+                <a:latin typeface="Calibri" panose="020F0502020204030204" pitchFamily="34" charset="0"/>
+                <a:ea typeface="微軟正黑體" panose="020B0604030504040204" pitchFamily="34" charset="-120"/>
+              </a:rPr>
+              <a:t>    -340.38    (</a:t>
+            </a:r>
+            <a:r>
+              <a:rPr lang="zh-TW" altLang="en-US" sz="2200" b="1">
+                <a:latin typeface="Calibri" panose="020F0502020204030204" pitchFamily="34" charset="0"/>
+                <a:ea typeface="微軟正黑體" panose="020B0604030504040204" pitchFamily="34" charset="-120"/>
+              </a:rPr>
+              <a:t>油耗增加，價格下降</a:t>
+            </a:r>
+            <a:r>
+              <a:rPr lang="en-US" altLang="zh-TW" sz="2200" b="1">
+                <a:latin typeface="Calibri" panose="020F0502020204030204" pitchFamily="34" charset="0"/>
+                <a:ea typeface="微軟正黑體" panose="020B0604030504040204" pitchFamily="34" charset="-120"/>
+              </a:rPr>
+              <a:t>)</a:t>
+            </a:r>
+          </a:p>
+          <a:p>
+            <a:r>
+              <a:rPr lang="en-US" altLang="zh-TW" sz="2200" b="1">
+                <a:latin typeface="Calibri" panose="020F0502020204030204" pitchFamily="34" charset="0"/>
+                <a:ea typeface="微軟正黑體" panose="020B0604030504040204" pitchFamily="34" charset="-120"/>
+              </a:rPr>
+              <a:t>    -108.46    (</a:t>
+            </a:r>
+            <a:r>
+              <a:rPr lang="zh-TW" altLang="en-US" sz="2200" b="1">
+                <a:latin typeface="Calibri" panose="020F0502020204030204" pitchFamily="34" charset="0"/>
+                <a:ea typeface="微軟正黑體" panose="020B0604030504040204" pitchFamily="34" charset="-120"/>
+              </a:rPr>
+              <a:t>極速高但略有負面影響</a:t>
+            </a:r>
+            <a:r>
+              <a:rPr lang="en-US" altLang="zh-TW" sz="2200" b="1">
+                <a:latin typeface="Calibri" panose="020F0502020204030204" pitchFamily="34" charset="0"/>
+                <a:ea typeface="微軟正黑體" panose="020B0604030504040204" pitchFamily="34" charset="-120"/>
+              </a:rPr>
+              <a:t>)</a:t>
+            </a:r>
+          </a:p>
+          <a:p>
+            <a:r>
+              <a:rPr lang="en-US" altLang="zh-TW" sz="2200" b="1">
+                <a:latin typeface="Calibri" panose="020F0502020204030204" pitchFamily="34" charset="0"/>
+                <a:ea typeface="微軟正黑體" panose="020B0604030504040204" pitchFamily="34" charset="-120"/>
+              </a:rPr>
+              <a:t>    +11.37   (</a:t>
+            </a:r>
+            <a:r>
+              <a:rPr lang="zh-TW" altLang="en-US" sz="2200" b="1">
+                <a:latin typeface="Calibri" panose="020F0502020204030204" pitchFamily="34" charset="0"/>
+                <a:ea typeface="微軟正黑體" panose="020B0604030504040204" pitchFamily="34" charset="-120"/>
+              </a:rPr>
+              <a:t>馬力越大，價格略增</a:t>
+            </a:r>
+            <a:r>
+              <a:rPr lang="en-US" altLang="zh-TW" sz="2200" b="1">
+                <a:latin typeface="Calibri" panose="020F0502020204030204" pitchFamily="34" charset="0"/>
+                <a:ea typeface="微軟正黑體" panose="020B0604030504040204" pitchFamily="34" charset="-120"/>
+              </a:rPr>
+              <a:t>)</a:t>
+            </a:r>
+          </a:p>
+          <a:p>
+            <a:r>
+              <a:rPr lang="en-US" altLang="zh-TW" sz="2200" b="1">
+                <a:latin typeface="Calibri" panose="020F0502020204030204" pitchFamily="34" charset="0"/>
+                <a:ea typeface="微軟正黑體" panose="020B0604030504040204" pitchFamily="34" charset="-120"/>
+              </a:rPr>
+              <a:t>    +93.43   (</a:t>
+            </a:r>
+            <a:r>
+              <a:rPr lang="zh-TW" altLang="en-US" sz="2200" b="1">
+                <a:latin typeface="Calibri" panose="020F0502020204030204" pitchFamily="34" charset="0"/>
+                <a:ea typeface="微軟正黑體" panose="020B0604030504040204" pitchFamily="34" charset="-120"/>
+              </a:rPr>
+              <a:t>扭力越大，價格提升</a:t>
+            </a:r>
+            <a:r>
+              <a:rPr lang="en-US" altLang="zh-TW" sz="2200" b="1">
+                <a:latin typeface="Calibri" panose="020F0502020204030204" pitchFamily="34" charset="0"/>
+                <a:ea typeface="微軟正黑體" panose="020B0604030504040204" pitchFamily="34" charset="-120"/>
+              </a:rPr>
+              <a:t>)</a:t>
+            </a:r>
           </a:p>
         </p:txBody>
       </p:sp>
@@ -5461,4 +8093,319 @@
     </a:ext>
   </a:extLst>
 </a:theme>
+</file>
+
+<file path=ppt/theme/theme2.xml><?xml version="1.0" encoding="utf-8"?>
+<a:theme xmlns:a="http://schemas.openxmlformats.org/drawingml/2006/main" name="Office 佈景主題">
+  <a:themeElements>
+    <a:clrScheme name="Office">
+      <a:dk1>
+        <a:sysClr val="windowText" lastClr="000000"/>
+      </a:dk1>
+      <a:lt1>
+        <a:sysClr val="window" lastClr="FFFFFF"/>
+      </a:lt1>
+      <a:dk2>
+        <a:srgbClr val="0E2841"/>
+      </a:dk2>
+      <a:lt2>
+        <a:srgbClr val="E8E8E8"/>
+      </a:lt2>
+      <a:accent1>
+        <a:srgbClr val="156082"/>
+      </a:accent1>
+      <a:accent2>
+        <a:srgbClr val="E97132"/>
+      </a:accent2>
+      <a:accent3>
+        <a:srgbClr val="196B24"/>
+      </a:accent3>
+      <a:accent4>
+        <a:srgbClr val="0F9ED5"/>
+      </a:accent4>
+      <a:accent5>
+        <a:srgbClr val="A02B93"/>
+      </a:accent5>
+      <a:accent6>
+        <a:srgbClr val="4EA72E"/>
+      </a:accent6>
+      <a:hlink>
+        <a:srgbClr val="467886"/>
+      </a:hlink>
+      <a:folHlink>
+        <a:srgbClr val="96607D"/>
+      </a:folHlink>
+    </a:clrScheme>
+    <a:fontScheme name="Office">
+      <a:majorFont>
+        <a:latin typeface="Aptos Display" panose="02110004020202020204"/>
+        <a:ea typeface=""/>
+        <a:cs typeface=""/>
+        <a:font script="Jpan" typeface="游ゴシック Light"/>
+        <a:font script="Hang" typeface="맑은 고딕"/>
+        <a:font script="Hans" typeface="等线 Light"/>
+        <a:font script="Hant" typeface="新細明體"/>
+        <a:font script="Arab" typeface="Times New Roman"/>
+        <a:font script="Hebr" typeface="Times New Roman"/>
+        <a:font script="Thai" typeface="Angsana New"/>
+        <a:font script="Ethi" typeface="Nyala"/>
+        <a:font script="Beng" typeface="Vrinda"/>
+        <a:font script="Gujr" typeface="Shruti"/>
+        <a:font script="Khmr" typeface="MoolBoran"/>
+        <a:font script="Knda" typeface="Tunga"/>
+        <a:font script="Guru" typeface="Raavi"/>
+        <a:font script="Cans" typeface="Euphemia"/>
+        <a:font script="Cher" typeface="Plantagenet Cherokee"/>
+        <a:font script="Yiii" typeface="Microsoft Yi Baiti"/>
+        <a:font script="Tibt" typeface="Microsoft Himalaya"/>
+        <a:font script="Thaa" typeface="MV Boli"/>
+        <a:font script="Deva" typeface="Mangal"/>
+        <a:font script="Telu" typeface="Gautami"/>
+        <a:font script="Taml" typeface="Latha"/>
+        <a:font script="Syrc" typeface="Estrangelo Edessa"/>
+        <a:font script="Orya" typeface="Kalinga"/>
+        <a:font script="Mlym" typeface="Kartika"/>
+        <a:font script="Laoo" typeface="DokChampa"/>
+        <a:font script="Sinh" typeface="Iskoola Pota"/>
+        <a:font script="Mong" typeface="Mongolian Baiti"/>
+        <a:font script="Viet" typeface="Times New Roman"/>
+        <a:font script="Uigh" typeface="Microsoft Uighur"/>
+        <a:font script="Geor" typeface="Sylfaen"/>
+        <a:font script="Armn" typeface="Arial"/>
+        <a:font script="Bugi" typeface="Leelawadee UI"/>
+        <a:font script="Bopo" typeface="Microsoft JhengHei"/>
+        <a:font script="Java" typeface="Javanese Text"/>
+        <a:font script="Lisu" typeface="Segoe UI"/>
+        <a:font script="Mymr" typeface="Myanmar Text"/>
+        <a:font script="Nkoo" typeface="Ebrima"/>
+        <a:font script="Olck" typeface="Nirmala UI"/>
+        <a:font script="Osma" typeface="Ebrima"/>
+        <a:font script="Phag" typeface="Phagspa"/>
+        <a:font script="Syrn" typeface="Estrangelo Edessa"/>
+        <a:font script="Syrj" typeface="Estrangelo Edessa"/>
+        <a:font script="Syre" typeface="Estrangelo Edessa"/>
+        <a:font script="Sora" typeface="Nirmala UI"/>
+        <a:font script="Tale" typeface="Microsoft Tai Le"/>
+        <a:font script="Talu" typeface="Microsoft New Tai Lue"/>
+        <a:font script="Tfng" typeface="Ebrima"/>
+      </a:majorFont>
+      <a:minorFont>
+        <a:latin typeface="Aptos" panose="02110004020202020204"/>
+        <a:ea typeface=""/>
+        <a:cs typeface=""/>
+        <a:font script="Jpan" typeface="游ゴシック"/>
+        <a:font script="Hang" typeface="맑은 고딕"/>
+        <a:font script="Hans" typeface="等线"/>
+        <a:font script="Hant" typeface="新細明體"/>
+        <a:font script="Arab" typeface="Arial"/>
+        <a:font script="Hebr" typeface="Arial"/>
+        <a:font script="Thai" typeface="Cordia New"/>
+        <a:font script="Ethi" typeface="Nyala"/>
+        <a:font script="Beng" typeface="Vrinda"/>
+        <a:font script="Gujr" typeface="Shruti"/>
+        <a:font script="Khmr" typeface="DaunPenh"/>
+        <a:font script="Knda" typeface="Tunga"/>
+        <a:font script="Guru" typeface="Raavi"/>
+        <a:font script="Cans" typeface="Euphemia"/>
+        <a:font script="Cher" typeface="Plantagenet Cherokee"/>
+        <a:font script="Yiii" typeface="Microsoft Yi Baiti"/>
+        <a:font script="Tibt" typeface="Microsoft Himalaya"/>
+        <a:font script="Thaa" typeface="MV Boli"/>
+        <a:font script="Deva" typeface="Mangal"/>
+        <a:font script="Telu" typeface="Gautami"/>
+        <a:font script="Taml" typeface="Latha"/>
+        <a:font script="Syrc" typeface="Estrangelo Edessa"/>
+        <a:font script="Orya" typeface="Kalinga"/>
+        <a:font script="Mlym" typeface="Kartika"/>
+        <a:font script="Laoo" typeface="DokChampa"/>
+        <a:font script="Sinh" typeface="Iskoola Pota"/>
+        <a:font script="Mong" typeface="Mongolian Baiti"/>
+        <a:font script="Viet" typeface="Arial"/>
+        <a:font script="Uigh" typeface="Microsoft Uighur"/>
+        <a:font script="Geor" typeface="Sylfaen"/>
+        <a:font script="Armn" typeface="Arial"/>
+        <a:font script="Bugi" typeface="Leelawadee UI"/>
+        <a:font script="Bopo" typeface="Microsoft JhengHei"/>
+        <a:font script="Java" typeface="Javanese Text"/>
+        <a:font script="Lisu" typeface="Segoe UI"/>
+        <a:font script="Mymr" typeface="Myanmar Text"/>
+        <a:font script="Nkoo" typeface="Ebrima"/>
+        <a:font script="Olck" typeface="Nirmala UI"/>
+        <a:font script="Osma" typeface="Ebrima"/>
+        <a:font script="Phag" typeface="Phagspa"/>
+        <a:font script="Syrn" typeface="Estrangelo Edessa"/>
+        <a:font script="Syrj" typeface="Estrangelo Edessa"/>
+        <a:font script="Syre" typeface="Estrangelo Edessa"/>
+        <a:font script="Sora" typeface="Nirmala UI"/>
+        <a:font script="Tale" typeface="Microsoft Tai Le"/>
+        <a:font script="Talu" typeface="Microsoft New Tai Lue"/>
+        <a:font script="Tfng" typeface="Ebrima"/>
+      </a:minorFont>
+    </a:fontScheme>
+    <a:fmtScheme name="Office">
+      <a:fillStyleLst>
+        <a:solidFill>
+          <a:schemeClr val="phClr"/>
+        </a:solidFill>
+        <a:gradFill rotWithShape="1">
+          <a:gsLst>
+            <a:gs pos="0">
+              <a:schemeClr val="phClr">
+                <a:lumMod val="110000"/>
+                <a:satMod val="105000"/>
+                <a:tint val="67000"/>
+              </a:schemeClr>
+            </a:gs>
+            <a:gs pos="50000">
+              <a:schemeClr val="phClr">
+                <a:lumMod val="105000"/>
+                <a:satMod val="103000"/>
+                <a:tint val="73000"/>
+              </a:schemeClr>
+            </a:gs>
+            <a:gs pos="100000">
+              <a:schemeClr val="phClr">
+                <a:lumMod val="105000"/>
+                <a:satMod val="109000"/>
+                <a:tint val="81000"/>
+              </a:schemeClr>
+            </a:gs>
+          </a:gsLst>
+          <a:lin ang="5400000" scaled="0"/>
+        </a:gradFill>
+        <a:gradFill rotWithShape="1">
+          <a:gsLst>
+            <a:gs pos="0">
+              <a:schemeClr val="phClr">
+                <a:satMod val="103000"/>
+                <a:lumMod val="102000"/>
+                <a:tint val="94000"/>
+              </a:schemeClr>
+            </a:gs>
+            <a:gs pos="50000">
+              <a:schemeClr val="phClr">
+                <a:satMod val="110000"/>
+                <a:lumMod val="100000"/>
+                <a:shade val="100000"/>
+              </a:schemeClr>
+            </a:gs>
+            <a:gs pos="100000">
+              <a:schemeClr val="phClr">
+                <a:lumMod val="99000"/>
+                <a:satMod val="120000"/>
+                <a:shade val="78000"/>
+              </a:schemeClr>
+            </a:gs>
+          </a:gsLst>
+          <a:lin ang="5400000" scaled="0"/>
+        </a:gradFill>
+      </a:fillStyleLst>
+      <a:lnStyleLst>
+        <a:ln w="12700" cap="flat" cmpd="sng" algn="ctr">
+          <a:solidFill>
+            <a:schemeClr val="phClr"/>
+          </a:solidFill>
+          <a:prstDash val="solid"/>
+          <a:miter lim="800000"/>
+        </a:ln>
+        <a:ln w="19050" cap="flat" cmpd="sng" algn="ctr">
+          <a:solidFill>
+            <a:schemeClr val="phClr"/>
+          </a:solidFill>
+          <a:prstDash val="solid"/>
+          <a:miter lim="800000"/>
+        </a:ln>
+        <a:ln w="25400" cap="flat" cmpd="sng" algn="ctr">
+          <a:solidFill>
+            <a:schemeClr val="phClr"/>
+          </a:solidFill>
+          <a:prstDash val="solid"/>
+          <a:miter lim="800000"/>
+        </a:ln>
+      </a:lnStyleLst>
+      <a:effectStyleLst>
+        <a:effectStyle>
+          <a:effectLst/>
+        </a:effectStyle>
+        <a:effectStyle>
+          <a:effectLst/>
+        </a:effectStyle>
+        <a:effectStyle>
+          <a:effectLst>
+            <a:outerShdw blurRad="57150" dist="19050" dir="5400000" algn="ctr" rotWithShape="0">
+              <a:srgbClr val="000000">
+                <a:alpha val="63000"/>
+              </a:srgbClr>
+            </a:outerShdw>
+          </a:effectLst>
+        </a:effectStyle>
+      </a:effectStyleLst>
+      <a:bgFillStyleLst>
+        <a:solidFill>
+          <a:schemeClr val="phClr"/>
+        </a:solidFill>
+        <a:solidFill>
+          <a:schemeClr val="phClr">
+            <a:tint val="95000"/>
+            <a:satMod val="170000"/>
+          </a:schemeClr>
+        </a:solidFill>
+        <a:gradFill rotWithShape="1">
+          <a:gsLst>
+            <a:gs pos="0">
+              <a:schemeClr val="phClr">
+                <a:tint val="93000"/>
+                <a:satMod val="150000"/>
+                <a:shade val="98000"/>
+                <a:lumMod val="102000"/>
+              </a:schemeClr>
+            </a:gs>
+            <a:gs pos="50000">
+              <a:schemeClr val="phClr">
+                <a:tint val="98000"/>
+                <a:satMod val="130000"/>
+                <a:shade val="90000"/>
+                <a:lumMod val="103000"/>
+              </a:schemeClr>
+            </a:gs>
+            <a:gs pos="100000">
+              <a:schemeClr val="phClr">
+                <a:shade val="63000"/>
+                <a:satMod val="120000"/>
+              </a:schemeClr>
+            </a:gs>
+          </a:gsLst>
+          <a:lin ang="5400000" scaled="0"/>
+        </a:gradFill>
+      </a:bgFillStyleLst>
+    </a:fmtScheme>
+  </a:themeElements>
+  <a:objectDefaults>
+    <a:lnDef>
+      <a:spPr/>
+      <a:bodyPr/>
+      <a:lstStyle/>
+      <a:style>
+        <a:lnRef idx="2">
+          <a:schemeClr val="accent1"/>
+        </a:lnRef>
+        <a:fillRef idx="0">
+          <a:schemeClr val="accent1"/>
+        </a:fillRef>
+        <a:effectRef idx="1">
+          <a:schemeClr val="accent1"/>
+        </a:effectRef>
+        <a:fontRef idx="minor">
+          <a:schemeClr val="tx1"/>
+        </a:fontRef>
+      </a:style>
+    </a:lnDef>
+  </a:objectDefaults>
+  <a:extraClrSchemeLst/>
+  <a:extLst>
+    <a:ext uri="{05A4C25C-085E-4340-85A3-A5531E510DB2}">
+      <thm15:themeFamily xmlns:thm15="http://schemas.microsoft.com/office/thememl/2012/main" name="Office Theme" id="{2E142A2C-CD16-42D6-873A-C26D2A0506FA}" vid="{1BDDFF52-6CD6-40A5-AB3C-68EB2F1E4D0A}"/>
+    </a:ext>
+  </a:extLst>
+</a:theme>
 </file>